--- a/documents/project-agwiscart.pptx
+++ b/documents/project-agwiscart.pptx
@@ -24,6 +24,8 @@
     <p:sldId id="267" r:id="rId18"/>
     <p:sldId id="275" r:id="rId19"/>
     <p:sldId id="276" r:id="rId20"/>
+    <p:sldId id="277" r:id="rId21"/>
+    <p:sldId id="278" r:id="rId22"/>
   </p:sldIdLst>
   <p:sldSz cx="12192000" cy="6858000"/>
   <p:notesSz cx="6858000" cy="9144000"/>
@@ -12295,7 +12297,7 @@
           <p:nvPr>
             <p:extLst>
               <p:ext uri="{D42A27DB-BD31-4B8C-83A1-F6EECF244321}">
-                <p14:modId xmlns:p14="http://schemas.microsoft.com/office/powerpoint/2010/main" val="1449376394"/>
+                <p14:modId xmlns:p14="http://schemas.microsoft.com/office/powerpoint/2010/main" val="1529832626"/>
               </p:ext>
             </p:extLst>
           </p:nvPr>
@@ -12507,21 +12509,6 @@
                         </a:rPr>
                         <a:t> </a:t>
                       </a:r>
-                      <a:r>
-                        <a:rPr lang="en-IN" i="1" dirty="0">
-                          <a:solidFill>
-                            <a:srgbClr val="000000"/>
-                          </a:solidFill>
-                          <a:effectLst/>
-                        </a:rPr>
-                        <a:t>(Primary)</a:t>
-                      </a:r>
-                      <a:endParaRPr lang="en-IN" dirty="0">
-                        <a:solidFill>
-                          <a:srgbClr val="000000"/>
-                        </a:solidFill>
-                        <a:effectLst/>
-                      </a:endParaRPr>
                     </a:p>
                   </a:txBody>
                   <a:tcPr anchor="ctr"/>
@@ -14901,7 +14888,7 @@
           <a:p>
             <a:r>
               <a:rPr lang="en-IN" dirty="0"/>
-              <a:t>m</a:t>
+              <a:t>1</a:t>
             </a:r>
           </a:p>
         </p:txBody>
@@ -19296,6 +19283,364 @@
           </a:fontRef>
         </p:style>
       </p:cxnSp>
+      <p:grpSp>
+        <p:nvGrpSpPr>
+          <p:cNvPr id="116" name="Group 115">
+            <a:extLst>
+              <a:ext uri="{FF2B5EF4-FFF2-40B4-BE49-F238E27FC236}">
+                <a16:creationId xmlns:a16="http://schemas.microsoft.com/office/drawing/2014/main" id="{396173A6-90A2-4345-9CF9-1F1779166FC1}"/>
+              </a:ext>
+            </a:extLst>
+          </p:cNvPr>
+          <p:cNvGrpSpPr/>
+          <p:nvPr/>
+        </p:nvGrpSpPr>
+        <p:grpSpPr>
+          <a:xfrm>
+            <a:off x="3536727" y="3404650"/>
+            <a:ext cx="845352" cy="583095"/>
+            <a:chOff x="3672846" y="508776"/>
+            <a:chExt cx="935228" cy="637217"/>
+          </a:xfrm>
+          <a:scene3d>
+            <a:camera prst="orthographicFront"/>
+            <a:lightRig rig="flat" dir="t"/>
+          </a:scene3d>
+        </p:grpSpPr>
+        <p:sp>
+          <p:nvSpPr>
+            <p:cNvPr id="130" name="Oval 129">
+              <a:extLst>
+                <a:ext uri="{FF2B5EF4-FFF2-40B4-BE49-F238E27FC236}">
+                  <a16:creationId xmlns:a16="http://schemas.microsoft.com/office/drawing/2014/main" id="{B159AE83-32EE-4F22-8E53-F4DC5BE65CF4}"/>
+                </a:ext>
+              </a:extLst>
+            </p:cNvPr>
+            <p:cNvSpPr/>
+            <p:nvPr/>
+          </p:nvSpPr>
+          <p:spPr>
+            <a:xfrm>
+              <a:off x="3672846" y="508776"/>
+              <a:ext cx="935228" cy="637217"/>
+            </a:xfrm>
+            <a:prstGeom prst="ellipse">
+              <a:avLst/>
+            </a:prstGeom>
+            <a:sp3d prstMaterial="dkEdge">
+              <a:bevelT w="8200" h="38100"/>
+            </a:sp3d>
+          </p:spPr>
+          <p:style>
+            <a:lnRef idx="0">
+              <a:schemeClr val="lt1">
+                <a:hueOff val="0"/>
+                <a:satOff val="0"/>
+                <a:lumOff val="0"/>
+                <a:alphaOff val="0"/>
+              </a:schemeClr>
+            </a:lnRef>
+            <a:fillRef idx="2">
+              <a:schemeClr val="accent1">
+                <a:hueOff val="0"/>
+                <a:satOff val="0"/>
+                <a:lumOff val="0"/>
+                <a:alphaOff val="0"/>
+              </a:schemeClr>
+            </a:fillRef>
+            <a:effectRef idx="1">
+              <a:schemeClr val="accent1">
+                <a:hueOff val="0"/>
+                <a:satOff val="0"/>
+                <a:lumOff val="0"/>
+                <a:alphaOff val="0"/>
+              </a:schemeClr>
+            </a:effectRef>
+            <a:fontRef idx="minor">
+              <a:schemeClr val="dk1"/>
+            </a:fontRef>
+          </p:style>
+        </p:sp>
+        <p:sp>
+          <p:nvSpPr>
+            <p:cNvPr id="132" name="Oval 5">
+              <a:extLst>
+                <a:ext uri="{FF2B5EF4-FFF2-40B4-BE49-F238E27FC236}">
+                  <a16:creationId xmlns:a16="http://schemas.microsoft.com/office/drawing/2014/main" id="{A197A646-5E6C-4D81-BEE1-7848B2CD81AA}"/>
+                </a:ext>
+              </a:extLst>
+            </p:cNvPr>
+            <p:cNvSpPr txBox="1"/>
+            <p:nvPr/>
+          </p:nvSpPr>
+          <p:spPr>
+            <a:xfrm>
+              <a:off x="3809807" y="602094"/>
+              <a:ext cx="661306" cy="450581"/>
+            </a:xfrm>
+            <a:prstGeom prst="rect">
+              <a:avLst/>
+            </a:prstGeom>
+            <a:sp3d/>
+          </p:spPr>
+          <p:style>
+            <a:lnRef idx="0">
+              <a:scrgbClr r="0" g="0" b="0"/>
+            </a:lnRef>
+            <a:fillRef idx="0">
+              <a:scrgbClr r="0" g="0" b="0"/>
+            </a:fillRef>
+            <a:effectRef idx="0">
+              <a:scrgbClr r="0" g="0" b="0"/>
+            </a:effectRef>
+            <a:fontRef idx="minor">
+              <a:schemeClr val="dk1"/>
+            </a:fontRef>
+          </p:style>
+          <p:txBody>
+            <a:bodyPr spcFirstLastPara="0" vert="horz" wrap="square" lIns="6985" tIns="6985" rIns="6985" bIns="6985" numCol="1" spcCol="1270" anchor="ctr" anchorCtr="0">
+              <a:noAutofit/>
+            </a:bodyPr>
+            <a:lstStyle/>
+            <a:p>
+              <a:pPr marL="0" lvl="0" indent="0" algn="ctr" defTabSz="488950">
+                <a:lnSpc>
+                  <a:spcPct val="90000"/>
+                </a:lnSpc>
+                <a:spcBef>
+                  <a:spcPct val="0"/>
+                </a:spcBef>
+                <a:spcAft>
+                  <a:spcPct val="35000"/>
+                </a:spcAft>
+                <a:buNone/>
+              </a:pPr>
+              <a:r>
+                <a:rPr lang="en-IN" sz="1100" kern="1200" dirty="0"/>
+                <a:t>id</a:t>
+              </a:r>
+            </a:p>
+          </p:txBody>
+        </p:sp>
+      </p:grpSp>
+      <p:grpSp>
+        <p:nvGrpSpPr>
+          <p:cNvPr id="134" name="Group 133">
+            <a:extLst>
+              <a:ext uri="{FF2B5EF4-FFF2-40B4-BE49-F238E27FC236}">
+                <a16:creationId xmlns:a16="http://schemas.microsoft.com/office/drawing/2014/main" id="{A7587437-E325-48F9-A615-92F9EE9AB08E}"/>
+              </a:ext>
+            </a:extLst>
+          </p:cNvPr>
+          <p:cNvGrpSpPr/>
+          <p:nvPr/>
+        </p:nvGrpSpPr>
+        <p:grpSpPr>
+          <a:xfrm>
+            <a:off x="4628112" y="3392252"/>
+            <a:ext cx="1040935" cy="583095"/>
+            <a:chOff x="3672845" y="508776"/>
+            <a:chExt cx="1090389" cy="637217"/>
+          </a:xfrm>
+          <a:scene3d>
+            <a:camera prst="orthographicFront"/>
+            <a:lightRig rig="flat" dir="t"/>
+          </a:scene3d>
+        </p:grpSpPr>
+        <p:sp>
+          <p:nvSpPr>
+            <p:cNvPr id="136" name="Oval 135">
+              <a:extLst>
+                <a:ext uri="{FF2B5EF4-FFF2-40B4-BE49-F238E27FC236}">
+                  <a16:creationId xmlns:a16="http://schemas.microsoft.com/office/drawing/2014/main" id="{5B2C75AD-C122-433C-9ADF-ECE6C67DB7C3}"/>
+                </a:ext>
+              </a:extLst>
+            </p:cNvPr>
+            <p:cNvSpPr/>
+            <p:nvPr/>
+          </p:nvSpPr>
+          <p:spPr>
+            <a:xfrm>
+              <a:off x="3672845" y="508776"/>
+              <a:ext cx="1090389" cy="637217"/>
+            </a:xfrm>
+            <a:prstGeom prst="ellipse">
+              <a:avLst/>
+            </a:prstGeom>
+            <a:sp3d prstMaterial="dkEdge">
+              <a:bevelT w="8200" h="38100"/>
+            </a:sp3d>
+          </p:spPr>
+          <p:style>
+            <a:lnRef idx="0">
+              <a:schemeClr val="lt1">
+                <a:hueOff val="0"/>
+                <a:satOff val="0"/>
+                <a:lumOff val="0"/>
+                <a:alphaOff val="0"/>
+              </a:schemeClr>
+            </a:lnRef>
+            <a:fillRef idx="2">
+              <a:schemeClr val="accent1">
+                <a:hueOff val="0"/>
+                <a:satOff val="0"/>
+                <a:lumOff val="0"/>
+                <a:alphaOff val="0"/>
+              </a:schemeClr>
+            </a:fillRef>
+            <a:effectRef idx="1">
+              <a:schemeClr val="accent1">
+                <a:hueOff val="0"/>
+                <a:satOff val="0"/>
+                <a:lumOff val="0"/>
+                <a:alphaOff val="0"/>
+              </a:schemeClr>
+            </a:effectRef>
+            <a:fontRef idx="minor">
+              <a:schemeClr val="dk1"/>
+            </a:fontRef>
+          </p:style>
+        </p:sp>
+        <p:sp>
+          <p:nvSpPr>
+            <p:cNvPr id="141" name="Oval 5">
+              <a:extLst>
+                <a:ext uri="{FF2B5EF4-FFF2-40B4-BE49-F238E27FC236}">
+                  <a16:creationId xmlns:a16="http://schemas.microsoft.com/office/drawing/2014/main" id="{1FAD7184-3B71-449A-B335-7530952A3DD8}"/>
+                </a:ext>
+              </a:extLst>
+            </p:cNvPr>
+            <p:cNvSpPr txBox="1"/>
+            <p:nvPr/>
+          </p:nvSpPr>
+          <p:spPr>
+            <a:xfrm>
+              <a:off x="3809806" y="602094"/>
+              <a:ext cx="836318" cy="450581"/>
+            </a:xfrm>
+            <a:prstGeom prst="rect">
+              <a:avLst/>
+            </a:prstGeom>
+            <a:sp3d/>
+          </p:spPr>
+          <p:style>
+            <a:lnRef idx="0">
+              <a:scrgbClr r="0" g="0" b="0"/>
+            </a:lnRef>
+            <a:fillRef idx="0">
+              <a:scrgbClr r="0" g="0" b="0"/>
+            </a:fillRef>
+            <a:effectRef idx="0">
+              <a:scrgbClr r="0" g="0" b="0"/>
+            </a:effectRef>
+            <a:fontRef idx="minor">
+              <a:schemeClr val="dk1"/>
+            </a:fontRef>
+          </p:style>
+          <p:txBody>
+            <a:bodyPr spcFirstLastPara="0" vert="horz" wrap="square" lIns="6985" tIns="6985" rIns="6985" bIns="6985" numCol="1" spcCol="1270" anchor="ctr" anchorCtr="0">
+              <a:noAutofit/>
+            </a:bodyPr>
+            <a:lstStyle/>
+            <a:p>
+              <a:pPr marL="0" lvl="0" indent="0" algn="ctr" defTabSz="488950">
+                <a:lnSpc>
+                  <a:spcPct val="90000"/>
+                </a:lnSpc>
+                <a:spcBef>
+                  <a:spcPct val="0"/>
+                </a:spcBef>
+                <a:spcAft>
+                  <a:spcPct val="35000"/>
+                </a:spcAft>
+                <a:buNone/>
+              </a:pPr>
+              <a:r>
+                <a:rPr lang="en-IN" sz="1100" dirty="0" err="1"/>
+                <a:t>Totle_price</a:t>
+              </a:r>
+              <a:endParaRPr lang="en-IN" sz="1100" kern="1200" dirty="0"/>
+            </a:p>
+          </p:txBody>
+        </p:sp>
+      </p:grpSp>
+      <p:cxnSp>
+        <p:nvCxnSpPr>
+          <p:cNvPr id="5" name="Straight Connector 4">
+            <a:extLst>
+              <a:ext uri="{FF2B5EF4-FFF2-40B4-BE49-F238E27FC236}">
+                <a16:creationId xmlns:a16="http://schemas.microsoft.com/office/drawing/2014/main" id="{A339FC1B-7286-4536-8298-11E5D6BEFCB6}"/>
+              </a:ext>
+            </a:extLst>
+          </p:cNvPr>
+          <p:cNvCxnSpPr>
+            <a:stCxn id="130" idx="4"/>
+          </p:cNvCxnSpPr>
+          <p:nvPr/>
+        </p:nvCxnSpPr>
+        <p:spPr>
+          <a:xfrm>
+            <a:off x="3959403" y="3987745"/>
+            <a:ext cx="298877" cy="440061"/>
+          </a:xfrm>
+          <a:prstGeom prst="line">
+            <a:avLst/>
+          </a:prstGeom>
+        </p:spPr>
+        <p:style>
+          <a:lnRef idx="1">
+            <a:schemeClr val="accent1"/>
+          </a:lnRef>
+          <a:fillRef idx="0">
+            <a:schemeClr val="accent1"/>
+          </a:fillRef>
+          <a:effectRef idx="0">
+            <a:schemeClr val="accent1"/>
+          </a:effectRef>
+          <a:fontRef idx="minor">
+            <a:schemeClr val="tx1"/>
+          </a:fontRef>
+        </p:style>
+      </p:cxnSp>
+      <p:cxnSp>
+        <p:nvCxnSpPr>
+          <p:cNvPr id="14" name="Straight Connector 13">
+            <a:extLst>
+              <a:ext uri="{FF2B5EF4-FFF2-40B4-BE49-F238E27FC236}">
+                <a16:creationId xmlns:a16="http://schemas.microsoft.com/office/drawing/2014/main" id="{270BAA5F-9B8A-459C-977C-C2A01A6938E6}"/>
+              </a:ext>
+            </a:extLst>
+          </p:cNvPr>
+          <p:cNvCxnSpPr>
+            <a:stCxn id="136" idx="3"/>
+            <a:endCxn id="51" idx="0"/>
+          </p:cNvCxnSpPr>
+          <p:nvPr/>
+        </p:nvCxnSpPr>
+        <p:spPr>
+          <a:xfrm flipH="1">
+            <a:off x="4451471" y="3889955"/>
+            <a:ext cx="329082" cy="537851"/>
+          </a:xfrm>
+          <a:prstGeom prst="line">
+            <a:avLst/>
+          </a:prstGeom>
+        </p:spPr>
+        <p:style>
+          <a:lnRef idx="1">
+            <a:schemeClr val="accent1"/>
+          </a:lnRef>
+          <a:fillRef idx="0">
+            <a:schemeClr val="accent1"/>
+          </a:fillRef>
+          <a:effectRef idx="0">
+            <a:schemeClr val="accent1"/>
+          </a:effectRef>
+          <a:fontRef idx="minor">
+            <a:schemeClr val="tx1"/>
+          </a:fontRef>
+        </p:style>
+      </p:cxnSp>
     </p:spTree>
     <p:extLst>
       <p:ext uri="{BB962C8B-B14F-4D97-AF65-F5344CB8AC3E}">
@@ -19408,8 +19753,8 @@
         </p:nvSpPr>
         <p:spPr>
           <a:xfrm>
-            <a:off x="1507066" y="2404533"/>
-            <a:ext cx="7904219" cy="2139331"/>
+            <a:off x="2872039" y="0"/>
+            <a:ext cx="5198535" cy="647725"/>
           </a:xfrm>
         </p:spPr>
         <p:txBody>
@@ -19418,8 +19763,1103 @@
           <a:p>
             <a:pPr algn="ctr"/>
             <a:r>
-              <a:rPr lang="en-IN" sz="6000" b="1" u="sng" dirty="0"/>
-              <a:t>UML DIAGRAM</a:t>
+              <a:rPr lang="en-IN" sz="4000" b="1" u="sng" dirty="0"/>
+              <a:t>USE CASE DIAGRAM</a:t>
+            </a:r>
+          </a:p>
+        </p:txBody>
+      </p:sp>
+      <p:sp>
+        <p:nvSpPr>
+          <p:cNvPr id="3" name="Title 1">
+            <a:extLst>
+              <a:ext uri="{FF2B5EF4-FFF2-40B4-BE49-F238E27FC236}">
+                <a16:creationId xmlns:a16="http://schemas.microsoft.com/office/drawing/2014/main" id="{BA66E590-5C87-4C7E-923D-4EE5A0314693}"/>
+              </a:ext>
+            </a:extLst>
+          </p:cNvPr>
+          <p:cNvSpPr txBox="1">
+            <a:spLocks/>
+          </p:cNvSpPr>
+          <p:nvPr/>
+        </p:nvSpPr>
+        <p:spPr>
+          <a:xfrm>
+            <a:off x="201727" y="980661"/>
+            <a:ext cx="2378765" cy="415812"/>
+          </a:xfrm>
+          <a:prstGeom prst="rect">
+            <a:avLst/>
+          </a:prstGeom>
+        </p:spPr>
+        <p:txBody>
+          <a:bodyPr vert="horz" lIns="91440" tIns="45720" rIns="91440" bIns="45720" rtlCol="0" anchor="b">
+            <a:noAutofit/>
+          </a:bodyPr>
+          <a:lstStyle>
+            <a:lvl1pPr algn="r" defTabSz="457200" rtl="0" eaLnBrk="1" latinLnBrk="0" hangingPunct="1">
+              <a:spcBef>
+                <a:spcPct val="0"/>
+              </a:spcBef>
+              <a:buNone/>
+              <a:defRPr sz="5400" kern="1200">
+                <a:solidFill>
+                  <a:schemeClr val="accent1"/>
+                </a:solidFill>
+                <a:latin typeface="+mj-lt"/>
+                <a:ea typeface="+mj-ea"/>
+                <a:cs typeface="+mj-cs"/>
+              </a:defRPr>
+            </a:lvl1pPr>
+            <a:lvl2pPr eaLnBrk="1" hangingPunct="1">
+              <a:defRPr>
+                <a:solidFill>
+                  <a:schemeClr val="tx2"/>
+                </a:solidFill>
+              </a:defRPr>
+            </a:lvl2pPr>
+            <a:lvl3pPr eaLnBrk="1" hangingPunct="1">
+              <a:defRPr>
+                <a:solidFill>
+                  <a:schemeClr val="tx2"/>
+                </a:solidFill>
+              </a:defRPr>
+            </a:lvl3pPr>
+            <a:lvl4pPr eaLnBrk="1" hangingPunct="1">
+              <a:defRPr>
+                <a:solidFill>
+                  <a:schemeClr val="tx2"/>
+                </a:solidFill>
+              </a:defRPr>
+            </a:lvl4pPr>
+            <a:lvl5pPr eaLnBrk="1" hangingPunct="1">
+              <a:defRPr>
+                <a:solidFill>
+                  <a:schemeClr val="tx2"/>
+                </a:solidFill>
+              </a:defRPr>
+            </a:lvl5pPr>
+            <a:lvl6pPr eaLnBrk="1" hangingPunct="1">
+              <a:defRPr>
+                <a:solidFill>
+                  <a:schemeClr val="tx2"/>
+                </a:solidFill>
+              </a:defRPr>
+            </a:lvl6pPr>
+            <a:lvl7pPr eaLnBrk="1" hangingPunct="1">
+              <a:defRPr>
+                <a:solidFill>
+                  <a:schemeClr val="tx2"/>
+                </a:solidFill>
+              </a:defRPr>
+            </a:lvl7pPr>
+            <a:lvl8pPr eaLnBrk="1" hangingPunct="1">
+              <a:defRPr>
+                <a:solidFill>
+                  <a:schemeClr val="tx2"/>
+                </a:solidFill>
+              </a:defRPr>
+            </a:lvl8pPr>
+            <a:lvl9pPr eaLnBrk="1" hangingPunct="1">
+              <a:defRPr>
+                <a:solidFill>
+                  <a:schemeClr val="tx2"/>
+                </a:solidFill>
+              </a:defRPr>
+            </a:lvl9pPr>
+          </a:lstStyle>
+          <a:p>
+            <a:pPr algn="ctr"/>
+            <a:r>
+              <a:rPr lang="en-IN" sz="2400" dirty="0"/>
+              <a:t>ADMIN:-</a:t>
+            </a:r>
+          </a:p>
+        </p:txBody>
+      </p:sp>
+      <p:sp>
+        <p:nvSpPr>
+          <p:cNvPr id="6" name="Oval 5">
+            <a:extLst>
+              <a:ext uri="{FF2B5EF4-FFF2-40B4-BE49-F238E27FC236}">
+                <a16:creationId xmlns:a16="http://schemas.microsoft.com/office/drawing/2014/main" id="{451B7855-4BF7-4FBC-B99E-642569F68CFE}"/>
+              </a:ext>
+            </a:extLst>
+          </p:cNvPr>
+          <p:cNvSpPr/>
+          <p:nvPr/>
+        </p:nvSpPr>
+        <p:spPr>
+          <a:xfrm>
+            <a:off x="579463" y="2406634"/>
+            <a:ext cx="503952" cy="415812"/>
+          </a:xfrm>
+          <a:prstGeom prst="ellipse">
+            <a:avLst/>
+          </a:prstGeom>
+        </p:spPr>
+        <p:style>
+          <a:lnRef idx="2">
+            <a:schemeClr val="accent1">
+              <a:shade val="50000"/>
+            </a:schemeClr>
+          </a:lnRef>
+          <a:fillRef idx="1">
+            <a:schemeClr val="accent1"/>
+          </a:fillRef>
+          <a:effectRef idx="0">
+            <a:schemeClr val="accent1"/>
+          </a:effectRef>
+          <a:fontRef idx="minor">
+            <a:schemeClr val="lt1"/>
+          </a:fontRef>
+        </p:style>
+        <p:txBody>
+          <a:bodyPr rtlCol="0" anchor="ctr"/>
+          <a:lstStyle/>
+          <a:p>
+            <a:pPr algn="ctr"/>
+            <a:endParaRPr lang="en-IN"/>
+          </a:p>
+        </p:txBody>
+      </p:sp>
+      <p:cxnSp>
+        <p:nvCxnSpPr>
+          <p:cNvPr id="8" name="Straight Connector 7">
+            <a:extLst>
+              <a:ext uri="{FF2B5EF4-FFF2-40B4-BE49-F238E27FC236}">
+                <a16:creationId xmlns:a16="http://schemas.microsoft.com/office/drawing/2014/main" id="{3605AD9E-D77E-41AC-9D32-2728616368D1}"/>
+              </a:ext>
+            </a:extLst>
+          </p:cNvPr>
+          <p:cNvCxnSpPr>
+            <a:stCxn id="6" idx="4"/>
+          </p:cNvCxnSpPr>
+          <p:nvPr/>
+        </p:nvCxnSpPr>
+        <p:spPr>
+          <a:xfrm flipH="1">
+            <a:off x="818371" y="2822446"/>
+            <a:ext cx="13068" cy="1227458"/>
+          </a:xfrm>
+          <a:prstGeom prst="line">
+            <a:avLst/>
+          </a:prstGeom>
+        </p:spPr>
+        <p:style>
+          <a:lnRef idx="1">
+            <a:schemeClr val="accent1"/>
+          </a:lnRef>
+          <a:fillRef idx="0">
+            <a:schemeClr val="accent1"/>
+          </a:fillRef>
+          <a:effectRef idx="0">
+            <a:schemeClr val="accent1"/>
+          </a:effectRef>
+          <a:fontRef idx="minor">
+            <a:schemeClr val="tx1"/>
+          </a:fontRef>
+        </p:style>
+      </p:cxnSp>
+      <p:cxnSp>
+        <p:nvCxnSpPr>
+          <p:cNvPr id="10" name="Straight Connector 9">
+            <a:extLst>
+              <a:ext uri="{FF2B5EF4-FFF2-40B4-BE49-F238E27FC236}">
+                <a16:creationId xmlns:a16="http://schemas.microsoft.com/office/drawing/2014/main" id="{D7762DC2-387F-425D-AEC7-29F51ADA4336}"/>
+              </a:ext>
+            </a:extLst>
+          </p:cNvPr>
+          <p:cNvCxnSpPr>
+            <a:cxnSpLocks/>
+          </p:cNvCxnSpPr>
+          <p:nvPr/>
+        </p:nvCxnSpPr>
+        <p:spPr>
+          <a:xfrm>
+            <a:off x="818371" y="4049904"/>
+            <a:ext cx="415812" cy="415812"/>
+          </a:xfrm>
+          <a:prstGeom prst="line">
+            <a:avLst/>
+          </a:prstGeom>
+        </p:spPr>
+        <p:style>
+          <a:lnRef idx="1">
+            <a:schemeClr val="accent1"/>
+          </a:lnRef>
+          <a:fillRef idx="0">
+            <a:schemeClr val="accent1"/>
+          </a:fillRef>
+          <a:effectRef idx="0">
+            <a:schemeClr val="accent1"/>
+          </a:effectRef>
+          <a:fontRef idx="minor">
+            <a:schemeClr val="tx1"/>
+          </a:fontRef>
+        </p:style>
+      </p:cxnSp>
+      <p:cxnSp>
+        <p:nvCxnSpPr>
+          <p:cNvPr id="12" name="Straight Connector 11">
+            <a:extLst>
+              <a:ext uri="{FF2B5EF4-FFF2-40B4-BE49-F238E27FC236}">
+                <a16:creationId xmlns:a16="http://schemas.microsoft.com/office/drawing/2014/main" id="{3A214E36-9B21-4C14-92EC-54B6F0C57E67}"/>
+              </a:ext>
+            </a:extLst>
+          </p:cNvPr>
+          <p:cNvCxnSpPr/>
+          <p:nvPr/>
+        </p:nvCxnSpPr>
+        <p:spPr>
+          <a:xfrm flipH="1">
+            <a:off x="402559" y="4049904"/>
+            <a:ext cx="415812" cy="415812"/>
+          </a:xfrm>
+          <a:prstGeom prst="line">
+            <a:avLst/>
+          </a:prstGeom>
+        </p:spPr>
+        <p:style>
+          <a:lnRef idx="1">
+            <a:schemeClr val="accent1"/>
+          </a:lnRef>
+          <a:fillRef idx="0">
+            <a:schemeClr val="accent1"/>
+          </a:fillRef>
+          <a:effectRef idx="0">
+            <a:schemeClr val="accent1"/>
+          </a:effectRef>
+          <a:fontRef idx="minor">
+            <a:schemeClr val="tx1"/>
+          </a:fontRef>
+        </p:style>
+      </p:cxnSp>
+      <p:cxnSp>
+        <p:nvCxnSpPr>
+          <p:cNvPr id="15" name="Straight Connector 14">
+            <a:extLst>
+              <a:ext uri="{FF2B5EF4-FFF2-40B4-BE49-F238E27FC236}">
+                <a16:creationId xmlns:a16="http://schemas.microsoft.com/office/drawing/2014/main" id="{A337EC80-EB40-4C4F-A4E0-B04C81DBD996}"/>
+              </a:ext>
+            </a:extLst>
+          </p:cNvPr>
+          <p:cNvCxnSpPr/>
+          <p:nvPr/>
+        </p:nvCxnSpPr>
+        <p:spPr>
+          <a:xfrm flipH="1">
+            <a:off x="483803" y="3238258"/>
+            <a:ext cx="334568" cy="334568"/>
+          </a:xfrm>
+          <a:prstGeom prst="line">
+            <a:avLst/>
+          </a:prstGeom>
+        </p:spPr>
+        <p:style>
+          <a:lnRef idx="1">
+            <a:schemeClr val="accent1"/>
+          </a:lnRef>
+          <a:fillRef idx="0">
+            <a:schemeClr val="accent1"/>
+          </a:fillRef>
+          <a:effectRef idx="0">
+            <a:schemeClr val="accent1"/>
+          </a:effectRef>
+          <a:fontRef idx="minor">
+            <a:schemeClr val="tx1"/>
+          </a:fontRef>
+        </p:style>
+      </p:cxnSp>
+      <p:cxnSp>
+        <p:nvCxnSpPr>
+          <p:cNvPr id="17" name="Straight Connector 16">
+            <a:extLst>
+              <a:ext uri="{FF2B5EF4-FFF2-40B4-BE49-F238E27FC236}">
+                <a16:creationId xmlns:a16="http://schemas.microsoft.com/office/drawing/2014/main" id="{13EBE035-14E4-41C9-BCC0-F782FE8E2985}"/>
+              </a:ext>
+            </a:extLst>
+          </p:cNvPr>
+          <p:cNvCxnSpPr>
+            <a:cxnSpLocks/>
+          </p:cNvCxnSpPr>
+          <p:nvPr/>
+        </p:nvCxnSpPr>
+        <p:spPr>
+          <a:xfrm>
+            <a:off x="831439" y="3238258"/>
+            <a:ext cx="281559" cy="281559"/>
+          </a:xfrm>
+          <a:prstGeom prst="line">
+            <a:avLst/>
+          </a:prstGeom>
+        </p:spPr>
+        <p:style>
+          <a:lnRef idx="1">
+            <a:schemeClr val="accent1"/>
+          </a:lnRef>
+          <a:fillRef idx="0">
+            <a:schemeClr val="accent1"/>
+          </a:fillRef>
+          <a:effectRef idx="0">
+            <a:schemeClr val="accent1"/>
+          </a:effectRef>
+          <a:fontRef idx="minor">
+            <a:schemeClr val="tx1"/>
+          </a:fontRef>
+        </p:style>
+      </p:cxnSp>
+      <p:sp>
+        <p:nvSpPr>
+          <p:cNvPr id="21" name="Rectangle 20">
+            <a:extLst>
+              <a:ext uri="{FF2B5EF4-FFF2-40B4-BE49-F238E27FC236}">
+                <a16:creationId xmlns:a16="http://schemas.microsoft.com/office/drawing/2014/main" id="{A2463234-9A6E-4CC6-8662-0073A861D697}"/>
+              </a:ext>
+            </a:extLst>
+          </p:cNvPr>
+          <p:cNvSpPr/>
+          <p:nvPr/>
+        </p:nvSpPr>
+        <p:spPr>
+          <a:xfrm>
+            <a:off x="4479277" y="980661"/>
+            <a:ext cx="4161097" cy="5764695"/>
+          </a:xfrm>
+          <a:prstGeom prst="rect">
+            <a:avLst/>
+          </a:prstGeom>
+        </p:spPr>
+        <p:style>
+          <a:lnRef idx="2">
+            <a:schemeClr val="dk1"/>
+          </a:lnRef>
+          <a:fillRef idx="1">
+            <a:schemeClr val="lt1"/>
+          </a:fillRef>
+          <a:effectRef idx="0">
+            <a:schemeClr val="dk1"/>
+          </a:effectRef>
+          <a:fontRef idx="minor">
+            <a:schemeClr val="dk1"/>
+          </a:fontRef>
+        </p:style>
+        <p:txBody>
+          <a:bodyPr rtlCol="0" anchor="ctr"/>
+          <a:lstStyle/>
+          <a:p>
+            <a:pPr algn="ctr"/>
+            <a:endParaRPr lang="en-IN"/>
+          </a:p>
+        </p:txBody>
+      </p:sp>
+      <p:cxnSp>
+        <p:nvCxnSpPr>
+          <p:cNvPr id="23" name="Straight Connector 22">
+            <a:extLst>
+              <a:ext uri="{FF2B5EF4-FFF2-40B4-BE49-F238E27FC236}">
+                <a16:creationId xmlns:a16="http://schemas.microsoft.com/office/drawing/2014/main" id="{938A56E5-6E47-4E82-AA9F-696D438914C8}"/>
+              </a:ext>
+            </a:extLst>
+          </p:cNvPr>
+          <p:cNvCxnSpPr>
+            <a:cxnSpLocks/>
+          </p:cNvCxnSpPr>
+          <p:nvPr/>
+        </p:nvCxnSpPr>
+        <p:spPr>
+          <a:xfrm>
+            <a:off x="4457632" y="5975914"/>
+            <a:ext cx="4182742" cy="0"/>
+          </a:xfrm>
+          <a:prstGeom prst="line">
+            <a:avLst/>
+          </a:prstGeom>
+        </p:spPr>
+        <p:style>
+          <a:lnRef idx="1">
+            <a:schemeClr val="dk1"/>
+          </a:lnRef>
+          <a:fillRef idx="0">
+            <a:schemeClr val="dk1"/>
+          </a:fillRef>
+          <a:effectRef idx="0">
+            <a:schemeClr val="dk1"/>
+          </a:effectRef>
+          <a:fontRef idx="minor">
+            <a:schemeClr val="tx1"/>
+          </a:fontRef>
+        </p:style>
+      </p:cxnSp>
+      <p:sp>
+        <p:nvSpPr>
+          <p:cNvPr id="25" name="TextBox 24">
+            <a:extLst>
+              <a:ext uri="{FF2B5EF4-FFF2-40B4-BE49-F238E27FC236}">
+                <a16:creationId xmlns:a16="http://schemas.microsoft.com/office/drawing/2014/main" id="{6EA95F06-150E-4280-8AB9-B3303826AE53}"/>
+              </a:ext>
+            </a:extLst>
+          </p:cNvPr>
+          <p:cNvSpPr txBox="1"/>
+          <p:nvPr/>
+        </p:nvSpPr>
+        <p:spPr>
+          <a:xfrm>
+            <a:off x="5076423" y="6000258"/>
+            <a:ext cx="2945160" cy="646331"/>
+          </a:xfrm>
+          <a:prstGeom prst="rect">
+            <a:avLst/>
+          </a:prstGeom>
+          <a:noFill/>
+        </p:spPr>
+        <p:txBody>
+          <a:bodyPr wrap="square" rtlCol="0">
+            <a:spAutoFit/>
+          </a:bodyPr>
+          <a:lstStyle/>
+          <a:p>
+            <a:pPr algn="ctr"/>
+            <a:r>
+              <a:rPr lang="en-IN" dirty="0"/>
+              <a:t>E-COMMERCE SYSTEM</a:t>
+            </a:r>
+          </a:p>
+          <a:p>
+            <a:pPr algn="ctr"/>
+            <a:r>
+              <a:rPr lang="en-IN" dirty="0"/>
+              <a:t>(AGWISCART.COM)</a:t>
+            </a:r>
+          </a:p>
+        </p:txBody>
+      </p:sp>
+      <p:sp>
+        <p:nvSpPr>
+          <p:cNvPr id="26" name="Oval 25">
+            <a:extLst>
+              <a:ext uri="{FF2B5EF4-FFF2-40B4-BE49-F238E27FC236}">
+                <a16:creationId xmlns:a16="http://schemas.microsoft.com/office/drawing/2014/main" id="{F4C30D40-2156-47E7-AD59-6BAEADEC4570}"/>
+              </a:ext>
+            </a:extLst>
+          </p:cNvPr>
+          <p:cNvSpPr/>
+          <p:nvPr/>
+        </p:nvSpPr>
+        <p:spPr>
+          <a:xfrm>
+            <a:off x="4468454" y="1227465"/>
+            <a:ext cx="4182742" cy="647718"/>
+          </a:xfrm>
+          <a:prstGeom prst="ellipse">
+            <a:avLst/>
+          </a:prstGeom>
+        </p:spPr>
+        <p:style>
+          <a:lnRef idx="2">
+            <a:schemeClr val="accent1">
+              <a:shade val="50000"/>
+            </a:schemeClr>
+          </a:lnRef>
+          <a:fillRef idx="1">
+            <a:schemeClr val="accent1"/>
+          </a:fillRef>
+          <a:effectRef idx="0">
+            <a:schemeClr val="accent1"/>
+          </a:effectRef>
+          <a:fontRef idx="minor">
+            <a:schemeClr val="lt1"/>
+          </a:fontRef>
+        </p:style>
+        <p:txBody>
+          <a:bodyPr rtlCol="0" anchor="ctr"/>
+          <a:lstStyle/>
+          <a:p>
+            <a:pPr algn="ctr"/>
+            <a:r>
+              <a:rPr lang="en-IN" dirty="0"/>
+              <a:t>LOG IN</a:t>
+            </a:r>
+          </a:p>
+        </p:txBody>
+      </p:sp>
+      <p:sp>
+        <p:nvSpPr>
+          <p:cNvPr id="28" name="Oval 27">
+            <a:extLst>
+              <a:ext uri="{FF2B5EF4-FFF2-40B4-BE49-F238E27FC236}">
+                <a16:creationId xmlns:a16="http://schemas.microsoft.com/office/drawing/2014/main" id="{563F4267-4C1E-4574-B689-C2144CE7D410}"/>
+              </a:ext>
+            </a:extLst>
+          </p:cNvPr>
+          <p:cNvSpPr/>
+          <p:nvPr/>
+        </p:nvSpPr>
+        <p:spPr>
+          <a:xfrm>
+            <a:off x="4457632" y="1985374"/>
+            <a:ext cx="4182742" cy="647718"/>
+          </a:xfrm>
+          <a:prstGeom prst="ellipse">
+            <a:avLst/>
+          </a:prstGeom>
+        </p:spPr>
+        <p:style>
+          <a:lnRef idx="2">
+            <a:schemeClr val="accent1">
+              <a:shade val="50000"/>
+            </a:schemeClr>
+          </a:lnRef>
+          <a:fillRef idx="1">
+            <a:schemeClr val="accent1"/>
+          </a:fillRef>
+          <a:effectRef idx="0">
+            <a:schemeClr val="accent1"/>
+          </a:effectRef>
+          <a:fontRef idx="minor">
+            <a:schemeClr val="lt1"/>
+          </a:fontRef>
+        </p:style>
+        <p:txBody>
+          <a:bodyPr rtlCol="0" anchor="ctr"/>
+          <a:lstStyle/>
+          <a:p>
+            <a:pPr algn="ctr"/>
+            <a:r>
+              <a:rPr lang="en-IN" dirty="0"/>
+              <a:t>ADD PRODUCT</a:t>
+            </a:r>
+          </a:p>
+        </p:txBody>
+      </p:sp>
+      <p:sp>
+        <p:nvSpPr>
+          <p:cNvPr id="30" name="Oval 29">
+            <a:extLst>
+              <a:ext uri="{FF2B5EF4-FFF2-40B4-BE49-F238E27FC236}">
+                <a16:creationId xmlns:a16="http://schemas.microsoft.com/office/drawing/2014/main" id="{C5EF4F18-0282-4B67-B234-EE761C06D321}"/>
+              </a:ext>
+            </a:extLst>
+          </p:cNvPr>
+          <p:cNvSpPr/>
+          <p:nvPr/>
+        </p:nvSpPr>
+        <p:spPr>
+          <a:xfrm>
+            <a:off x="4457632" y="2788457"/>
+            <a:ext cx="4182742" cy="647718"/>
+          </a:xfrm>
+          <a:prstGeom prst="ellipse">
+            <a:avLst/>
+          </a:prstGeom>
+        </p:spPr>
+        <p:style>
+          <a:lnRef idx="2">
+            <a:schemeClr val="accent1">
+              <a:shade val="50000"/>
+            </a:schemeClr>
+          </a:lnRef>
+          <a:fillRef idx="1">
+            <a:schemeClr val="accent1"/>
+          </a:fillRef>
+          <a:effectRef idx="0">
+            <a:schemeClr val="accent1"/>
+          </a:effectRef>
+          <a:fontRef idx="minor">
+            <a:schemeClr val="lt1"/>
+          </a:fontRef>
+        </p:style>
+        <p:txBody>
+          <a:bodyPr rtlCol="0" anchor="ctr"/>
+          <a:lstStyle/>
+          <a:p>
+            <a:pPr algn="ctr"/>
+            <a:r>
+              <a:rPr lang="en-IN" dirty="0"/>
+              <a:t>REMOVE PRODUCT</a:t>
+            </a:r>
+          </a:p>
+        </p:txBody>
+      </p:sp>
+      <p:sp>
+        <p:nvSpPr>
+          <p:cNvPr id="32" name="Oval 31">
+            <a:extLst>
+              <a:ext uri="{FF2B5EF4-FFF2-40B4-BE49-F238E27FC236}">
+                <a16:creationId xmlns:a16="http://schemas.microsoft.com/office/drawing/2014/main" id="{9A4510EC-54F7-4980-A22F-59376852C843}"/>
+              </a:ext>
+            </a:extLst>
+          </p:cNvPr>
+          <p:cNvSpPr/>
+          <p:nvPr/>
+        </p:nvSpPr>
+        <p:spPr>
+          <a:xfrm>
+            <a:off x="4468454" y="3600462"/>
+            <a:ext cx="4182742" cy="647718"/>
+          </a:xfrm>
+          <a:prstGeom prst="ellipse">
+            <a:avLst/>
+          </a:prstGeom>
+        </p:spPr>
+        <p:style>
+          <a:lnRef idx="2">
+            <a:schemeClr val="accent1">
+              <a:shade val="50000"/>
+            </a:schemeClr>
+          </a:lnRef>
+          <a:fillRef idx="1">
+            <a:schemeClr val="accent1"/>
+          </a:fillRef>
+          <a:effectRef idx="0">
+            <a:schemeClr val="accent1"/>
+          </a:effectRef>
+          <a:fontRef idx="minor">
+            <a:schemeClr val="lt1"/>
+          </a:fontRef>
+        </p:style>
+        <p:txBody>
+          <a:bodyPr rtlCol="0" anchor="ctr"/>
+          <a:lstStyle/>
+          <a:p>
+            <a:pPr algn="ctr"/>
+            <a:r>
+              <a:rPr lang="en-IN" dirty="0"/>
+              <a:t>VIEW PRODUCT</a:t>
+            </a:r>
+          </a:p>
+        </p:txBody>
+      </p:sp>
+      <p:sp>
+        <p:nvSpPr>
+          <p:cNvPr id="34" name="Oval 33">
+            <a:extLst>
+              <a:ext uri="{FF2B5EF4-FFF2-40B4-BE49-F238E27FC236}">
+                <a16:creationId xmlns:a16="http://schemas.microsoft.com/office/drawing/2014/main" id="{01D9C458-3CE4-40E5-B976-43D6DEED8530}"/>
+              </a:ext>
+            </a:extLst>
+          </p:cNvPr>
+          <p:cNvSpPr/>
+          <p:nvPr/>
+        </p:nvSpPr>
+        <p:spPr>
+          <a:xfrm>
+            <a:off x="4468454" y="4403545"/>
+            <a:ext cx="4182742" cy="647718"/>
+          </a:xfrm>
+          <a:prstGeom prst="ellipse">
+            <a:avLst/>
+          </a:prstGeom>
+        </p:spPr>
+        <p:style>
+          <a:lnRef idx="2">
+            <a:schemeClr val="accent1">
+              <a:shade val="50000"/>
+            </a:schemeClr>
+          </a:lnRef>
+          <a:fillRef idx="1">
+            <a:schemeClr val="accent1"/>
+          </a:fillRef>
+          <a:effectRef idx="0">
+            <a:schemeClr val="accent1"/>
+          </a:effectRef>
+          <a:fontRef idx="minor">
+            <a:schemeClr val="lt1"/>
+          </a:fontRef>
+        </p:style>
+        <p:txBody>
+          <a:bodyPr rtlCol="0" anchor="ctr"/>
+          <a:lstStyle/>
+          <a:p>
+            <a:pPr algn="ctr"/>
+            <a:r>
+              <a:rPr lang="en-IN" dirty="0"/>
+              <a:t>MANAGE ORDERS </a:t>
+            </a:r>
+          </a:p>
+        </p:txBody>
+      </p:sp>
+      <p:sp>
+        <p:nvSpPr>
+          <p:cNvPr id="36" name="Oval 35">
+            <a:extLst>
+              <a:ext uri="{FF2B5EF4-FFF2-40B4-BE49-F238E27FC236}">
+                <a16:creationId xmlns:a16="http://schemas.microsoft.com/office/drawing/2014/main" id="{051D57F2-83D4-425D-BF00-ADB506050A75}"/>
+              </a:ext>
+            </a:extLst>
+          </p:cNvPr>
+          <p:cNvSpPr/>
+          <p:nvPr/>
+        </p:nvSpPr>
+        <p:spPr>
+          <a:xfrm>
+            <a:off x="4457632" y="5160953"/>
+            <a:ext cx="4182742" cy="647718"/>
+          </a:xfrm>
+          <a:prstGeom prst="ellipse">
+            <a:avLst/>
+          </a:prstGeom>
+        </p:spPr>
+        <p:style>
+          <a:lnRef idx="2">
+            <a:schemeClr val="accent1">
+              <a:shade val="50000"/>
+            </a:schemeClr>
+          </a:lnRef>
+          <a:fillRef idx="1">
+            <a:schemeClr val="accent1"/>
+          </a:fillRef>
+          <a:effectRef idx="0">
+            <a:schemeClr val="accent1"/>
+          </a:effectRef>
+          <a:fontRef idx="minor">
+            <a:schemeClr val="lt1"/>
+          </a:fontRef>
+        </p:style>
+        <p:txBody>
+          <a:bodyPr rtlCol="0" anchor="ctr"/>
+          <a:lstStyle/>
+          <a:p>
+            <a:pPr algn="ctr"/>
+            <a:r>
+              <a:rPr lang="en-IN" dirty="0"/>
+              <a:t>ADD USERS</a:t>
+            </a:r>
+          </a:p>
+        </p:txBody>
+      </p:sp>
+      <p:cxnSp>
+        <p:nvCxnSpPr>
+          <p:cNvPr id="38" name="Straight Connector 37">
+            <a:extLst>
+              <a:ext uri="{FF2B5EF4-FFF2-40B4-BE49-F238E27FC236}">
+                <a16:creationId xmlns:a16="http://schemas.microsoft.com/office/drawing/2014/main" id="{46FBA345-5DED-41EB-8B5A-123F79DCB5C0}"/>
+              </a:ext>
+            </a:extLst>
+          </p:cNvPr>
+          <p:cNvCxnSpPr>
+            <a:endCxn id="26" idx="2"/>
+          </p:cNvCxnSpPr>
+          <p:nvPr/>
+        </p:nvCxnSpPr>
+        <p:spPr>
+          <a:xfrm flipV="1">
+            <a:off x="793070" y="1551324"/>
+            <a:ext cx="3675384" cy="1724419"/>
+          </a:xfrm>
+          <a:prstGeom prst="line">
+            <a:avLst/>
+          </a:prstGeom>
+        </p:spPr>
+        <p:style>
+          <a:lnRef idx="1">
+            <a:schemeClr val="dk1"/>
+          </a:lnRef>
+          <a:fillRef idx="0">
+            <a:schemeClr val="dk1"/>
+          </a:fillRef>
+          <a:effectRef idx="0">
+            <a:schemeClr val="dk1"/>
+          </a:effectRef>
+          <a:fontRef idx="minor">
+            <a:schemeClr val="tx1"/>
+          </a:fontRef>
+        </p:style>
+      </p:cxnSp>
+      <p:cxnSp>
+        <p:nvCxnSpPr>
+          <p:cNvPr id="40" name="Straight Connector 39">
+            <a:extLst>
+              <a:ext uri="{FF2B5EF4-FFF2-40B4-BE49-F238E27FC236}">
+                <a16:creationId xmlns:a16="http://schemas.microsoft.com/office/drawing/2014/main" id="{05BE07E8-3775-43BC-BE3C-82C4BD063D9B}"/>
+              </a:ext>
+            </a:extLst>
+          </p:cNvPr>
+          <p:cNvCxnSpPr>
+            <a:endCxn id="28" idx="2"/>
+          </p:cNvCxnSpPr>
+          <p:nvPr/>
+        </p:nvCxnSpPr>
+        <p:spPr>
+          <a:xfrm flipV="1">
+            <a:off x="853084" y="2309233"/>
+            <a:ext cx="3604548" cy="962083"/>
+          </a:xfrm>
+          <a:prstGeom prst="line">
+            <a:avLst/>
+          </a:prstGeom>
+        </p:spPr>
+        <p:style>
+          <a:lnRef idx="1">
+            <a:schemeClr val="dk1"/>
+          </a:lnRef>
+          <a:fillRef idx="0">
+            <a:schemeClr val="dk1"/>
+          </a:fillRef>
+          <a:effectRef idx="0">
+            <a:schemeClr val="dk1"/>
+          </a:effectRef>
+          <a:fontRef idx="minor">
+            <a:schemeClr val="tx1"/>
+          </a:fontRef>
+        </p:style>
+      </p:cxnSp>
+      <p:cxnSp>
+        <p:nvCxnSpPr>
+          <p:cNvPr id="42" name="Straight Connector 41">
+            <a:extLst>
+              <a:ext uri="{FF2B5EF4-FFF2-40B4-BE49-F238E27FC236}">
+                <a16:creationId xmlns:a16="http://schemas.microsoft.com/office/drawing/2014/main" id="{15DD1387-3DFB-4181-A390-1F599E810DE9}"/>
+              </a:ext>
+            </a:extLst>
+          </p:cNvPr>
+          <p:cNvCxnSpPr>
+            <a:endCxn id="30" idx="2"/>
+          </p:cNvCxnSpPr>
+          <p:nvPr/>
+        </p:nvCxnSpPr>
+        <p:spPr>
+          <a:xfrm flipV="1">
+            <a:off x="847672" y="3112316"/>
+            <a:ext cx="3609960" cy="168147"/>
+          </a:xfrm>
+          <a:prstGeom prst="line">
+            <a:avLst/>
+          </a:prstGeom>
+        </p:spPr>
+        <p:style>
+          <a:lnRef idx="1">
+            <a:schemeClr val="dk1"/>
+          </a:lnRef>
+          <a:fillRef idx="0">
+            <a:schemeClr val="dk1"/>
+          </a:fillRef>
+          <a:effectRef idx="0">
+            <a:schemeClr val="dk1"/>
+          </a:effectRef>
+          <a:fontRef idx="minor">
+            <a:schemeClr val="tx1"/>
+          </a:fontRef>
+        </p:style>
+      </p:cxnSp>
+      <p:cxnSp>
+        <p:nvCxnSpPr>
+          <p:cNvPr id="44" name="Straight Connector 43">
+            <a:extLst>
+              <a:ext uri="{FF2B5EF4-FFF2-40B4-BE49-F238E27FC236}">
+                <a16:creationId xmlns:a16="http://schemas.microsoft.com/office/drawing/2014/main" id="{4A21E87A-8C48-4A20-91D5-E7FE194E66CE}"/>
+              </a:ext>
+            </a:extLst>
+          </p:cNvPr>
+          <p:cNvCxnSpPr>
+            <a:endCxn id="32" idx="2"/>
+          </p:cNvCxnSpPr>
+          <p:nvPr/>
+        </p:nvCxnSpPr>
+        <p:spPr>
+          <a:xfrm>
+            <a:off x="852102" y="3273287"/>
+            <a:ext cx="3616352" cy="651034"/>
+          </a:xfrm>
+          <a:prstGeom prst="line">
+            <a:avLst/>
+          </a:prstGeom>
+        </p:spPr>
+        <p:style>
+          <a:lnRef idx="1">
+            <a:schemeClr val="dk1"/>
+          </a:lnRef>
+          <a:fillRef idx="0">
+            <a:schemeClr val="dk1"/>
+          </a:fillRef>
+          <a:effectRef idx="0">
+            <a:schemeClr val="dk1"/>
+          </a:effectRef>
+          <a:fontRef idx="minor">
+            <a:schemeClr val="tx1"/>
+          </a:fontRef>
+        </p:style>
+      </p:cxnSp>
+      <p:cxnSp>
+        <p:nvCxnSpPr>
+          <p:cNvPr id="46" name="Straight Connector 45">
+            <a:extLst>
+              <a:ext uri="{FF2B5EF4-FFF2-40B4-BE49-F238E27FC236}">
+                <a16:creationId xmlns:a16="http://schemas.microsoft.com/office/drawing/2014/main" id="{66378116-5C09-4862-A567-F89F3BF4A1F8}"/>
+              </a:ext>
+            </a:extLst>
+          </p:cNvPr>
+          <p:cNvCxnSpPr>
+            <a:endCxn id="34" idx="2"/>
+          </p:cNvCxnSpPr>
+          <p:nvPr/>
+        </p:nvCxnSpPr>
+        <p:spPr>
+          <a:xfrm>
+            <a:off x="834114" y="3277922"/>
+            <a:ext cx="3634340" cy="1449482"/>
+          </a:xfrm>
+          <a:prstGeom prst="line">
+            <a:avLst/>
+          </a:prstGeom>
+        </p:spPr>
+        <p:style>
+          <a:lnRef idx="1">
+            <a:schemeClr val="dk1"/>
+          </a:lnRef>
+          <a:fillRef idx="0">
+            <a:schemeClr val="dk1"/>
+          </a:fillRef>
+          <a:effectRef idx="0">
+            <a:schemeClr val="dk1"/>
+          </a:effectRef>
+          <a:fontRef idx="minor">
+            <a:schemeClr val="tx1"/>
+          </a:fontRef>
+        </p:style>
+      </p:cxnSp>
+      <p:cxnSp>
+        <p:nvCxnSpPr>
+          <p:cNvPr id="48" name="Straight Connector 47">
+            <a:extLst>
+              <a:ext uri="{FF2B5EF4-FFF2-40B4-BE49-F238E27FC236}">
+                <a16:creationId xmlns:a16="http://schemas.microsoft.com/office/drawing/2014/main" id="{C191A3AA-923A-48B5-97AC-9A0889CC1354}"/>
+              </a:ext>
+            </a:extLst>
+          </p:cNvPr>
+          <p:cNvCxnSpPr>
+            <a:endCxn id="36" idx="2"/>
+          </p:cNvCxnSpPr>
+          <p:nvPr/>
+        </p:nvCxnSpPr>
+        <p:spPr>
+          <a:xfrm>
+            <a:off x="838188" y="3257402"/>
+            <a:ext cx="3619444" cy="2227410"/>
+          </a:xfrm>
+          <a:prstGeom prst="line">
+            <a:avLst/>
+          </a:prstGeom>
+        </p:spPr>
+        <p:style>
+          <a:lnRef idx="1">
+            <a:schemeClr val="dk1"/>
+          </a:lnRef>
+          <a:fillRef idx="0">
+            <a:schemeClr val="dk1"/>
+          </a:fillRef>
+          <a:effectRef idx="0">
+            <a:schemeClr val="dk1"/>
+          </a:effectRef>
+          <a:fontRef idx="minor">
+            <a:schemeClr val="tx1"/>
+          </a:fontRef>
+        </p:style>
+      </p:cxnSp>
+      <p:sp>
+        <p:nvSpPr>
+          <p:cNvPr id="50" name="Title 1">
+            <a:extLst>
+              <a:ext uri="{FF2B5EF4-FFF2-40B4-BE49-F238E27FC236}">
+                <a16:creationId xmlns:a16="http://schemas.microsoft.com/office/drawing/2014/main" id="{B23CCC6E-4849-44DD-AFF4-DD7DF26F9D4C}"/>
+              </a:ext>
+            </a:extLst>
+          </p:cNvPr>
+          <p:cNvSpPr txBox="1">
+            <a:spLocks/>
+          </p:cNvSpPr>
+          <p:nvPr/>
+        </p:nvSpPr>
+        <p:spPr>
+          <a:xfrm>
+            <a:off x="103980" y="4383393"/>
+            <a:ext cx="1425126" cy="415812"/>
+          </a:xfrm>
+          <a:prstGeom prst="rect">
+            <a:avLst/>
+          </a:prstGeom>
+        </p:spPr>
+        <p:txBody>
+          <a:bodyPr vert="horz" lIns="91440" tIns="45720" rIns="91440" bIns="45720" rtlCol="0" anchor="b">
+            <a:noAutofit/>
+          </a:bodyPr>
+          <a:lstStyle>
+            <a:lvl1pPr algn="r" defTabSz="457200" rtl="0" eaLnBrk="1" latinLnBrk="0" hangingPunct="1">
+              <a:spcBef>
+                <a:spcPct val="0"/>
+              </a:spcBef>
+              <a:buNone/>
+              <a:defRPr sz="5400" kern="1200">
+                <a:solidFill>
+                  <a:schemeClr val="accent1"/>
+                </a:solidFill>
+                <a:latin typeface="+mj-lt"/>
+                <a:ea typeface="+mj-ea"/>
+                <a:cs typeface="+mj-cs"/>
+              </a:defRPr>
+            </a:lvl1pPr>
+            <a:lvl2pPr eaLnBrk="1" hangingPunct="1">
+              <a:defRPr>
+                <a:solidFill>
+                  <a:schemeClr val="tx2"/>
+                </a:solidFill>
+              </a:defRPr>
+            </a:lvl2pPr>
+            <a:lvl3pPr eaLnBrk="1" hangingPunct="1">
+              <a:defRPr>
+                <a:solidFill>
+                  <a:schemeClr val="tx2"/>
+                </a:solidFill>
+              </a:defRPr>
+            </a:lvl3pPr>
+            <a:lvl4pPr eaLnBrk="1" hangingPunct="1">
+              <a:defRPr>
+                <a:solidFill>
+                  <a:schemeClr val="tx2"/>
+                </a:solidFill>
+              </a:defRPr>
+            </a:lvl4pPr>
+            <a:lvl5pPr eaLnBrk="1" hangingPunct="1">
+              <a:defRPr>
+                <a:solidFill>
+                  <a:schemeClr val="tx2"/>
+                </a:solidFill>
+              </a:defRPr>
+            </a:lvl5pPr>
+            <a:lvl6pPr eaLnBrk="1" hangingPunct="1">
+              <a:defRPr>
+                <a:solidFill>
+                  <a:schemeClr val="tx2"/>
+                </a:solidFill>
+              </a:defRPr>
+            </a:lvl6pPr>
+            <a:lvl7pPr eaLnBrk="1" hangingPunct="1">
+              <a:defRPr>
+                <a:solidFill>
+                  <a:schemeClr val="tx2"/>
+                </a:solidFill>
+              </a:defRPr>
+            </a:lvl7pPr>
+            <a:lvl8pPr eaLnBrk="1" hangingPunct="1">
+              <a:defRPr>
+                <a:solidFill>
+                  <a:schemeClr val="tx2"/>
+                </a:solidFill>
+              </a:defRPr>
+            </a:lvl8pPr>
+            <a:lvl9pPr eaLnBrk="1" hangingPunct="1">
+              <a:defRPr>
+                <a:solidFill>
+                  <a:schemeClr val="tx2"/>
+                </a:solidFill>
+              </a:defRPr>
+            </a:lvl9pPr>
+          </a:lstStyle>
+          <a:p>
+            <a:pPr algn="ctr"/>
+            <a:r>
+              <a:rPr lang="en-IN" sz="2400" dirty="0"/>
+              <a:t>ADMIN</a:t>
             </a:r>
           </a:p>
         </p:txBody>
@@ -19809,6 +21249,3393 @@
     <p:extLst>
       <p:ext uri="{BB962C8B-B14F-4D97-AF65-F5344CB8AC3E}">
         <p14:creationId xmlns:p14="http://schemas.microsoft.com/office/powerpoint/2010/main" val="278757174"/>
+      </p:ext>
+    </p:extLst>
+  </p:cSld>
+  <p:clrMapOvr>
+    <a:masterClrMapping/>
+  </p:clrMapOvr>
+</p:sld>
+</file>
+
+<file path=ppt/slides/slide20.xml><?xml version="1.0" encoding="utf-8"?>
+<p:sld xmlns:a="http://schemas.openxmlformats.org/drawingml/2006/main" xmlns:r="http://schemas.openxmlformats.org/officeDocument/2006/relationships" xmlns:p="http://schemas.openxmlformats.org/presentationml/2006/main">
+  <p:cSld>
+    <p:spTree>
+      <p:nvGrpSpPr>
+        <p:cNvPr id="1" name=""/>
+        <p:cNvGrpSpPr/>
+        <p:nvPr/>
+      </p:nvGrpSpPr>
+      <p:grpSpPr>
+        <a:xfrm>
+          <a:off x="0" y="0"/>
+          <a:ext cx="0" cy="0"/>
+          <a:chOff x="0" y="0"/>
+          <a:chExt cx="0" cy="0"/>
+        </a:xfrm>
+      </p:grpSpPr>
+      <p:sp>
+        <p:nvSpPr>
+          <p:cNvPr id="2" name="Title 1">
+            <a:extLst>
+              <a:ext uri="{FF2B5EF4-FFF2-40B4-BE49-F238E27FC236}">
+                <a16:creationId xmlns:a16="http://schemas.microsoft.com/office/drawing/2014/main" id="{99D297A9-8FE9-4454-BC20-83BDCD223D17}"/>
+              </a:ext>
+            </a:extLst>
+          </p:cNvPr>
+          <p:cNvSpPr>
+            <a:spLocks noGrp="1"/>
+          </p:cNvSpPr>
+          <p:nvPr>
+            <p:ph type="ctrTitle"/>
+          </p:nvPr>
+        </p:nvSpPr>
+        <p:spPr>
+          <a:xfrm>
+            <a:off x="2872039" y="0"/>
+            <a:ext cx="5198535" cy="647725"/>
+          </a:xfrm>
+        </p:spPr>
+        <p:txBody>
+          <a:bodyPr/>
+          <a:lstStyle/>
+          <a:p>
+            <a:pPr algn="ctr"/>
+            <a:r>
+              <a:rPr lang="en-IN" sz="4000" b="1" u="sng" dirty="0"/>
+              <a:t>USE CASE DIAGRAM</a:t>
+            </a:r>
+          </a:p>
+        </p:txBody>
+      </p:sp>
+      <p:sp>
+        <p:nvSpPr>
+          <p:cNvPr id="3" name="Title 1">
+            <a:extLst>
+              <a:ext uri="{FF2B5EF4-FFF2-40B4-BE49-F238E27FC236}">
+                <a16:creationId xmlns:a16="http://schemas.microsoft.com/office/drawing/2014/main" id="{BA66E590-5C87-4C7E-923D-4EE5A0314693}"/>
+              </a:ext>
+            </a:extLst>
+          </p:cNvPr>
+          <p:cNvSpPr txBox="1">
+            <a:spLocks/>
+          </p:cNvSpPr>
+          <p:nvPr/>
+        </p:nvSpPr>
+        <p:spPr>
+          <a:xfrm>
+            <a:off x="651087" y="580418"/>
+            <a:ext cx="3125783" cy="498752"/>
+          </a:xfrm>
+          <a:prstGeom prst="rect">
+            <a:avLst/>
+          </a:prstGeom>
+        </p:spPr>
+        <p:txBody>
+          <a:bodyPr vert="horz" lIns="91440" tIns="45720" rIns="91440" bIns="45720" rtlCol="0" anchor="b">
+            <a:noAutofit/>
+          </a:bodyPr>
+          <a:lstStyle>
+            <a:lvl1pPr algn="r" defTabSz="457200" rtl="0" eaLnBrk="1" latinLnBrk="0" hangingPunct="1">
+              <a:spcBef>
+                <a:spcPct val="0"/>
+              </a:spcBef>
+              <a:buNone/>
+              <a:defRPr sz="5400" kern="1200">
+                <a:solidFill>
+                  <a:schemeClr val="accent1"/>
+                </a:solidFill>
+                <a:latin typeface="+mj-lt"/>
+                <a:ea typeface="+mj-ea"/>
+                <a:cs typeface="+mj-cs"/>
+              </a:defRPr>
+            </a:lvl1pPr>
+            <a:lvl2pPr eaLnBrk="1" hangingPunct="1">
+              <a:defRPr>
+                <a:solidFill>
+                  <a:schemeClr val="tx2"/>
+                </a:solidFill>
+              </a:defRPr>
+            </a:lvl2pPr>
+            <a:lvl3pPr eaLnBrk="1" hangingPunct="1">
+              <a:defRPr>
+                <a:solidFill>
+                  <a:schemeClr val="tx2"/>
+                </a:solidFill>
+              </a:defRPr>
+            </a:lvl3pPr>
+            <a:lvl4pPr eaLnBrk="1" hangingPunct="1">
+              <a:defRPr>
+                <a:solidFill>
+                  <a:schemeClr val="tx2"/>
+                </a:solidFill>
+              </a:defRPr>
+            </a:lvl4pPr>
+            <a:lvl5pPr eaLnBrk="1" hangingPunct="1">
+              <a:defRPr>
+                <a:solidFill>
+                  <a:schemeClr val="tx2"/>
+                </a:solidFill>
+              </a:defRPr>
+            </a:lvl5pPr>
+            <a:lvl6pPr eaLnBrk="1" hangingPunct="1">
+              <a:defRPr>
+                <a:solidFill>
+                  <a:schemeClr val="tx2"/>
+                </a:solidFill>
+              </a:defRPr>
+            </a:lvl6pPr>
+            <a:lvl7pPr eaLnBrk="1" hangingPunct="1">
+              <a:defRPr>
+                <a:solidFill>
+                  <a:schemeClr val="tx2"/>
+                </a:solidFill>
+              </a:defRPr>
+            </a:lvl7pPr>
+            <a:lvl8pPr eaLnBrk="1" hangingPunct="1">
+              <a:defRPr>
+                <a:solidFill>
+                  <a:schemeClr val="tx2"/>
+                </a:solidFill>
+              </a:defRPr>
+            </a:lvl8pPr>
+            <a:lvl9pPr eaLnBrk="1" hangingPunct="1">
+              <a:defRPr>
+                <a:solidFill>
+                  <a:schemeClr val="tx2"/>
+                </a:solidFill>
+              </a:defRPr>
+            </a:lvl9pPr>
+          </a:lstStyle>
+          <a:p>
+            <a:pPr algn="ctr"/>
+            <a:r>
+              <a:rPr lang="en-IN" sz="2400" dirty="0"/>
+              <a:t>USERS(CUSTOMERS):-</a:t>
+            </a:r>
+          </a:p>
+        </p:txBody>
+      </p:sp>
+      <p:sp>
+        <p:nvSpPr>
+          <p:cNvPr id="6" name="Oval 5">
+            <a:extLst>
+              <a:ext uri="{FF2B5EF4-FFF2-40B4-BE49-F238E27FC236}">
+                <a16:creationId xmlns:a16="http://schemas.microsoft.com/office/drawing/2014/main" id="{451B7855-4BF7-4FBC-B99E-642569F68CFE}"/>
+              </a:ext>
+            </a:extLst>
+          </p:cNvPr>
+          <p:cNvSpPr/>
+          <p:nvPr/>
+        </p:nvSpPr>
+        <p:spPr>
+          <a:xfrm>
+            <a:off x="579463" y="2406634"/>
+            <a:ext cx="503952" cy="415812"/>
+          </a:xfrm>
+          <a:prstGeom prst="ellipse">
+            <a:avLst/>
+          </a:prstGeom>
+        </p:spPr>
+        <p:style>
+          <a:lnRef idx="2">
+            <a:schemeClr val="accent1">
+              <a:shade val="50000"/>
+            </a:schemeClr>
+          </a:lnRef>
+          <a:fillRef idx="1">
+            <a:schemeClr val="accent1"/>
+          </a:fillRef>
+          <a:effectRef idx="0">
+            <a:schemeClr val="accent1"/>
+          </a:effectRef>
+          <a:fontRef idx="minor">
+            <a:schemeClr val="lt1"/>
+          </a:fontRef>
+        </p:style>
+        <p:txBody>
+          <a:bodyPr rtlCol="0" anchor="ctr"/>
+          <a:lstStyle/>
+          <a:p>
+            <a:pPr algn="ctr"/>
+            <a:endParaRPr lang="en-IN"/>
+          </a:p>
+        </p:txBody>
+      </p:sp>
+      <p:cxnSp>
+        <p:nvCxnSpPr>
+          <p:cNvPr id="8" name="Straight Connector 7">
+            <a:extLst>
+              <a:ext uri="{FF2B5EF4-FFF2-40B4-BE49-F238E27FC236}">
+                <a16:creationId xmlns:a16="http://schemas.microsoft.com/office/drawing/2014/main" id="{3605AD9E-D77E-41AC-9D32-2728616368D1}"/>
+              </a:ext>
+            </a:extLst>
+          </p:cNvPr>
+          <p:cNvCxnSpPr>
+            <a:stCxn id="6" idx="4"/>
+          </p:cNvCxnSpPr>
+          <p:nvPr/>
+        </p:nvCxnSpPr>
+        <p:spPr>
+          <a:xfrm flipH="1">
+            <a:off x="818371" y="2822446"/>
+            <a:ext cx="13068" cy="1227458"/>
+          </a:xfrm>
+          <a:prstGeom prst="line">
+            <a:avLst/>
+          </a:prstGeom>
+        </p:spPr>
+        <p:style>
+          <a:lnRef idx="1">
+            <a:schemeClr val="accent1"/>
+          </a:lnRef>
+          <a:fillRef idx="0">
+            <a:schemeClr val="accent1"/>
+          </a:fillRef>
+          <a:effectRef idx="0">
+            <a:schemeClr val="accent1"/>
+          </a:effectRef>
+          <a:fontRef idx="minor">
+            <a:schemeClr val="tx1"/>
+          </a:fontRef>
+        </p:style>
+      </p:cxnSp>
+      <p:cxnSp>
+        <p:nvCxnSpPr>
+          <p:cNvPr id="10" name="Straight Connector 9">
+            <a:extLst>
+              <a:ext uri="{FF2B5EF4-FFF2-40B4-BE49-F238E27FC236}">
+                <a16:creationId xmlns:a16="http://schemas.microsoft.com/office/drawing/2014/main" id="{D7762DC2-387F-425D-AEC7-29F51ADA4336}"/>
+              </a:ext>
+            </a:extLst>
+          </p:cNvPr>
+          <p:cNvCxnSpPr>
+            <a:cxnSpLocks/>
+          </p:cNvCxnSpPr>
+          <p:nvPr/>
+        </p:nvCxnSpPr>
+        <p:spPr>
+          <a:xfrm>
+            <a:off x="818371" y="4049904"/>
+            <a:ext cx="415812" cy="415812"/>
+          </a:xfrm>
+          <a:prstGeom prst="line">
+            <a:avLst/>
+          </a:prstGeom>
+        </p:spPr>
+        <p:style>
+          <a:lnRef idx="1">
+            <a:schemeClr val="accent1"/>
+          </a:lnRef>
+          <a:fillRef idx="0">
+            <a:schemeClr val="accent1"/>
+          </a:fillRef>
+          <a:effectRef idx="0">
+            <a:schemeClr val="accent1"/>
+          </a:effectRef>
+          <a:fontRef idx="minor">
+            <a:schemeClr val="tx1"/>
+          </a:fontRef>
+        </p:style>
+      </p:cxnSp>
+      <p:cxnSp>
+        <p:nvCxnSpPr>
+          <p:cNvPr id="12" name="Straight Connector 11">
+            <a:extLst>
+              <a:ext uri="{FF2B5EF4-FFF2-40B4-BE49-F238E27FC236}">
+                <a16:creationId xmlns:a16="http://schemas.microsoft.com/office/drawing/2014/main" id="{3A214E36-9B21-4C14-92EC-54B6F0C57E67}"/>
+              </a:ext>
+            </a:extLst>
+          </p:cNvPr>
+          <p:cNvCxnSpPr/>
+          <p:nvPr/>
+        </p:nvCxnSpPr>
+        <p:spPr>
+          <a:xfrm flipH="1">
+            <a:off x="402559" y="4049904"/>
+            <a:ext cx="415812" cy="415812"/>
+          </a:xfrm>
+          <a:prstGeom prst="line">
+            <a:avLst/>
+          </a:prstGeom>
+        </p:spPr>
+        <p:style>
+          <a:lnRef idx="1">
+            <a:schemeClr val="accent1"/>
+          </a:lnRef>
+          <a:fillRef idx="0">
+            <a:schemeClr val="accent1"/>
+          </a:fillRef>
+          <a:effectRef idx="0">
+            <a:schemeClr val="accent1"/>
+          </a:effectRef>
+          <a:fontRef idx="minor">
+            <a:schemeClr val="tx1"/>
+          </a:fontRef>
+        </p:style>
+      </p:cxnSp>
+      <p:cxnSp>
+        <p:nvCxnSpPr>
+          <p:cNvPr id="15" name="Straight Connector 14">
+            <a:extLst>
+              <a:ext uri="{FF2B5EF4-FFF2-40B4-BE49-F238E27FC236}">
+                <a16:creationId xmlns:a16="http://schemas.microsoft.com/office/drawing/2014/main" id="{A337EC80-EB40-4C4F-A4E0-B04C81DBD996}"/>
+              </a:ext>
+            </a:extLst>
+          </p:cNvPr>
+          <p:cNvCxnSpPr/>
+          <p:nvPr/>
+        </p:nvCxnSpPr>
+        <p:spPr>
+          <a:xfrm flipH="1">
+            <a:off x="483803" y="3238258"/>
+            <a:ext cx="334568" cy="334568"/>
+          </a:xfrm>
+          <a:prstGeom prst="line">
+            <a:avLst/>
+          </a:prstGeom>
+        </p:spPr>
+        <p:style>
+          <a:lnRef idx="1">
+            <a:schemeClr val="accent1"/>
+          </a:lnRef>
+          <a:fillRef idx="0">
+            <a:schemeClr val="accent1"/>
+          </a:fillRef>
+          <a:effectRef idx="0">
+            <a:schemeClr val="accent1"/>
+          </a:effectRef>
+          <a:fontRef idx="minor">
+            <a:schemeClr val="tx1"/>
+          </a:fontRef>
+        </p:style>
+      </p:cxnSp>
+      <p:cxnSp>
+        <p:nvCxnSpPr>
+          <p:cNvPr id="17" name="Straight Connector 16">
+            <a:extLst>
+              <a:ext uri="{FF2B5EF4-FFF2-40B4-BE49-F238E27FC236}">
+                <a16:creationId xmlns:a16="http://schemas.microsoft.com/office/drawing/2014/main" id="{13EBE035-14E4-41C9-BCC0-F782FE8E2985}"/>
+              </a:ext>
+            </a:extLst>
+          </p:cNvPr>
+          <p:cNvCxnSpPr>
+            <a:cxnSpLocks/>
+          </p:cNvCxnSpPr>
+          <p:nvPr/>
+        </p:nvCxnSpPr>
+        <p:spPr>
+          <a:xfrm>
+            <a:off x="831439" y="3238258"/>
+            <a:ext cx="281559" cy="281559"/>
+          </a:xfrm>
+          <a:prstGeom prst="line">
+            <a:avLst/>
+          </a:prstGeom>
+        </p:spPr>
+        <p:style>
+          <a:lnRef idx="1">
+            <a:schemeClr val="accent1"/>
+          </a:lnRef>
+          <a:fillRef idx="0">
+            <a:schemeClr val="accent1"/>
+          </a:fillRef>
+          <a:effectRef idx="0">
+            <a:schemeClr val="accent1"/>
+          </a:effectRef>
+          <a:fontRef idx="minor">
+            <a:schemeClr val="tx1"/>
+          </a:fontRef>
+        </p:style>
+      </p:cxnSp>
+      <p:sp>
+        <p:nvSpPr>
+          <p:cNvPr id="21" name="Rectangle 20">
+            <a:extLst>
+              <a:ext uri="{FF2B5EF4-FFF2-40B4-BE49-F238E27FC236}">
+                <a16:creationId xmlns:a16="http://schemas.microsoft.com/office/drawing/2014/main" id="{A2463234-9A6E-4CC6-8662-0073A861D697}"/>
+              </a:ext>
+            </a:extLst>
+          </p:cNvPr>
+          <p:cNvSpPr/>
+          <p:nvPr/>
+        </p:nvSpPr>
+        <p:spPr>
+          <a:xfrm>
+            <a:off x="4479277" y="980661"/>
+            <a:ext cx="4161097" cy="5764695"/>
+          </a:xfrm>
+          <a:prstGeom prst="rect">
+            <a:avLst/>
+          </a:prstGeom>
+        </p:spPr>
+        <p:style>
+          <a:lnRef idx="2">
+            <a:schemeClr val="dk1"/>
+          </a:lnRef>
+          <a:fillRef idx="1">
+            <a:schemeClr val="lt1"/>
+          </a:fillRef>
+          <a:effectRef idx="0">
+            <a:schemeClr val="dk1"/>
+          </a:effectRef>
+          <a:fontRef idx="minor">
+            <a:schemeClr val="dk1"/>
+          </a:fontRef>
+        </p:style>
+        <p:txBody>
+          <a:bodyPr rtlCol="0" anchor="ctr"/>
+          <a:lstStyle/>
+          <a:p>
+            <a:pPr algn="ctr"/>
+            <a:endParaRPr lang="en-IN"/>
+          </a:p>
+        </p:txBody>
+      </p:sp>
+      <p:cxnSp>
+        <p:nvCxnSpPr>
+          <p:cNvPr id="23" name="Straight Connector 22">
+            <a:extLst>
+              <a:ext uri="{FF2B5EF4-FFF2-40B4-BE49-F238E27FC236}">
+                <a16:creationId xmlns:a16="http://schemas.microsoft.com/office/drawing/2014/main" id="{938A56E5-6E47-4E82-AA9F-696D438914C8}"/>
+              </a:ext>
+            </a:extLst>
+          </p:cNvPr>
+          <p:cNvCxnSpPr>
+            <a:cxnSpLocks/>
+          </p:cNvCxnSpPr>
+          <p:nvPr/>
+        </p:nvCxnSpPr>
+        <p:spPr>
+          <a:xfrm>
+            <a:off x="4457632" y="5975914"/>
+            <a:ext cx="4182742" cy="0"/>
+          </a:xfrm>
+          <a:prstGeom prst="line">
+            <a:avLst/>
+          </a:prstGeom>
+        </p:spPr>
+        <p:style>
+          <a:lnRef idx="1">
+            <a:schemeClr val="dk1"/>
+          </a:lnRef>
+          <a:fillRef idx="0">
+            <a:schemeClr val="dk1"/>
+          </a:fillRef>
+          <a:effectRef idx="0">
+            <a:schemeClr val="dk1"/>
+          </a:effectRef>
+          <a:fontRef idx="minor">
+            <a:schemeClr val="tx1"/>
+          </a:fontRef>
+        </p:style>
+      </p:cxnSp>
+      <p:sp>
+        <p:nvSpPr>
+          <p:cNvPr id="25" name="TextBox 24">
+            <a:extLst>
+              <a:ext uri="{FF2B5EF4-FFF2-40B4-BE49-F238E27FC236}">
+                <a16:creationId xmlns:a16="http://schemas.microsoft.com/office/drawing/2014/main" id="{6EA95F06-150E-4280-8AB9-B3303826AE53}"/>
+              </a:ext>
+            </a:extLst>
+          </p:cNvPr>
+          <p:cNvSpPr txBox="1"/>
+          <p:nvPr/>
+        </p:nvSpPr>
+        <p:spPr>
+          <a:xfrm>
+            <a:off x="5076423" y="6000258"/>
+            <a:ext cx="2945160" cy="646331"/>
+          </a:xfrm>
+          <a:prstGeom prst="rect">
+            <a:avLst/>
+          </a:prstGeom>
+          <a:noFill/>
+        </p:spPr>
+        <p:txBody>
+          <a:bodyPr wrap="square" rtlCol="0">
+            <a:spAutoFit/>
+          </a:bodyPr>
+          <a:lstStyle/>
+          <a:p>
+            <a:pPr algn="ctr"/>
+            <a:r>
+              <a:rPr lang="en-IN" dirty="0"/>
+              <a:t>E-COMMERCE SYSTEM</a:t>
+            </a:r>
+          </a:p>
+          <a:p>
+            <a:pPr algn="ctr"/>
+            <a:r>
+              <a:rPr lang="en-IN" dirty="0"/>
+              <a:t>(AGWISCART.COM)</a:t>
+            </a:r>
+          </a:p>
+        </p:txBody>
+      </p:sp>
+      <p:sp>
+        <p:nvSpPr>
+          <p:cNvPr id="26" name="Oval 25">
+            <a:extLst>
+              <a:ext uri="{FF2B5EF4-FFF2-40B4-BE49-F238E27FC236}">
+                <a16:creationId xmlns:a16="http://schemas.microsoft.com/office/drawing/2014/main" id="{F4C30D40-2156-47E7-AD59-6BAEADEC4570}"/>
+              </a:ext>
+            </a:extLst>
+          </p:cNvPr>
+          <p:cNvSpPr/>
+          <p:nvPr/>
+        </p:nvSpPr>
+        <p:spPr>
+          <a:xfrm>
+            <a:off x="4468454" y="1227465"/>
+            <a:ext cx="4182742" cy="647718"/>
+          </a:xfrm>
+          <a:prstGeom prst="ellipse">
+            <a:avLst/>
+          </a:prstGeom>
+        </p:spPr>
+        <p:style>
+          <a:lnRef idx="2">
+            <a:schemeClr val="accent1">
+              <a:shade val="50000"/>
+            </a:schemeClr>
+          </a:lnRef>
+          <a:fillRef idx="1">
+            <a:schemeClr val="accent1"/>
+          </a:fillRef>
+          <a:effectRef idx="0">
+            <a:schemeClr val="accent1"/>
+          </a:effectRef>
+          <a:fontRef idx="minor">
+            <a:schemeClr val="lt1"/>
+          </a:fontRef>
+        </p:style>
+        <p:txBody>
+          <a:bodyPr rtlCol="0" anchor="ctr"/>
+          <a:lstStyle/>
+          <a:p>
+            <a:pPr algn="ctr"/>
+            <a:r>
+              <a:rPr lang="en-IN" dirty="0"/>
+              <a:t>LOG IN</a:t>
+            </a:r>
+          </a:p>
+        </p:txBody>
+      </p:sp>
+      <p:sp>
+        <p:nvSpPr>
+          <p:cNvPr id="28" name="Oval 27">
+            <a:extLst>
+              <a:ext uri="{FF2B5EF4-FFF2-40B4-BE49-F238E27FC236}">
+                <a16:creationId xmlns:a16="http://schemas.microsoft.com/office/drawing/2014/main" id="{563F4267-4C1E-4574-B689-C2144CE7D410}"/>
+              </a:ext>
+            </a:extLst>
+          </p:cNvPr>
+          <p:cNvSpPr/>
+          <p:nvPr/>
+        </p:nvSpPr>
+        <p:spPr>
+          <a:xfrm>
+            <a:off x="4457632" y="1985374"/>
+            <a:ext cx="4182742" cy="647718"/>
+          </a:xfrm>
+          <a:prstGeom prst="ellipse">
+            <a:avLst/>
+          </a:prstGeom>
+        </p:spPr>
+        <p:style>
+          <a:lnRef idx="2">
+            <a:schemeClr val="accent1">
+              <a:shade val="50000"/>
+            </a:schemeClr>
+          </a:lnRef>
+          <a:fillRef idx="1">
+            <a:schemeClr val="accent1"/>
+          </a:fillRef>
+          <a:effectRef idx="0">
+            <a:schemeClr val="accent1"/>
+          </a:effectRef>
+          <a:fontRef idx="minor">
+            <a:schemeClr val="lt1"/>
+          </a:fontRef>
+        </p:style>
+        <p:txBody>
+          <a:bodyPr rtlCol="0" anchor="ctr"/>
+          <a:lstStyle/>
+          <a:p>
+            <a:pPr algn="ctr"/>
+            <a:r>
+              <a:rPr lang="en-IN" dirty="0"/>
+              <a:t>SEARCH PRODUCT</a:t>
+            </a:r>
+          </a:p>
+        </p:txBody>
+      </p:sp>
+      <p:sp>
+        <p:nvSpPr>
+          <p:cNvPr id="30" name="Oval 29">
+            <a:extLst>
+              <a:ext uri="{FF2B5EF4-FFF2-40B4-BE49-F238E27FC236}">
+                <a16:creationId xmlns:a16="http://schemas.microsoft.com/office/drawing/2014/main" id="{C5EF4F18-0282-4B67-B234-EE761C06D321}"/>
+              </a:ext>
+            </a:extLst>
+          </p:cNvPr>
+          <p:cNvSpPr/>
+          <p:nvPr/>
+        </p:nvSpPr>
+        <p:spPr>
+          <a:xfrm>
+            <a:off x="4457632" y="2788457"/>
+            <a:ext cx="4182742" cy="647718"/>
+          </a:xfrm>
+          <a:prstGeom prst="ellipse">
+            <a:avLst/>
+          </a:prstGeom>
+        </p:spPr>
+        <p:style>
+          <a:lnRef idx="2">
+            <a:schemeClr val="accent1">
+              <a:shade val="50000"/>
+            </a:schemeClr>
+          </a:lnRef>
+          <a:fillRef idx="1">
+            <a:schemeClr val="accent1"/>
+          </a:fillRef>
+          <a:effectRef idx="0">
+            <a:schemeClr val="accent1"/>
+          </a:effectRef>
+          <a:fontRef idx="minor">
+            <a:schemeClr val="lt1"/>
+          </a:fontRef>
+        </p:style>
+        <p:txBody>
+          <a:bodyPr rtlCol="0" anchor="ctr"/>
+          <a:lstStyle/>
+          <a:p>
+            <a:pPr algn="ctr"/>
+            <a:r>
+              <a:rPr lang="en-IN" dirty="0"/>
+              <a:t>VIEW PRODUCT</a:t>
+            </a:r>
+          </a:p>
+        </p:txBody>
+      </p:sp>
+      <p:sp>
+        <p:nvSpPr>
+          <p:cNvPr id="32" name="Oval 31">
+            <a:extLst>
+              <a:ext uri="{FF2B5EF4-FFF2-40B4-BE49-F238E27FC236}">
+                <a16:creationId xmlns:a16="http://schemas.microsoft.com/office/drawing/2014/main" id="{9A4510EC-54F7-4980-A22F-59376852C843}"/>
+              </a:ext>
+            </a:extLst>
+          </p:cNvPr>
+          <p:cNvSpPr/>
+          <p:nvPr/>
+        </p:nvSpPr>
+        <p:spPr>
+          <a:xfrm>
+            <a:off x="4468454" y="3600462"/>
+            <a:ext cx="4182742" cy="647718"/>
+          </a:xfrm>
+          <a:prstGeom prst="ellipse">
+            <a:avLst/>
+          </a:prstGeom>
+        </p:spPr>
+        <p:style>
+          <a:lnRef idx="2">
+            <a:schemeClr val="accent1">
+              <a:shade val="50000"/>
+            </a:schemeClr>
+          </a:lnRef>
+          <a:fillRef idx="1">
+            <a:schemeClr val="accent1"/>
+          </a:fillRef>
+          <a:effectRef idx="0">
+            <a:schemeClr val="accent1"/>
+          </a:effectRef>
+          <a:fontRef idx="minor">
+            <a:schemeClr val="lt1"/>
+          </a:fontRef>
+        </p:style>
+        <p:txBody>
+          <a:bodyPr rtlCol="0" anchor="ctr"/>
+          <a:lstStyle/>
+          <a:p>
+            <a:pPr algn="ctr"/>
+            <a:r>
+              <a:rPr lang="en-IN" dirty="0"/>
+              <a:t>ADD PRODUCT IN CART</a:t>
+            </a:r>
+          </a:p>
+        </p:txBody>
+      </p:sp>
+      <p:sp>
+        <p:nvSpPr>
+          <p:cNvPr id="34" name="Oval 33">
+            <a:extLst>
+              <a:ext uri="{FF2B5EF4-FFF2-40B4-BE49-F238E27FC236}">
+                <a16:creationId xmlns:a16="http://schemas.microsoft.com/office/drawing/2014/main" id="{01D9C458-3CE4-40E5-B976-43D6DEED8530}"/>
+              </a:ext>
+            </a:extLst>
+          </p:cNvPr>
+          <p:cNvSpPr/>
+          <p:nvPr/>
+        </p:nvSpPr>
+        <p:spPr>
+          <a:xfrm>
+            <a:off x="4468454" y="4403545"/>
+            <a:ext cx="4182742" cy="647718"/>
+          </a:xfrm>
+          <a:prstGeom prst="ellipse">
+            <a:avLst/>
+          </a:prstGeom>
+        </p:spPr>
+        <p:style>
+          <a:lnRef idx="2">
+            <a:schemeClr val="accent1">
+              <a:shade val="50000"/>
+            </a:schemeClr>
+          </a:lnRef>
+          <a:fillRef idx="1">
+            <a:schemeClr val="accent1"/>
+          </a:fillRef>
+          <a:effectRef idx="0">
+            <a:schemeClr val="accent1"/>
+          </a:effectRef>
+          <a:fontRef idx="minor">
+            <a:schemeClr val="lt1"/>
+          </a:fontRef>
+        </p:style>
+        <p:txBody>
+          <a:bodyPr rtlCol="0" anchor="ctr"/>
+          <a:lstStyle/>
+          <a:p>
+            <a:pPr algn="ctr"/>
+            <a:r>
+              <a:rPr lang="en-IN" dirty="0"/>
+              <a:t>MAKE ORDER</a:t>
+            </a:r>
+          </a:p>
+        </p:txBody>
+      </p:sp>
+      <p:sp>
+        <p:nvSpPr>
+          <p:cNvPr id="36" name="Oval 35">
+            <a:extLst>
+              <a:ext uri="{FF2B5EF4-FFF2-40B4-BE49-F238E27FC236}">
+                <a16:creationId xmlns:a16="http://schemas.microsoft.com/office/drawing/2014/main" id="{051D57F2-83D4-425D-BF00-ADB506050A75}"/>
+              </a:ext>
+            </a:extLst>
+          </p:cNvPr>
+          <p:cNvSpPr/>
+          <p:nvPr/>
+        </p:nvSpPr>
+        <p:spPr>
+          <a:xfrm>
+            <a:off x="4457632" y="5160953"/>
+            <a:ext cx="4182742" cy="647718"/>
+          </a:xfrm>
+          <a:prstGeom prst="ellipse">
+            <a:avLst/>
+          </a:prstGeom>
+        </p:spPr>
+        <p:style>
+          <a:lnRef idx="2">
+            <a:schemeClr val="accent1">
+              <a:shade val="50000"/>
+            </a:schemeClr>
+          </a:lnRef>
+          <a:fillRef idx="1">
+            <a:schemeClr val="accent1"/>
+          </a:fillRef>
+          <a:effectRef idx="0">
+            <a:schemeClr val="accent1"/>
+          </a:effectRef>
+          <a:fontRef idx="minor">
+            <a:schemeClr val="lt1"/>
+          </a:fontRef>
+        </p:style>
+        <p:txBody>
+          <a:bodyPr rtlCol="0" anchor="ctr"/>
+          <a:lstStyle/>
+          <a:p>
+            <a:pPr algn="ctr"/>
+            <a:r>
+              <a:rPr lang="en-IN" dirty="0"/>
+              <a:t>TRACK ORDER</a:t>
+            </a:r>
+          </a:p>
+        </p:txBody>
+      </p:sp>
+      <p:cxnSp>
+        <p:nvCxnSpPr>
+          <p:cNvPr id="38" name="Straight Connector 37">
+            <a:extLst>
+              <a:ext uri="{FF2B5EF4-FFF2-40B4-BE49-F238E27FC236}">
+                <a16:creationId xmlns:a16="http://schemas.microsoft.com/office/drawing/2014/main" id="{46FBA345-5DED-41EB-8B5A-123F79DCB5C0}"/>
+              </a:ext>
+            </a:extLst>
+          </p:cNvPr>
+          <p:cNvCxnSpPr>
+            <a:endCxn id="26" idx="2"/>
+          </p:cNvCxnSpPr>
+          <p:nvPr/>
+        </p:nvCxnSpPr>
+        <p:spPr>
+          <a:xfrm flipV="1">
+            <a:off x="793070" y="1551324"/>
+            <a:ext cx="3675384" cy="1724419"/>
+          </a:xfrm>
+          <a:prstGeom prst="line">
+            <a:avLst/>
+          </a:prstGeom>
+        </p:spPr>
+        <p:style>
+          <a:lnRef idx="1">
+            <a:schemeClr val="dk1"/>
+          </a:lnRef>
+          <a:fillRef idx="0">
+            <a:schemeClr val="dk1"/>
+          </a:fillRef>
+          <a:effectRef idx="0">
+            <a:schemeClr val="dk1"/>
+          </a:effectRef>
+          <a:fontRef idx="minor">
+            <a:schemeClr val="tx1"/>
+          </a:fontRef>
+        </p:style>
+      </p:cxnSp>
+      <p:cxnSp>
+        <p:nvCxnSpPr>
+          <p:cNvPr id="40" name="Straight Connector 39">
+            <a:extLst>
+              <a:ext uri="{FF2B5EF4-FFF2-40B4-BE49-F238E27FC236}">
+                <a16:creationId xmlns:a16="http://schemas.microsoft.com/office/drawing/2014/main" id="{05BE07E8-3775-43BC-BE3C-82C4BD063D9B}"/>
+              </a:ext>
+            </a:extLst>
+          </p:cNvPr>
+          <p:cNvCxnSpPr>
+            <a:endCxn id="28" idx="2"/>
+          </p:cNvCxnSpPr>
+          <p:nvPr/>
+        </p:nvCxnSpPr>
+        <p:spPr>
+          <a:xfrm flipV="1">
+            <a:off x="853084" y="2309233"/>
+            <a:ext cx="3604548" cy="962083"/>
+          </a:xfrm>
+          <a:prstGeom prst="line">
+            <a:avLst/>
+          </a:prstGeom>
+        </p:spPr>
+        <p:style>
+          <a:lnRef idx="1">
+            <a:schemeClr val="dk1"/>
+          </a:lnRef>
+          <a:fillRef idx="0">
+            <a:schemeClr val="dk1"/>
+          </a:fillRef>
+          <a:effectRef idx="0">
+            <a:schemeClr val="dk1"/>
+          </a:effectRef>
+          <a:fontRef idx="minor">
+            <a:schemeClr val="tx1"/>
+          </a:fontRef>
+        </p:style>
+      </p:cxnSp>
+      <p:cxnSp>
+        <p:nvCxnSpPr>
+          <p:cNvPr id="42" name="Straight Connector 41">
+            <a:extLst>
+              <a:ext uri="{FF2B5EF4-FFF2-40B4-BE49-F238E27FC236}">
+                <a16:creationId xmlns:a16="http://schemas.microsoft.com/office/drawing/2014/main" id="{15DD1387-3DFB-4181-A390-1F599E810DE9}"/>
+              </a:ext>
+            </a:extLst>
+          </p:cNvPr>
+          <p:cNvCxnSpPr>
+            <a:endCxn id="30" idx="2"/>
+          </p:cNvCxnSpPr>
+          <p:nvPr/>
+        </p:nvCxnSpPr>
+        <p:spPr>
+          <a:xfrm flipV="1">
+            <a:off x="847672" y="3112316"/>
+            <a:ext cx="3609960" cy="168147"/>
+          </a:xfrm>
+          <a:prstGeom prst="line">
+            <a:avLst/>
+          </a:prstGeom>
+        </p:spPr>
+        <p:style>
+          <a:lnRef idx="1">
+            <a:schemeClr val="dk1"/>
+          </a:lnRef>
+          <a:fillRef idx="0">
+            <a:schemeClr val="dk1"/>
+          </a:fillRef>
+          <a:effectRef idx="0">
+            <a:schemeClr val="dk1"/>
+          </a:effectRef>
+          <a:fontRef idx="minor">
+            <a:schemeClr val="tx1"/>
+          </a:fontRef>
+        </p:style>
+      </p:cxnSp>
+      <p:cxnSp>
+        <p:nvCxnSpPr>
+          <p:cNvPr id="44" name="Straight Connector 43">
+            <a:extLst>
+              <a:ext uri="{FF2B5EF4-FFF2-40B4-BE49-F238E27FC236}">
+                <a16:creationId xmlns:a16="http://schemas.microsoft.com/office/drawing/2014/main" id="{4A21E87A-8C48-4A20-91D5-E7FE194E66CE}"/>
+              </a:ext>
+            </a:extLst>
+          </p:cNvPr>
+          <p:cNvCxnSpPr>
+            <a:endCxn id="32" idx="2"/>
+          </p:cNvCxnSpPr>
+          <p:nvPr/>
+        </p:nvCxnSpPr>
+        <p:spPr>
+          <a:xfrm>
+            <a:off x="852102" y="3273287"/>
+            <a:ext cx="3616352" cy="651034"/>
+          </a:xfrm>
+          <a:prstGeom prst="line">
+            <a:avLst/>
+          </a:prstGeom>
+        </p:spPr>
+        <p:style>
+          <a:lnRef idx="1">
+            <a:schemeClr val="dk1"/>
+          </a:lnRef>
+          <a:fillRef idx="0">
+            <a:schemeClr val="dk1"/>
+          </a:fillRef>
+          <a:effectRef idx="0">
+            <a:schemeClr val="dk1"/>
+          </a:effectRef>
+          <a:fontRef idx="minor">
+            <a:schemeClr val="tx1"/>
+          </a:fontRef>
+        </p:style>
+      </p:cxnSp>
+      <p:cxnSp>
+        <p:nvCxnSpPr>
+          <p:cNvPr id="46" name="Straight Connector 45">
+            <a:extLst>
+              <a:ext uri="{FF2B5EF4-FFF2-40B4-BE49-F238E27FC236}">
+                <a16:creationId xmlns:a16="http://schemas.microsoft.com/office/drawing/2014/main" id="{66378116-5C09-4862-A567-F89F3BF4A1F8}"/>
+              </a:ext>
+            </a:extLst>
+          </p:cNvPr>
+          <p:cNvCxnSpPr>
+            <a:endCxn id="34" idx="2"/>
+          </p:cNvCxnSpPr>
+          <p:nvPr/>
+        </p:nvCxnSpPr>
+        <p:spPr>
+          <a:xfrm>
+            <a:off x="834114" y="3277922"/>
+            <a:ext cx="3634340" cy="1449482"/>
+          </a:xfrm>
+          <a:prstGeom prst="line">
+            <a:avLst/>
+          </a:prstGeom>
+        </p:spPr>
+        <p:style>
+          <a:lnRef idx="1">
+            <a:schemeClr val="dk1"/>
+          </a:lnRef>
+          <a:fillRef idx="0">
+            <a:schemeClr val="dk1"/>
+          </a:fillRef>
+          <a:effectRef idx="0">
+            <a:schemeClr val="dk1"/>
+          </a:effectRef>
+          <a:fontRef idx="minor">
+            <a:schemeClr val="tx1"/>
+          </a:fontRef>
+        </p:style>
+      </p:cxnSp>
+      <p:cxnSp>
+        <p:nvCxnSpPr>
+          <p:cNvPr id="48" name="Straight Connector 47">
+            <a:extLst>
+              <a:ext uri="{FF2B5EF4-FFF2-40B4-BE49-F238E27FC236}">
+                <a16:creationId xmlns:a16="http://schemas.microsoft.com/office/drawing/2014/main" id="{C191A3AA-923A-48B5-97AC-9A0889CC1354}"/>
+              </a:ext>
+            </a:extLst>
+          </p:cNvPr>
+          <p:cNvCxnSpPr>
+            <a:endCxn id="36" idx="2"/>
+          </p:cNvCxnSpPr>
+          <p:nvPr/>
+        </p:nvCxnSpPr>
+        <p:spPr>
+          <a:xfrm>
+            <a:off x="838188" y="3257402"/>
+            <a:ext cx="3619444" cy="2227410"/>
+          </a:xfrm>
+          <a:prstGeom prst="line">
+            <a:avLst/>
+          </a:prstGeom>
+        </p:spPr>
+        <p:style>
+          <a:lnRef idx="1">
+            <a:schemeClr val="dk1"/>
+          </a:lnRef>
+          <a:fillRef idx="0">
+            <a:schemeClr val="dk1"/>
+          </a:fillRef>
+          <a:effectRef idx="0">
+            <a:schemeClr val="dk1"/>
+          </a:effectRef>
+          <a:fontRef idx="minor">
+            <a:schemeClr val="tx1"/>
+          </a:fontRef>
+        </p:style>
+      </p:cxnSp>
+      <p:sp>
+        <p:nvSpPr>
+          <p:cNvPr id="4" name="Title 1">
+            <a:extLst>
+              <a:ext uri="{FF2B5EF4-FFF2-40B4-BE49-F238E27FC236}">
+                <a16:creationId xmlns:a16="http://schemas.microsoft.com/office/drawing/2014/main" id="{3B268CC4-86EA-412C-BEB6-931E7B258F45}"/>
+              </a:ext>
+            </a:extLst>
+          </p:cNvPr>
+          <p:cNvSpPr txBox="1">
+            <a:spLocks/>
+          </p:cNvSpPr>
+          <p:nvPr/>
+        </p:nvSpPr>
+        <p:spPr>
+          <a:xfrm>
+            <a:off x="127627" y="4366292"/>
+            <a:ext cx="1383122" cy="498752"/>
+          </a:xfrm>
+          <a:prstGeom prst="rect">
+            <a:avLst/>
+          </a:prstGeom>
+        </p:spPr>
+        <p:txBody>
+          <a:bodyPr vert="horz" lIns="91440" tIns="45720" rIns="91440" bIns="45720" rtlCol="0" anchor="b">
+            <a:noAutofit/>
+          </a:bodyPr>
+          <a:lstStyle>
+            <a:lvl1pPr algn="r" defTabSz="457200" rtl="0" eaLnBrk="1" latinLnBrk="0" hangingPunct="1">
+              <a:spcBef>
+                <a:spcPct val="0"/>
+              </a:spcBef>
+              <a:buNone/>
+              <a:defRPr sz="5400" kern="1200">
+                <a:solidFill>
+                  <a:schemeClr val="accent1"/>
+                </a:solidFill>
+                <a:latin typeface="+mj-lt"/>
+                <a:ea typeface="+mj-ea"/>
+                <a:cs typeface="+mj-cs"/>
+              </a:defRPr>
+            </a:lvl1pPr>
+            <a:lvl2pPr eaLnBrk="1" hangingPunct="1">
+              <a:defRPr>
+                <a:solidFill>
+                  <a:schemeClr val="tx2"/>
+                </a:solidFill>
+              </a:defRPr>
+            </a:lvl2pPr>
+            <a:lvl3pPr eaLnBrk="1" hangingPunct="1">
+              <a:defRPr>
+                <a:solidFill>
+                  <a:schemeClr val="tx2"/>
+                </a:solidFill>
+              </a:defRPr>
+            </a:lvl3pPr>
+            <a:lvl4pPr eaLnBrk="1" hangingPunct="1">
+              <a:defRPr>
+                <a:solidFill>
+                  <a:schemeClr val="tx2"/>
+                </a:solidFill>
+              </a:defRPr>
+            </a:lvl4pPr>
+            <a:lvl5pPr eaLnBrk="1" hangingPunct="1">
+              <a:defRPr>
+                <a:solidFill>
+                  <a:schemeClr val="tx2"/>
+                </a:solidFill>
+              </a:defRPr>
+            </a:lvl5pPr>
+            <a:lvl6pPr eaLnBrk="1" hangingPunct="1">
+              <a:defRPr>
+                <a:solidFill>
+                  <a:schemeClr val="tx2"/>
+                </a:solidFill>
+              </a:defRPr>
+            </a:lvl6pPr>
+            <a:lvl7pPr eaLnBrk="1" hangingPunct="1">
+              <a:defRPr>
+                <a:solidFill>
+                  <a:schemeClr val="tx2"/>
+                </a:solidFill>
+              </a:defRPr>
+            </a:lvl7pPr>
+            <a:lvl8pPr eaLnBrk="1" hangingPunct="1">
+              <a:defRPr>
+                <a:solidFill>
+                  <a:schemeClr val="tx2"/>
+                </a:solidFill>
+              </a:defRPr>
+            </a:lvl8pPr>
+            <a:lvl9pPr eaLnBrk="1" hangingPunct="1">
+              <a:defRPr>
+                <a:solidFill>
+                  <a:schemeClr val="tx2"/>
+                </a:solidFill>
+              </a:defRPr>
+            </a:lvl9pPr>
+          </a:lstStyle>
+          <a:p>
+            <a:pPr algn="ctr"/>
+            <a:r>
+              <a:rPr lang="en-IN" sz="2400" dirty="0"/>
+              <a:t>USERS</a:t>
+            </a:r>
+          </a:p>
+        </p:txBody>
+      </p:sp>
+    </p:spTree>
+    <p:extLst>
+      <p:ext uri="{BB962C8B-B14F-4D97-AF65-F5344CB8AC3E}">
+        <p14:creationId xmlns:p14="http://schemas.microsoft.com/office/powerpoint/2010/main" val="282694531"/>
+      </p:ext>
+    </p:extLst>
+  </p:cSld>
+  <p:clrMapOvr>
+    <a:masterClrMapping/>
+  </p:clrMapOvr>
+</p:sld>
+</file>
+
+<file path=ppt/slides/slide21.xml><?xml version="1.0" encoding="utf-8"?>
+<p:sld xmlns:a="http://schemas.openxmlformats.org/drawingml/2006/main" xmlns:r="http://schemas.openxmlformats.org/officeDocument/2006/relationships" xmlns:p="http://schemas.openxmlformats.org/presentationml/2006/main">
+  <p:cSld>
+    <p:spTree>
+      <p:nvGrpSpPr>
+        <p:cNvPr id="1" name=""/>
+        <p:cNvGrpSpPr/>
+        <p:nvPr/>
+      </p:nvGrpSpPr>
+      <p:grpSpPr>
+        <a:xfrm>
+          <a:off x="0" y="0"/>
+          <a:ext cx="0" cy="0"/>
+          <a:chOff x="0" y="0"/>
+          <a:chExt cx="0" cy="0"/>
+        </a:xfrm>
+      </p:grpSpPr>
+      <p:sp>
+        <p:nvSpPr>
+          <p:cNvPr id="2" name="Title 1">
+            <a:extLst>
+              <a:ext uri="{FF2B5EF4-FFF2-40B4-BE49-F238E27FC236}">
+                <a16:creationId xmlns:a16="http://schemas.microsoft.com/office/drawing/2014/main" id="{99D297A9-8FE9-4454-BC20-83BDCD223D17}"/>
+              </a:ext>
+            </a:extLst>
+          </p:cNvPr>
+          <p:cNvSpPr>
+            <a:spLocks noGrp="1"/>
+          </p:cNvSpPr>
+          <p:nvPr>
+            <p:ph type="ctrTitle"/>
+          </p:nvPr>
+        </p:nvSpPr>
+        <p:spPr>
+          <a:xfrm>
+            <a:off x="2872039" y="0"/>
+            <a:ext cx="5198535" cy="647725"/>
+          </a:xfrm>
+        </p:spPr>
+        <p:txBody>
+          <a:bodyPr/>
+          <a:lstStyle/>
+          <a:p>
+            <a:pPr algn="ctr"/>
+            <a:r>
+              <a:rPr lang="en-IN" sz="4000" b="1" u="sng" dirty="0"/>
+              <a:t>CLASS DIAGRAM</a:t>
+            </a:r>
+          </a:p>
+        </p:txBody>
+      </p:sp>
+      <p:sp>
+        <p:nvSpPr>
+          <p:cNvPr id="5" name="Rectangle 4">
+            <a:extLst>
+              <a:ext uri="{FF2B5EF4-FFF2-40B4-BE49-F238E27FC236}">
+                <a16:creationId xmlns:a16="http://schemas.microsoft.com/office/drawing/2014/main" id="{18BB1C90-4F46-4EE0-8C65-A1FD671745DA}"/>
+              </a:ext>
+            </a:extLst>
+          </p:cNvPr>
+          <p:cNvSpPr/>
+          <p:nvPr/>
+        </p:nvSpPr>
+        <p:spPr>
+          <a:xfrm>
+            <a:off x="3536848" y="2866452"/>
+            <a:ext cx="2120349" cy="2425152"/>
+          </a:xfrm>
+          <a:prstGeom prst="rect">
+            <a:avLst/>
+          </a:prstGeom>
+        </p:spPr>
+        <p:style>
+          <a:lnRef idx="2">
+            <a:schemeClr val="accent1"/>
+          </a:lnRef>
+          <a:fillRef idx="1">
+            <a:schemeClr val="lt1"/>
+          </a:fillRef>
+          <a:effectRef idx="0">
+            <a:schemeClr val="accent1"/>
+          </a:effectRef>
+          <a:fontRef idx="minor">
+            <a:schemeClr val="dk1"/>
+          </a:fontRef>
+        </p:style>
+        <p:txBody>
+          <a:bodyPr rtlCol="0" anchor="ctr"/>
+          <a:lstStyle/>
+          <a:p>
+            <a:pPr algn="ctr"/>
+            <a:endParaRPr lang="en-IN" dirty="0"/>
+          </a:p>
+        </p:txBody>
+      </p:sp>
+      <p:cxnSp>
+        <p:nvCxnSpPr>
+          <p:cNvPr id="9" name="Straight Connector 8">
+            <a:extLst>
+              <a:ext uri="{FF2B5EF4-FFF2-40B4-BE49-F238E27FC236}">
+                <a16:creationId xmlns:a16="http://schemas.microsoft.com/office/drawing/2014/main" id="{DB6D59A2-84E0-49A7-9BE7-3D55394216DC}"/>
+              </a:ext>
+            </a:extLst>
+          </p:cNvPr>
+          <p:cNvCxnSpPr>
+            <a:cxnSpLocks/>
+          </p:cNvCxnSpPr>
+          <p:nvPr/>
+        </p:nvCxnSpPr>
+        <p:spPr>
+          <a:xfrm>
+            <a:off x="3536849" y="3264016"/>
+            <a:ext cx="2120348" cy="0"/>
+          </a:xfrm>
+          <a:prstGeom prst="line">
+            <a:avLst/>
+          </a:prstGeom>
+        </p:spPr>
+        <p:style>
+          <a:lnRef idx="1">
+            <a:schemeClr val="dk1"/>
+          </a:lnRef>
+          <a:fillRef idx="0">
+            <a:schemeClr val="dk1"/>
+          </a:fillRef>
+          <a:effectRef idx="0">
+            <a:schemeClr val="dk1"/>
+          </a:effectRef>
+          <a:fontRef idx="minor">
+            <a:schemeClr val="tx1"/>
+          </a:fontRef>
+        </p:style>
+      </p:cxnSp>
+      <p:cxnSp>
+        <p:nvCxnSpPr>
+          <p:cNvPr id="14" name="Straight Connector 13">
+            <a:extLst>
+              <a:ext uri="{FF2B5EF4-FFF2-40B4-BE49-F238E27FC236}">
+                <a16:creationId xmlns:a16="http://schemas.microsoft.com/office/drawing/2014/main" id="{BAA079B5-F8B1-44F1-8D46-904A0F8C0A10}"/>
+              </a:ext>
+            </a:extLst>
+          </p:cNvPr>
+          <p:cNvCxnSpPr>
+            <a:cxnSpLocks/>
+          </p:cNvCxnSpPr>
+          <p:nvPr/>
+        </p:nvCxnSpPr>
+        <p:spPr>
+          <a:xfrm>
+            <a:off x="3536847" y="4303543"/>
+            <a:ext cx="2120348" cy="0"/>
+          </a:xfrm>
+          <a:prstGeom prst="line">
+            <a:avLst/>
+          </a:prstGeom>
+        </p:spPr>
+        <p:style>
+          <a:lnRef idx="1">
+            <a:schemeClr val="dk1"/>
+          </a:lnRef>
+          <a:fillRef idx="0">
+            <a:schemeClr val="dk1"/>
+          </a:fillRef>
+          <a:effectRef idx="0">
+            <a:schemeClr val="dk1"/>
+          </a:effectRef>
+          <a:fontRef idx="minor">
+            <a:schemeClr val="tx1"/>
+          </a:fontRef>
+        </p:style>
+      </p:cxnSp>
+      <p:sp>
+        <p:nvSpPr>
+          <p:cNvPr id="16" name="TextBox 15">
+            <a:extLst>
+              <a:ext uri="{FF2B5EF4-FFF2-40B4-BE49-F238E27FC236}">
+                <a16:creationId xmlns:a16="http://schemas.microsoft.com/office/drawing/2014/main" id="{9EC0E02D-D0EE-46E1-B17E-AE71DFE7CA5D}"/>
+              </a:ext>
+            </a:extLst>
+          </p:cNvPr>
+          <p:cNvSpPr txBox="1"/>
+          <p:nvPr/>
+        </p:nvSpPr>
+        <p:spPr>
+          <a:xfrm>
+            <a:off x="3517710" y="4278912"/>
+            <a:ext cx="1586578" cy="954107"/>
+          </a:xfrm>
+          <a:prstGeom prst="rect">
+            <a:avLst/>
+          </a:prstGeom>
+          <a:noFill/>
+        </p:spPr>
+        <p:txBody>
+          <a:bodyPr wrap="square" rtlCol="0">
+            <a:spAutoFit/>
+          </a:bodyPr>
+          <a:lstStyle/>
+          <a:p>
+            <a:r>
+              <a:rPr lang="en-IN" sz="1400" dirty="0"/>
+              <a:t>+add()</a:t>
+            </a:r>
+          </a:p>
+          <a:p>
+            <a:r>
+              <a:rPr lang="en-IN" sz="1400" dirty="0"/>
+              <a:t>-edit()</a:t>
+            </a:r>
+          </a:p>
+          <a:p>
+            <a:r>
+              <a:rPr lang="en-IN" sz="1400" dirty="0"/>
+              <a:t>-del()</a:t>
+            </a:r>
+          </a:p>
+          <a:p>
+            <a:r>
+              <a:rPr lang="en-IN" sz="1400" dirty="0"/>
+              <a:t>+</a:t>
+            </a:r>
+            <a:r>
+              <a:rPr lang="en-IN" sz="1400" dirty="0" err="1"/>
+              <a:t>upd</a:t>
+            </a:r>
+            <a:r>
+              <a:rPr lang="en-IN" sz="1400" dirty="0"/>
+              <a:t>()</a:t>
+            </a:r>
+          </a:p>
+        </p:txBody>
+      </p:sp>
+      <p:sp>
+        <p:nvSpPr>
+          <p:cNvPr id="24" name="TextBox 23">
+            <a:extLst>
+              <a:ext uri="{FF2B5EF4-FFF2-40B4-BE49-F238E27FC236}">
+                <a16:creationId xmlns:a16="http://schemas.microsoft.com/office/drawing/2014/main" id="{95FB94E5-5E4C-4F81-B333-36416EC81436}"/>
+              </a:ext>
+            </a:extLst>
+          </p:cNvPr>
+          <p:cNvSpPr txBox="1"/>
+          <p:nvPr/>
+        </p:nvSpPr>
+        <p:spPr>
+          <a:xfrm>
+            <a:off x="3536849" y="2866451"/>
+            <a:ext cx="1775790" cy="338554"/>
+          </a:xfrm>
+          <a:prstGeom prst="rect">
+            <a:avLst/>
+          </a:prstGeom>
+          <a:noFill/>
+        </p:spPr>
+        <p:txBody>
+          <a:bodyPr wrap="square" rtlCol="0">
+            <a:spAutoFit/>
+          </a:bodyPr>
+          <a:lstStyle/>
+          <a:p>
+            <a:pPr algn="ctr"/>
+            <a:r>
+              <a:rPr lang="en-IN" sz="1600" b="1" dirty="0"/>
+              <a:t>products</a:t>
+            </a:r>
+          </a:p>
+        </p:txBody>
+      </p:sp>
+      <p:sp>
+        <p:nvSpPr>
+          <p:cNvPr id="29" name="TextBox 28">
+            <a:extLst>
+              <a:ext uri="{FF2B5EF4-FFF2-40B4-BE49-F238E27FC236}">
+                <a16:creationId xmlns:a16="http://schemas.microsoft.com/office/drawing/2014/main" id="{ADECA907-C18E-44C3-868B-484A0082E46F}"/>
+              </a:ext>
+            </a:extLst>
+          </p:cNvPr>
+          <p:cNvSpPr txBox="1"/>
+          <p:nvPr/>
+        </p:nvSpPr>
+        <p:spPr>
+          <a:xfrm>
+            <a:off x="3536847" y="3258301"/>
+            <a:ext cx="2120348" cy="1022268"/>
+          </a:xfrm>
+          <a:prstGeom prst="rect">
+            <a:avLst/>
+          </a:prstGeom>
+          <a:noFill/>
+        </p:spPr>
+        <p:txBody>
+          <a:bodyPr wrap="square" rtlCol="0">
+            <a:spAutoFit/>
+          </a:bodyPr>
+          <a:lstStyle/>
+          <a:p>
+            <a:pPr>
+              <a:lnSpc>
+                <a:spcPct val="150000"/>
+              </a:lnSpc>
+            </a:pPr>
+            <a:r>
+              <a:rPr lang="en-IN" sz="1400" dirty="0" err="1"/>
+              <a:t>Product_id</a:t>
+            </a:r>
+            <a:r>
+              <a:rPr lang="en-IN" sz="1400" dirty="0"/>
+              <a:t>(</a:t>
+            </a:r>
+            <a:r>
+              <a:rPr lang="en-IN" sz="1400" dirty="0" err="1"/>
+              <a:t>p.k</a:t>
+            </a:r>
+            <a:r>
+              <a:rPr lang="en-IN" sz="1400" dirty="0"/>
+              <a:t>)</a:t>
+            </a:r>
+          </a:p>
+          <a:p>
+            <a:pPr>
+              <a:lnSpc>
+                <a:spcPct val="150000"/>
+              </a:lnSpc>
+            </a:pPr>
+            <a:r>
+              <a:rPr lang="en-IN" sz="1400" dirty="0" err="1"/>
+              <a:t>Category_id</a:t>
+            </a:r>
+            <a:r>
+              <a:rPr lang="en-IN" sz="1400" dirty="0"/>
+              <a:t>(</a:t>
+            </a:r>
+            <a:r>
+              <a:rPr lang="en-IN" sz="1400" dirty="0" err="1"/>
+              <a:t>f.k</a:t>
+            </a:r>
+            <a:r>
+              <a:rPr lang="en-IN" sz="1400" dirty="0"/>
+              <a:t>)</a:t>
+            </a:r>
+          </a:p>
+          <a:p>
+            <a:pPr>
+              <a:lnSpc>
+                <a:spcPct val="150000"/>
+              </a:lnSpc>
+            </a:pPr>
+            <a:r>
+              <a:rPr lang="en-IN" sz="1400" dirty="0" err="1"/>
+              <a:t>Subcategory_id</a:t>
+            </a:r>
+            <a:r>
+              <a:rPr lang="en-IN" sz="1400" dirty="0"/>
+              <a:t>(</a:t>
+            </a:r>
+            <a:r>
+              <a:rPr lang="en-IN" sz="1400" dirty="0" err="1"/>
+              <a:t>f.k</a:t>
+            </a:r>
+            <a:r>
+              <a:rPr lang="en-IN" sz="1400" dirty="0"/>
+              <a:t>)</a:t>
+            </a:r>
+            <a:endParaRPr lang="en-IN" dirty="0"/>
+          </a:p>
+        </p:txBody>
+      </p:sp>
+      <p:sp>
+        <p:nvSpPr>
+          <p:cNvPr id="39" name="Rectangle 38">
+            <a:extLst>
+              <a:ext uri="{FF2B5EF4-FFF2-40B4-BE49-F238E27FC236}">
+                <a16:creationId xmlns:a16="http://schemas.microsoft.com/office/drawing/2014/main" id="{0B3F3F40-9A2E-4463-A8A7-FEF9360B23EC}"/>
+              </a:ext>
+            </a:extLst>
+          </p:cNvPr>
+          <p:cNvSpPr/>
+          <p:nvPr/>
+        </p:nvSpPr>
+        <p:spPr>
+          <a:xfrm>
+            <a:off x="8929032" y="184203"/>
+            <a:ext cx="2120349" cy="2026852"/>
+          </a:xfrm>
+          <a:prstGeom prst="rect">
+            <a:avLst/>
+          </a:prstGeom>
+        </p:spPr>
+        <p:style>
+          <a:lnRef idx="2">
+            <a:schemeClr val="accent1"/>
+          </a:lnRef>
+          <a:fillRef idx="1">
+            <a:schemeClr val="lt1"/>
+          </a:fillRef>
+          <a:effectRef idx="0">
+            <a:schemeClr val="accent1"/>
+          </a:effectRef>
+          <a:fontRef idx="minor">
+            <a:schemeClr val="dk1"/>
+          </a:fontRef>
+        </p:style>
+        <p:txBody>
+          <a:bodyPr rtlCol="0" anchor="ctr"/>
+          <a:lstStyle/>
+          <a:p>
+            <a:pPr algn="ctr"/>
+            <a:endParaRPr lang="en-IN" dirty="0"/>
+          </a:p>
+        </p:txBody>
+      </p:sp>
+      <p:cxnSp>
+        <p:nvCxnSpPr>
+          <p:cNvPr id="41" name="Straight Connector 40">
+            <a:extLst>
+              <a:ext uri="{FF2B5EF4-FFF2-40B4-BE49-F238E27FC236}">
+                <a16:creationId xmlns:a16="http://schemas.microsoft.com/office/drawing/2014/main" id="{00ADBC22-E6D9-4546-9E92-58241D884BAC}"/>
+              </a:ext>
+            </a:extLst>
+          </p:cNvPr>
+          <p:cNvCxnSpPr>
+            <a:cxnSpLocks/>
+          </p:cNvCxnSpPr>
+          <p:nvPr/>
+        </p:nvCxnSpPr>
+        <p:spPr>
+          <a:xfrm>
+            <a:off x="8929033" y="581767"/>
+            <a:ext cx="2120348" cy="0"/>
+          </a:xfrm>
+          <a:prstGeom prst="line">
+            <a:avLst/>
+          </a:prstGeom>
+        </p:spPr>
+        <p:style>
+          <a:lnRef idx="1">
+            <a:schemeClr val="dk1"/>
+          </a:lnRef>
+          <a:fillRef idx="0">
+            <a:schemeClr val="dk1"/>
+          </a:fillRef>
+          <a:effectRef idx="0">
+            <a:schemeClr val="dk1"/>
+          </a:effectRef>
+          <a:fontRef idx="minor">
+            <a:schemeClr val="tx1"/>
+          </a:fontRef>
+        </p:style>
+      </p:cxnSp>
+      <p:cxnSp>
+        <p:nvCxnSpPr>
+          <p:cNvPr id="43" name="Straight Connector 42">
+            <a:extLst>
+              <a:ext uri="{FF2B5EF4-FFF2-40B4-BE49-F238E27FC236}">
+                <a16:creationId xmlns:a16="http://schemas.microsoft.com/office/drawing/2014/main" id="{7B36D5EC-3C1B-4606-87CD-F757944960EC}"/>
+              </a:ext>
+            </a:extLst>
+          </p:cNvPr>
+          <p:cNvCxnSpPr>
+            <a:cxnSpLocks/>
+          </p:cNvCxnSpPr>
+          <p:nvPr/>
+        </p:nvCxnSpPr>
+        <p:spPr>
+          <a:xfrm>
+            <a:off x="8929031" y="1260102"/>
+            <a:ext cx="2120348" cy="0"/>
+          </a:xfrm>
+          <a:prstGeom prst="line">
+            <a:avLst/>
+          </a:prstGeom>
+        </p:spPr>
+        <p:style>
+          <a:lnRef idx="1">
+            <a:schemeClr val="dk1"/>
+          </a:lnRef>
+          <a:fillRef idx="0">
+            <a:schemeClr val="dk1"/>
+          </a:fillRef>
+          <a:effectRef idx="0">
+            <a:schemeClr val="dk1"/>
+          </a:effectRef>
+          <a:fontRef idx="minor">
+            <a:schemeClr val="tx1"/>
+          </a:fontRef>
+        </p:style>
+      </p:cxnSp>
+      <p:sp>
+        <p:nvSpPr>
+          <p:cNvPr id="51" name="TextBox 50">
+            <a:extLst>
+              <a:ext uri="{FF2B5EF4-FFF2-40B4-BE49-F238E27FC236}">
+                <a16:creationId xmlns:a16="http://schemas.microsoft.com/office/drawing/2014/main" id="{8985B1C5-51E7-4762-B922-9C1920C46412}"/>
+              </a:ext>
+            </a:extLst>
+          </p:cNvPr>
+          <p:cNvSpPr txBox="1"/>
+          <p:nvPr/>
+        </p:nvSpPr>
+        <p:spPr>
+          <a:xfrm>
+            <a:off x="8915778" y="1256948"/>
+            <a:ext cx="1586578" cy="954107"/>
+          </a:xfrm>
+          <a:prstGeom prst="rect">
+            <a:avLst/>
+          </a:prstGeom>
+          <a:noFill/>
+        </p:spPr>
+        <p:txBody>
+          <a:bodyPr wrap="square" rtlCol="0">
+            <a:spAutoFit/>
+          </a:bodyPr>
+          <a:lstStyle/>
+          <a:p>
+            <a:r>
+              <a:rPr lang="en-IN" sz="1400" dirty="0"/>
+              <a:t>+add()</a:t>
+            </a:r>
+          </a:p>
+          <a:p>
+            <a:r>
+              <a:rPr lang="en-IN" sz="1400" dirty="0"/>
+              <a:t>-edit()</a:t>
+            </a:r>
+          </a:p>
+          <a:p>
+            <a:r>
+              <a:rPr lang="en-IN" sz="1400" dirty="0"/>
+              <a:t>-del()</a:t>
+            </a:r>
+          </a:p>
+          <a:p>
+            <a:r>
+              <a:rPr lang="en-IN" sz="1400" dirty="0"/>
+              <a:t>+</a:t>
+            </a:r>
+            <a:r>
+              <a:rPr lang="en-IN" sz="1400" dirty="0" err="1"/>
+              <a:t>upd</a:t>
+            </a:r>
+            <a:r>
+              <a:rPr lang="en-IN" sz="1400" dirty="0"/>
+              <a:t>()</a:t>
+            </a:r>
+          </a:p>
+        </p:txBody>
+      </p:sp>
+      <p:sp>
+        <p:nvSpPr>
+          <p:cNvPr id="53" name="TextBox 52">
+            <a:extLst>
+              <a:ext uri="{FF2B5EF4-FFF2-40B4-BE49-F238E27FC236}">
+                <a16:creationId xmlns:a16="http://schemas.microsoft.com/office/drawing/2014/main" id="{475ACE05-03B8-4620-9C49-34971D9459AB}"/>
+              </a:ext>
+            </a:extLst>
+          </p:cNvPr>
+          <p:cNvSpPr txBox="1"/>
+          <p:nvPr/>
+        </p:nvSpPr>
+        <p:spPr>
+          <a:xfrm>
+            <a:off x="8929033" y="184202"/>
+            <a:ext cx="1775790" cy="338554"/>
+          </a:xfrm>
+          <a:prstGeom prst="rect">
+            <a:avLst/>
+          </a:prstGeom>
+          <a:noFill/>
+        </p:spPr>
+        <p:txBody>
+          <a:bodyPr wrap="square" rtlCol="0">
+            <a:spAutoFit/>
+          </a:bodyPr>
+          <a:lstStyle/>
+          <a:p>
+            <a:pPr algn="ctr"/>
+            <a:r>
+              <a:rPr lang="en-IN" sz="1600" b="1" dirty="0"/>
+              <a:t>category</a:t>
+            </a:r>
+          </a:p>
+        </p:txBody>
+      </p:sp>
+      <p:sp>
+        <p:nvSpPr>
+          <p:cNvPr id="55" name="TextBox 54">
+            <a:extLst>
+              <a:ext uri="{FF2B5EF4-FFF2-40B4-BE49-F238E27FC236}">
+                <a16:creationId xmlns:a16="http://schemas.microsoft.com/office/drawing/2014/main" id="{1099831B-1267-4375-AF67-431E936AAB33}"/>
+              </a:ext>
+            </a:extLst>
+          </p:cNvPr>
+          <p:cNvSpPr txBox="1"/>
+          <p:nvPr/>
+        </p:nvSpPr>
+        <p:spPr>
+          <a:xfrm>
+            <a:off x="8929031" y="576052"/>
+            <a:ext cx="2120348" cy="699102"/>
+          </a:xfrm>
+          <a:prstGeom prst="rect">
+            <a:avLst/>
+          </a:prstGeom>
+          <a:noFill/>
+        </p:spPr>
+        <p:txBody>
+          <a:bodyPr wrap="square" rtlCol="0">
+            <a:spAutoFit/>
+          </a:bodyPr>
+          <a:lstStyle/>
+          <a:p>
+            <a:pPr>
+              <a:lnSpc>
+                <a:spcPct val="150000"/>
+              </a:lnSpc>
+            </a:pPr>
+            <a:r>
+              <a:rPr lang="en-IN" sz="1400" dirty="0" err="1"/>
+              <a:t>Category_id</a:t>
+            </a:r>
+            <a:r>
+              <a:rPr lang="en-IN" sz="1400" dirty="0"/>
+              <a:t>(</a:t>
+            </a:r>
+            <a:r>
+              <a:rPr lang="en-IN" sz="1400" dirty="0" err="1"/>
+              <a:t>p.k</a:t>
+            </a:r>
+            <a:r>
+              <a:rPr lang="en-IN" sz="1400" dirty="0"/>
+              <a:t>)</a:t>
+            </a:r>
+          </a:p>
+          <a:p>
+            <a:pPr>
+              <a:lnSpc>
+                <a:spcPct val="150000"/>
+              </a:lnSpc>
+            </a:pPr>
+            <a:r>
+              <a:rPr lang="en-IN" sz="1400" dirty="0"/>
+              <a:t>Title </a:t>
+            </a:r>
+            <a:endParaRPr lang="en-IN" dirty="0"/>
+          </a:p>
+        </p:txBody>
+      </p:sp>
+      <p:sp>
+        <p:nvSpPr>
+          <p:cNvPr id="117" name="Rectangle 116">
+            <a:extLst>
+              <a:ext uri="{FF2B5EF4-FFF2-40B4-BE49-F238E27FC236}">
+                <a16:creationId xmlns:a16="http://schemas.microsoft.com/office/drawing/2014/main" id="{092496AA-49E1-43D8-98D2-E7FB2E937F4E}"/>
+              </a:ext>
+            </a:extLst>
+          </p:cNvPr>
+          <p:cNvSpPr/>
+          <p:nvPr/>
+        </p:nvSpPr>
+        <p:spPr>
+          <a:xfrm>
+            <a:off x="4354056" y="718284"/>
+            <a:ext cx="2120349" cy="1995870"/>
+          </a:xfrm>
+          <a:prstGeom prst="rect">
+            <a:avLst/>
+          </a:prstGeom>
+        </p:spPr>
+        <p:style>
+          <a:lnRef idx="2">
+            <a:schemeClr val="accent1"/>
+          </a:lnRef>
+          <a:fillRef idx="1">
+            <a:schemeClr val="lt1"/>
+          </a:fillRef>
+          <a:effectRef idx="0">
+            <a:schemeClr val="accent1"/>
+          </a:effectRef>
+          <a:fontRef idx="minor">
+            <a:schemeClr val="dk1"/>
+          </a:fontRef>
+        </p:style>
+        <p:txBody>
+          <a:bodyPr rtlCol="0" anchor="ctr"/>
+          <a:lstStyle/>
+          <a:p>
+            <a:pPr algn="ctr"/>
+            <a:endParaRPr lang="en-IN" dirty="0"/>
+          </a:p>
+        </p:txBody>
+      </p:sp>
+      <p:cxnSp>
+        <p:nvCxnSpPr>
+          <p:cNvPr id="119" name="Straight Connector 118">
+            <a:extLst>
+              <a:ext uri="{FF2B5EF4-FFF2-40B4-BE49-F238E27FC236}">
+                <a16:creationId xmlns:a16="http://schemas.microsoft.com/office/drawing/2014/main" id="{92B62E59-2468-4761-9A14-8B3388751390}"/>
+              </a:ext>
+            </a:extLst>
+          </p:cNvPr>
+          <p:cNvCxnSpPr>
+            <a:cxnSpLocks/>
+          </p:cNvCxnSpPr>
+          <p:nvPr/>
+        </p:nvCxnSpPr>
+        <p:spPr>
+          <a:xfrm>
+            <a:off x="4354057" y="1115849"/>
+            <a:ext cx="2120348" cy="0"/>
+          </a:xfrm>
+          <a:prstGeom prst="line">
+            <a:avLst/>
+          </a:prstGeom>
+        </p:spPr>
+        <p:style>
+          <a:lnRef idx="1">
+            <a:schemeClr val="dk1"/>
+          </a:lnRef>
+          <a:fillRef idx="0">
+            <a:schemeClr val="dk1"/>
+          </a:fillRef>
+          <a:effectRef idx="0">
+            <a:schemeClr val="dk1"/>
+          </a:effectRef>
+          <a:fontRef idx="minor">
+            <a:schemeClr val="tx1"/>
+          </a:fontRef>
+        </p:style>
+      </p:cxnSp>
+      <p:cxnSp>
+        <p:nvCxnSpPr>
+          <p:cNvPr id="121" name="Straight Connector 120">
+            <a:extLst>
+              <a:ext uri="{FF2B5EF4-FFF2-40B4-BE49-F238E27FC236}">
+                <a16:creationId xmlns:a16="http://schemas.microsoft.com/office/drawing/2014/main" id="{9F9D0B1E-739C-4294-BCF2-6B2780AA2693}"/>
+              </a:ext>
+            </a:extLst>
+          </p:cNvPr>
+          <p:cNvCxnSpPr>
+            <a:cxnSpLocks/>
+          </p:cNvCxnSpPr>
+          <p:nvPr/>
+        </p:nvCxnSpPr>
+        <p:spPr>
+          <a:xfrm>
+            <a:off x="4334915" y="1795436"/>
+            <a:ext cx="2120348" cy="0"/>
+          </a:xfrm>
+          <a:prstGeom prst="line">
+            <a:avLst/>
+          </a:prstGeom>
+        </p:spPr>
+        <p:style>
+          <a:lnRef idx="1">
+            <a:schemeClr val="dk1"/>
+          </a:lnRef>
+          <a:fillRef idx="0">
+            <a:schemeClr val="dk1"/>
+          </a:fillRef>
+          <a:effectRef idx="0">
+            <a:schemeClr val="dk1"/>
+          </a:effectRef>
+          <a:fontRef idx="minor">
+            <a:schemeClr val="tx1"/>
+          </a:fontRef>
+        </p:style>
+      </p:cxnSp>
+      <p:sp>
+        <p:nvSpPr>
+          <p:cNvPr id="123" name="TextBox 122">
+            <a:extLst>
+              <a:ext uri="{FF2B5EF4-FFF2-40B4-BE49-F238E27FC236}">
+                <a16:creationId xmlns:a16="http://schemas.microsoft.com/office/drawing/2014/main" id="{3E715314-1BC6-49F0-A670-79546A9AA5F0}"/>
+              </a:ext>
+            </a:extLst>
+          </p:cNvPr>
+          <p:cNvSpPr txBox="1"/>
+          <p:nvPr/>
+        </p:nvSpPr>
+        <p:spPr>
+          <a:xfrm>
+            <a:off x="4315775" y="1760047"/>
+            <a:ext cx="1586578" cy="954107"/>
+          </a:xfrm>
+          <a:prstGeom prst="rect">
+            <a:avLst/>
+          </a:prstGeom>
+          <a:noFill/>
+        </p:spPr>
+        <p:txBody>
+          <a:bodyPr wrap="square" rtlCol="0">
+            <a:spAutoFit/>
+          </a:bodyPr>
+          <a:lstStyle/>
+          <a:p>
+            <a:r>
+              <a:rPr lang="en-IN" sz="1400" dirty="0"/>
+              <a:t>+add()</a:t>
+            </a:r>
+          </a:p>
+          <a:p>
+            <a:r>
+              <a:rPr lang="en-IN" sz="1400" dirty="0"/>
+              <a:t>-edit()</a:t>
+            </a:r>
+          </a:p>
+          <a:p>
+            <a:r>
+              <a:rPr lang="en-IN" sz="1400" dirty="0"/>
+              <a:t>-del()</a:t>
+            </a:r>
+          </a:p>
+          <a:p>
+            <a:r>
+              <a:rPr lang="en-IN" sz="1400" dirty="0"/>
+              <a:t>+</a:t>
+            </a:r>
+            <a:r>
+              <a:rPr lang="en-IN" sz="1400" dirty="0" err="1"/>
+              <a:t>upd</a:t>
+            </a:r>
+            <a:r>
+              <a:rPr lang="en-IN" sz="1400" dirty="0"/>
+              <a:t>()</a:t>
+            </a:r>
+          </a:p>
+        </p:txBody>
+      </p:sp>
+      <p:sp>
+        <p:nvSpPr>
+          <p:cNvPr id="125" name="TextBox 124">
+            <a:extLst>
+              <a:ext uri="{FF2B5EF4-FFF2-40B4-BE49-F238E27FC236}">
+                <a16:creationId xmlns:a16="http://schemas.microsoft.com/office/drawing/2014/main" id="{DB8FE207-46FA-4CE8-8DB6-12D4EA2AFF68}"/>
+              </a:ext>
+            </a:extLst>
+          </p:cNvPr>
+          <p:cNvSpPr txBox="1"/>
+          <p:nvPr/>
+        </p:nvSpPr>
+        <p:spPr>
+          <a:xfrm>
+            <a:off x="4354057" y="718284"/>
+            <a:ext cx="1775790" cy="338554"/>
+          </a:xfrm>
+          <a:prstGeom prst="rect">
+            <a:avLst/>
+          </a:prstGeom>
+          <a:noFill/>
+        </p:spPr>
+        <p:txBody>
+          <a:bodyPr wrap="square" rtlCol="0">
+            <a:spAutoFit/>
+          </a:bodyPr>
+          <a:lstStyle/>
+          <a:p>
+            <a:pPr algn="ctr"/>
+            <a:r>
+              <a:rPr lang="en-IN" sz="1600" b="1" dirty="0"/>
+              <a:t>subcategory</a:t>
+            </a:r>
+          </a:p>
+        </p:txBody>
+      </p:sp>
+      <p:sp>
+        <p:nvSpPr>
+          <p:cNvPr id="127" name="TextBox 126">
+            <a:extLst>
+              <a:ext uri="{FF2B5EF4-FFF2-40B4-BE49-F238E27FC236}">
+                <a16:creationId xmlns:a16="http://schemas.microsoft.com/office/drawing/2014/main" id="{53EF20A1-2299-45F5-A8D2-EBA2474A7788}"/>
+              </a:ext>
+            </a:extLst>
+          </p:cNvPr>
+          <p:cNvSpPr txBox="1"/>
+          <p:nvPr/>
+        </p:nvSpPr>
+        <p:spPr>
+          <a:xfrm>
+            <a:off x="4354055" y="1110134"/>
+            <a:ext cx="2120348" cy="699102"/>
+          </a:xfrm>
+          <a:prstGeom prst="rect">
+            <a:avLst/>
+          </a:prstGeom>
+          <a:noFill/>
+        </p:spPr>
+        <p:txBody>
+          <a:bodyPr wrap="square" rtlCol="0">
+            <a:spAutoFit/>
+          </a:bodyPr>
+          <a:lstStyle/>
+          <a:p>
+            <a:pPr>
+              <a:lnSpc>
+                <a:spcPct val="150000"/>
+              </a:lnSpc>
+            </a:pPr>
+            <a:r>
+              <a:rPr lang="en-IN" sz="1400" dirty="0" err="1"/>
+              <a:t>SubCategory_id</a:t>
+            </a:r>
+            <a:r>
+              <a:rPr lang="en-IN" sz="1400" dirty="0"/>
+              <a:t>(</a:t>
+            </a:r>
+            <a:r>
+              <a:rPr lang="en-IN" sz="1400" dirty="0" err="1"/>
+              <a:t>p.k</a:t>
+            </a:r>
+            <a:r>
+              <a:rPr lang="en-IN" sz="1400" dirty="0"/>
+              <a:t>)</a:t>
+            </a:r>
+          </a:p>
+          <a:p>
+            <a:pPr>
+              <a:lnSpc>
+                <a:spcPct val="150000"/>
+              </a:lnSpc>
+            </a:pPr>
+            <a:r>
+              <a:rPr lang="en-IN" sz="1400" dirty="0"/>
+              <a:t>Title </a:t>
+            </a:r>
+            <a:endParaRPr lang="en-IN" dirty="0"/>
+          </a:p>
+        </p:txBody>
+      </p:sp>
+      <p:sp>
+        <p:nvSpPr>
+          <p:cNvPr id="129" name="Rectangle 128">
+            <a:extLst>
+              <a:ext uri="{FF2B5EF4-FFF2-40B4-BE49-F238E27FC236}">
+                <a16:creationId xmlns:a16="http://schemas.microsoft.com/office/drawing/2014/main" id="{E1054E3C-6DF0-438B-8979-493D3AC6F554}"/>
+              </a:ext>
+            </a:extLst>
+          </p:cNvPr>
+          <p:cNvSpPr/>
+          <p:nvPr/>
+        </p:nvSpPr>
+        <p:spPr>
+          <a:xfrm>
+            <a:off x="628164" y="4227378"/>
+            <a:ext cx="2120349" cy="2433452"/>
+          </a:xfrm>
+          <a:prstGeom prst="rect">
+            <a:avLst/>
+          </a:prstGeom>
+        </p:spPr>
+        <p:style>
+          <a:lnRef idx="2">
+            <a:schemeClr val="accent1"/>
+          </a:lnRef>
+          <a:fillRef idx="1">
+            <a:schemeClr val="lt1"/>
+          </a:fillRef>
+          <a:effectRef idx="0">
+            <a:schemeClr val="accent1"/>
+          </a:effectRef>
+          <a:fontRef idx="minor">
+            <a:schemeClr val="dk1"/>
+          </a:fontRef>
+        </p:style>
+        <p:txBody>
+          <a:bodyPr rtlCol="0" anchor="ctr"/>
+          <a:lstStyle/>
+          <a:p>
+            <a:pPr algn="ctr"/>
+            <a:endParaRPr lang="en-IN" dirty="0"/>
+          </a:p>
+        </p:txBody>
+      </p:sp>
+      <p:cxnSp>
+        <p:nvCxnSpPr>
+          <p:cNvPr id="131" name="Straight Connector 130">
+            <a:extLst>
+              <a:ext uri="{FF2B5EF4-FFF2-40B4-BE49-F238E27FC236}">
+                <a16:creationId xmlns:a16="http://schemas.microsoft.com/office/drawing/2014/main" id="{BB468D17-AF3C-414F-B550-8491274171AC}"/>
+              </a:ext>
+            </a:extLst>
+          </p:cNvPr>
+          <p:cNvCxnSpPr>
+            <a:cxnSpLocks/>
+          </p:cNvCxnSpPr>
+          <p:nvPr/>
+        </p:nvCxnSpPr>
+        <p:spPr>
+          <a:xfrm>
+            <a:off x="647302" y="4641507"/>
+            <a:ext cx="2120348" cy="0"/>
+          </a:xfrm>
+          <a:prstGeom prst="line">
+            <a:avLst/>
+          </a:prstGeom>
+        </p:spPr>
+        <p:style>
+          <a:lnRef idx="1">
+            <a:schemeClr val="dk1"/>
+          </a:lnRef>
+          <a:fillRef idx="0">
+            <a:schemeClr val="dk1"/>
+          </a:fillRef>
+          <a:effectRef idx="0">
+            <a:schemeClr val="dk1"/>
+          </a:effectRef>
+          <a:fontRef idx="minor">
+            <a:schemeClr val="tx1"/>
+          </a:fontRef>
+        </p:style>
+      </p:cxnSp>
+      <p:cxnSp>
+        <p:nvCxnSpPr>
+          <p:cNvPr id="133" name="Straight Connector 132">
+            <a:extLst>
+              <a:ext uri="{FF2B5EF4-FFF2-40B4-BE49-F238E27FC236}">
+                <a16:creationId xmlns:a16="http://schemas.microsoft.com/office/drawing/2014/main" id="{D77EFCBE-C1DD-47DA-81DF-3533E258A5D4}"/>
+              </a:ext>
+            </a:extLst>
+          </p:cNvPr>
+          <p:cNvCxnSpPr>
+            <a:cxnSpLocks/>
+          </p:cNvCxnSpPr>
+          <p:nvPr/>
+        </p:nvCxnSpPr>
+        <p:spPr>
+          <a:xfrm>
+            <a:off x="647302" y="5690533"/>
+            <a:ext cx="2120348" cy="0"/>
+          </a:xfrm>
+          <a:prstGeom prst="line">
+            <a:avLst/>
+          </a:prstGeom>
+        </p:spPr>
+        <p:style>
+          <a:lnRef idx="1">
+            <a:schemeClr val="dk1"/>
+          </a:lnRef>
+          <a:fillRef idx="0">
+            <a:schemeClr val="dk1"/>
+          </a:fillRef>
+          <a:effectRef idx="0">
+            <a:schemeClr val="dk1"/>
+          </a:effectRef>
+          <a:fontRef idx="minor">
+            <a:schemeClr val="tx1"/>
+          </a:fontRef>
+        </p:style>
+      </p:cxnSp>
+      <p:sp>
+        <p:nvSpPr>
+          <p:cNvPr id="135" name="TextBox 134">
+            <a:extLst>
+              <a:ext uri="{FF2B5EF4-FFF2-40B4-BE49-F238E27FC236}">
+                <a16:creationId xmlns:a16="http://schemas.microsoft.com/office/drawing/2014/main" id="{25E2EFD9-ED78-4B60-82F1-87A2F1735D81}"/>
+              </a:ext>
+            </a:extLst>
+          </p:cNvPr>
+          <p:cNvSpPr txBox="1"/>
+          <p:nvPr/>
+        </p:nvSpPr>
+        <p:spPr>
+          <a:xfrm>
+            <a:off x="586565" y="5706724"/>
+            <a:ext cx="1586578" cy="954107"/>
+          </a:xfrm>
+          <a:prstGeom prst="rect">
+            <a:avLst/>
+          </a:prstGeom>
+          <a:noFill/>
+        </p:spPr>
+        <p:txBody>
+          <a:bodyPr wrap="square" rtlCol="0">
+            <a:spAutoFit/>
+          </a:bodyPr>
+          <a:lstStyle/>
+          <a:p>
+            <a:r>
+              <a:rPr lang="en-IN" sz="1400" dirty="0"/>
+              <a:t>+add()</a:t>
+            </a:r>
+          </a:p>
+          <a:p>
+            <a:r>
+              <a:rPr lang="en-IN" sz="1400" dirty="0"/>
+              <a:t>-edit()</a:t>
+            </a:r>
+          </a:p>
+          <a:p>
+            <a:r>
+              <a:rPr lang="en-IN" sz="1400" dirty="0"/>
+              <a:t>-del()</a:t>
+            </a:r>
+          </a:p>
+          <a:p>
+            <a:r>
+              <a:rPr lang="en-IN" sz="1400" dirty="0"/>
+              <a:t>+</a:t>
+            </a:r>
+            <a:r>
+              <a:rPr lang="en-IN" sz="1400" dirty="0" err="1"/>
+              <a:t>upd</a:t>
+            </a:r>
+            <a:r>
+              <a:rPr lang="en-IN" sz="1400" dirty="0"/>
+              <a:t>()</a:t>
+            </a:r>
+          </a:p>
+        </p:txBody>
+      </p:sp>
+      <p:sp>
+        <p:nvSpPr>
+          <p:cNvPr id="137" name="TextBox 136">
+            <a:extLst>
+              <a:ext uri="{FF2B5EF4-FFF2-40B4-BE49-F238E27FC236}">
+                <a16:creationId xmlns:a16="http://schemas.microsoft.com/office/drawing/2014/main" id="{B1274B41-747A-4B19-8FB3-06DC15D0FB82}"/>
+              </a:ext>
+            </a:extLst>
+          </p:cNvPr>
+          <p:cNvSpPr txBox="1"/>
+          <p:nvPr/>
+        </p:nvSpPr>
+        <p:spPr>
+          <a:xfrm>
+            <a:off x="647302" y="4243942"/>
+            <a:ext cx="1775790" cy="338554"/>
+          </a:xfrm>
+          <a:prstGeom prst="rect">
+            <a:avLst/>
+          </a:prstGeom>
+          <a:noFill/>
+        </p:spPr>
+        <p:txBody>
+          <a:bodyPr wrap="square" rtlCol="0">
+            <a:spAutoFit/>
+          </a:bodyPr>
+          <a:lstStyle/>
+          <a:p>
+            <a:pPr algn="ctr"/>
+            <a:r>
+              <a:rPr lang="en-IN" sz="1600" b="1" dirty="0" err="1"/>
+              <a:t>Cart_item</a:t>
+            </a:r>
+            <a:endParaRPr lang="en-IN" sz="1600" b="1" dirty="0"/>
+          </a:p>
+        </p:txBody>
+      </p:sp>
+      <p:sp>
+        <p:nvSpPr>
+          <p:cNvPr id="139" name="TextBox 138">
+            <a:extLst>
+              <a:ext uri="{FF2B5EF4-FFF2-40B4-BE49-F238E27FC236}">
+                <a16:creationId xmlns:a16="http://schemas.microsoft.com/office/drawing/2014/main" id="{2110260A-9B18-4FE2-99B6-D06F8F45D566}"/>
+              </a:ext>
+            </a:extLst>
+          </p:cNvPr>
+          <p:cNvSpPr txBox="1"/>
+          <p:nvPr/>
+        </p:nvSpPr>
+        <p:spPr>
+          <a:xfrm>
+            <a:off x="647302" y="4652075"/>
+            <a:ext cx="2120348" cy="1022268"/>
+          </a:xfrm>
+          <a:prstGeom prst="rect">
+            <a:avLst/>
+          </a:prstGeom>
+          <a:noFill/>
+        </p:spPr>
+        <p:txBody>
+          <a:bodyPr wrap="square" rtlCol="0">
+            <a:spAutoFit/>
+          </a:bodyPr>
+          <a:lstStyle/>
+          <a:p>
+            <a:pPr>
+              <a:lnSpc>
+                <a:spcPct val="150000"/>
+              </a:lnSpc>
+            </a:pPr>
+            <a:r>
+              <a:rPr lang="en-IN" sz="1400" dirty="0"/>
+              <a:t>id(</a:t>
+            </a:r>
+            <a:r>
+              <a:rPr lang="en-IN" sz="1400" dirty="0" err="1"/>
+              <a:t>p.k</a:t>
+            </a:r>
+            <a:r>
+              <a:rPr lang="en-IN" sz="1400" dirty="0"/>
+              <a:t>)</a:t>
+            </a:r>
+          </a:p>
+          <a:p>
+            <a:pPr>
+              <a:lnSpc>
+                <a:spcPct val="150000"/>
+              </a:lnSpc>
+            </a:pPr>
+            <a:r>
+              <a:rPr lang="en-IN" sz="1400" dirty="0" err="1"/>
+              <a:t>cart_id</a:t>
+            </a:r>
+            <a:r>
+              <a:rPr lang="en-IN" sz="1400" dirty="0"/>
+              <a:t>(</a:t>
+            </a:r>
+            <a:r>
+              <a:rPr lang="en-IN" sz="1400" dirty="0" err="1"/>
+              <a:t>f.k</a:t>
+            </a:r>
+            <a:r>
+              <a:rPr lang="en-IN" sz="1400" dirty="0"/>
+              <a:t>)</a:t>
+            </a:r>
+          </a:p>
+          <a:p>
+            <a:pPr>
+              <a:lnSpc>
+                <a:spcPct val="150000"/>
+              </a:lnSpc>
+            </a:pPr>
+            <a:r>
+              <a:rPr lang="en-IN" sz="1400" dirty="0" err="1"/>
+              <a:t>product_id</a:t>
+            </a:r>
+            <a:r>
+              <a:rPr lang="en-IN" sz="1400" dirty="0"/>
+              <a:t>(</a:t>
+            </a:r>
+            <a:r>
+              <a:rPr lang="en-IN" sz="1400" dirty="0" err="1"/>
+              <a:t>f.k</a:t>
+            </a:r>
+            <a:r>
+              <a:rPr lang="en-IN" sz="1400" dirty="0"/>
+              <a:t>)</a:t>
+            </a:r>
+            <a:endParaRPr lang="en-IN" dirty="0"/>
+          </a:p>
+        </p:txBody>
+      </p:sp>
+      <p:sp>
+        <p:nvSpPr>
+          <p:cNvPr id="141" name="Rectangle 140">
+            <a:extLst>
+              <a:ext uri="{FF2B5EF4-FFF2-40B4-BE49-F238E27FC236}">
+                <a16:creationId xmlns:a16="http://schemas.microsoft.com/office/drawing/2014/main" id="{0E778559-A917-41BE-8DDE-21A63631CFB9}"/>
+              </a:ext>
+            </a:extLst>
+          </p:cNvPr>
+          <p:cNvSpPr/>
+          <p:nvPr/>
+        </p:nvSpPr>
+        <p:spPr>
+          <a:xfrm>
+            <a:off x="833367" y="418852"/>
+            <a:ext cx="2120349" cy="2077254"/>
+          </a:xfrm>
+          <a:prstGeom prst="rect">
+            <a:avLst/>
+          </a:prstGeom>
+        </p:spPr>
+        <p:style>
+          <a:lnRef idx="2">
+            <a:schemeClr val="accent1"/>
+          </a:lnRef>
+          <a:fillRef idx="1">
+            <a:schemeClr val="lt1"/>
+          </a:fillRef>
+          <a:effectRef idx="0">
+            <a:schemeClr val="accent1"/>
+          </a:effectRef>
+          <a:fontRef idx="minor">
+            <a:schemeClr val="dk1"/>
+          </a:fontRef>
+        </p:style>
+        <p:txBody>
+          <a:bodyPr rtlCol="0" anchor="ctr"/>
+          <a:lstStyle/>
+          <a:p>
+            <a:pPr algn="ctr"/>
+            <a:endParaRPr lang="en-IN" dirty="0"/>
+          </a:p>
+        </p:txBody>
+      </p:sp>
+      <p:cxnSp>
+        <p:nvCxnSpPr>
+          <p:cNvPr id="143" name="Straight Connector 142">
+            <a:extLst>
+              <a:ext uri="{FF2B5EF4-FFF2-40B4-BE49-F238E27FC236}">
+                <a16:creationId xmlns:a16="http://schemas.microsoft.com/office/drawing/2014/main" id="{838BEB8C-4BC9-4D70-ACEF-5803496724D9}"/>
+              </a:ext>
+            </a:extLst>
+          </p:cNvPr>
+          <p:cNvCxnSpPr>
+            <a:cxnSpLocks/>
+          </p:cNvCxnSpPr>
+          <p:nvPr/>
+        </p:nvCxnSpPr>
+        <p:spPr>
+          <a:xfrm>
+            <a:off x="833368" y="816417"/>
+            <a:ext cx="2120348" cy="0"/>
+          </a:xfrm>
+          <a:prstGeom prst="line">
+            <a:avLst/>
+          </a:prstGeom>
+        </p:spPr>
+        <p:style>
+          <a:lnRef idx="1">
+            <a:schemeClr val="dk1"/>
+          </a:lnRef>
+          <a:fillRef idx="0">
+            <a:schemeClr val="dk1"/>
+          </a:fillRef>
+          <a:effectRef idx="0">
+            <a:schemeClr val="dk1"/>
+          </a:effectRef>
+          <a:fontRef idx="minor">
+            <a:schemeClr val="tx1"/>
+          </a:fontRef>
+        </p:style>
+      </p:cxnSp>
+      <p:cxnSp>
+        <p:nvCxnSpPr>
+          <p:cNvPr id="145" name="Straight Connector 144">
+            <a:extLst>
+              <a:ext uri="{FF2B5EF4-FFF2-40B4-BE49-F238E27FC236}">
+                <a16:creationId xmlns:a16="http://schemas.microsoft.com/office/drawing/2014/main" id="{29EEC597-ED16-4814-943C-3619C43EEFD6}"/>
+              </a:ext>
+            </a:extLst>
+          </p:cNvPr>
+          <p:cNvCxnSpPr>
+            <a:cxnSpLocks/>
+          </p:cNvCxnSpPr>
+          <p:nvPr/>
+        </p:nvCxnSpPr>
+        <p:spPr>
+          <a:xfrm>
+            <a:off x="833368" y="1451551"/>
+            <a:ext cx="2120348" cy="0"/>
+          </a:xfrm>
+          <a:prstGeom prst="line">
+            <a:avLst/>
+          </a:prstGeom>
+        </p:spPr>
+        <p:style>
+          <a:lnRef idx="1">
+            <a:schemeClr val="dk1"/>
+          </a:lnRef>
+          <a:fillRef idx="0">
+            <a:schemeClr val="dk1"/>
+          </a:fillRef>
+          <a:effectRef idx="0">
+            <a:schemeClr val="dk1"/>
+          </a:effectRef>
+          <a:fontRef idx="minor">
+            <a:schemeClr val="tx1"/>
+          </a:fontRef>
+        </p:style>
+      </p:cxnSp>
+      <p:sp>
+        <p:nvSpPr>
+          <p:cNvPr id="147" name="TextBox 146">
+            <a:extLst>
+              <a:ext uri="{FF2B5EF4-FFF2-40B4-BE49-F238E27FC236}">
+                <a16:creationId xmlns:a16="http://schemas.microsoft.com/office/drawing/2014/main" id="{D12257A9-6F35-45AA-AD53-8CBCF5FD7C6E}"/>
+              </a:ext>
+            </a:extLst>
+          </p:cNvPr>
+          <p:cNvSpPr txBox="1"/>
+          <p:nvPr/>
+        </p:nvSpPr>
+        <p:spPr>
+          <a:xfrm>
+            <a:off x="792527" y="1424892"/>
+            <a:ext cx="1586578" cy="954107"/>
+          </a:xfrm>
+          <a:prstGeom prst="rect">
+            <a:avLst/>
+          </a:prstGeom>
+          <a:noFill/>
+        </p:spPr>
+        <p:txBody>
+          <a:bodyPr wrap="square" rtlCol="0">
+            <a:spAutoFit/>
+          </a:bodyPr>
+          <a:lstStyle/>
+          <a:p>
+            <a:r>
+              <a:rPr lang="en-IN" sz="1400" dirty="0"/>
+              <a:t>+add()</a:t>
+            </a:r>
+          </a:p>
+          <a:p>
+            <a:r>
+              <a:rPr lang="en-IN" sz="1400" dirty="0"/>
+              <a:t>-edit()</a:t>
+            </a:r>
+          </a:p>
+          <a:p>
+            <a:r>
+              <a:rPr lang="en-IN" sz="1400" dirty="0"/>
+              <a:t>-del()</a:t>
+            </a:r>
+          </a:p>
+          <a:p>
+            <a:r>
+              <a:rPr lang="en-IN" sz="1400" dirty="0"/>
+              <a:t>+</a:t>
+            </a:r>
+            <a:r>
+              <a:rPr lang="en-IN" sz="1400" dirty="0" err="1"/>
+              <a:t>upd</a:t>
+            </a:r>
+            <a:r>
+              <a:rPr lang="en-IN" sz="1400" dirty="0"/>
+              <a:t>()</a:t>
+            </a:r>
+          </a:p>
+        </p:txBody>
+      </p:sp>
+      <p:sp>
+        <p:nvSpPr>
+          <p:cNvPr id="149" name="TextBox 148">
+            <a:extLst>
+              <a:ext uri="{FF2B5EF4-FFF2-40B4-BE49-F238E27FC236}">
+                <a16:creationId xmlns:a16="http://schemas.microsoft.com/office/drawing/2014/main" id="{2D00CB3B-6BCF-47AF-925E-7F99EA6E6791}"/>
+              </a:ext>
+            </a:extLst>
+          </p:cNvPr>
+          <p:cNvSpPr txBox="1"/>
+          <p:nvPr/>
+        </p:nvSpPr>
+        <p:spPr>
+          <a:xfrm>
+            <a:off x="964808" y="461673"/>
+            <a:ext cx="1775790" cy="338554"/>
+          </a:xfrm>
+          <a:prstGeom prst="rect">
+            <a:avLst/>
+          </a:prstGeom>
+          <a:noFill/>
+        </p:spPr>
+        <p:txBody>
+          <a:bodyPr wrap="square" rtlCol="0">
+            <a:spAutoFit/>
+          </a:bodyPr>
+          <a:lstStyle/>
+          <a:p>
+            <a:pPr algn="ctr"/>
+            <a:r>
+              <a:rPr lang="en-IN" sz="1600" b="1" dirty="0"/>
+              <a:t>order</a:t>
+            </a:r>
+          </a:p>
+        </p:txBody>
+      </p:sp>
+      <p:sp>
+        <p:nvSpPr>
+          <p:cNvPr id="151" name="TextBox 150">
+            <a:extLst>
+              <a:ext uri="{FF2B5EF4-FFF2-40B4-BE49-F238E27FC236}">
+                <a16:creationId xmlns:a16="http://schemas.microsoft.com/office/drawing/2014/main" id="{1C7A4F13-9E5A-4435-9916-90880BB3271B}"/>
+              </a:ext>
+            </a:extLst>
+          </p:cNvPr>
+          <p:cNvSpPr txBox="1"/>
+          <p:nvPr/>
+        </p:nvSpPr>
+        <p:spPr>
+          <a:xfrm>
+            <a:off x="792529" y="724960"/>
+            <a:ext cx="2120348" cy="699102"/>
+          </a:xfrm>
+          <a:prstGeom prst="rect">
+            <a:avLst/>
+          </a:prstGeom>
+          <a:noFill/>
+        </p:spPr>
+        <p:txBody>
+          <a:bodyPr wrap="square" rtlCol="0">
+            <a:spAutoFit/>
+          </a:bodyPr>
+          <a:lstStyle/>
+          <a:p>
+            <a:pPr>
+              <a:lnSpc>
+                <a:spcPct val="150000"/>
+              </a:lnSpc>
+            </a:pPr>
+            <a:r>
+              <a:rPr lang="en-IN" sz="1400" dirty="0"/>
+              <a:t>id(</a:t>
+            </a:r>
+            <a:r>
+              <a:rPr lang="en-IN" sz="1400" dirty="0" err="1"/>
+              <a:t>p.k</a:t>
+            </a:r>
+            <a:r>
+              <a:rPr lang="en-IN" sz="1400" dirty="0"/>
+              <a:t>)</a:t>
+            </a:r>
+          </a:p>
+          <a:p>
+            <a:pPr>
+              <a:lnSpc>
+                <a:spcPct val="150000"/>
+              </a:lnSpc>
+            </a:pPr>
+            <a:r>
+              <a:rPr lang="en-IN" sz="1400" dirty="0" err="1"/>
+              <a:t>cart_id</a:t>
+            </a:r>
+            <a:r>
+              <a:rPr lang="en-IN" sz="1400" dirty="0"/>
+              <a:t>(</a:t>
+            </a:r>
+            <a:r>
+              <a:rPr lang="en-IN" sz="1400" dirty="0" err="1"/>
+              <a:t>f.k</a:t>
+            </a:r>
+            <a:r>
+              <a:rPr lang="en-IN" sz="1400" dirty="0"/>
+              <a:t>)</a:t>
+            </a:r>
+          </a:p>
+        </p:txBody>
+      </p:sp>
+      <p:sp>
+        <p:nvSpPr>
+          <p:cNvPr id="153" name="Rectangle 152">
+            <a:extLst>
+              <a:ext uri="{FF2B5EF4-FFF2-40B4-BE49-F238E27FC236}">
+                <a16:creationId xmlns:a16="http://schemas.microsoft.com/office/drawing/2014/main" id="{4E85B490-6CCC-4502-8D11-21DBFEA7380C}"/>
+              </a:ext>
+            </a:extLst>
+          </p:cNvPr>
+          <p:cNvSpPr/>
+          <p:nvPr/>
+        </p:nvSpPr>
+        <p:spPr>
+          <a:xfrm>
+            <a:off x="8584474" y="2604417"/>
+            <a:ext cx="2120349" cy="2302631"/>
+          </a:xfrm>
+          <a:prstGeom prst="rect">
+            <a:avLst/>
+          </a:prstGeom>
+        </p:spPr>
+        <p:style>
+          <a:lnRef idx="2">
+            <a:schemeClr val="accent1"/>
+          </a:lnRef>
+          <a:fillRef idx="1">
+            <a:schemeClr val="lt1"/>
+          </a:fillRef>
+          <a:effectRef idx="0">
+            <a:schemeClr val="accent1"/>
+          </a:effectRef>
+          <a:fontRef idx="minor">
+            <a:schemeClr val="dk1"/>
+          </a:fontRef>
+        </p:style>
+        <p:txBody>
+          <a:bodyPr rtlCol="0" anchor="ctr"/>
+          <a:lstStyle/>
+          <a:p>
+            <a:pPr algn="ctr"/>
+            <a:endParaRPr lang="en-IN" dirty="0"/>
+          </a:p>
+        </p:txBody>
+      </p:sp>
+      <p:cxnSp>
+        <p:nvCxnSpPr>
+          <p:cNvPr id="155" name="Straight Connector 154">
+            <a:extLst>
+              <a:ext uri="{FF2B5EF4-FFF2-40B4-BE49-F238E27FC236}">
+                <a16:creationId xmlns:a16="http://schemas.microsoft.com/office/drawing/2014/main" id="{543DEEC5-5170-4EB5-BF6E-EE0216DCF828}"/>
+              </a:ext>
+            </a:extLst>
+          </p:cNvPr>
+          <p:cNvCxnSpPr>
+            <a:cxnSpLocks/>
+          </p:cNvCxnSpPr>
+          <p:nvPr/>
+        </p:nvCxnSpPr>
+        <p:spPr>
+          <a:xfrm>
+            <a:off x="8565340" y="3030115"/>
+            <a:ext cx="2120348" cy="0"/>
+          </a:xfrm>
+          <a:prstGeom prst="line">
+            <a:avLst/>
+          </a:prstGeom>
+        </p:spPr>
+        <p:style>
+          <a:lnRef idx="1">
+            <a:schemeClr val="dk1"/>
+          </a:lnRef>
+          <a:fillRef idx="0">
+            <a:schemeClr val="dk1"/>
+          </a:fillRef>
+          <a:effectRef idx="0">
+            <a:schemeClr val="dk1"/>
+          </a:effectRef>
+          <a:fontRef idx="minor">
+            <a:schemeClr val="tx1"/>
+          </a:fontRef>
+        </p:style>
+      </p:cxnSp>
+      <p:cxnSp>
+        <p:nvCxnSpPr>
+          <p:cNvPr id="157" name="Straight Connector 156">
+            <a:extLst>
+              <a:ext uri="{FF2B5EF4-FFF2-40B4-BE49-F238E27FC236}">
+                <a16:creationId xmlns:a16="http://schemas.microsoft.com/office/drawing/2014/main" id="{BEF276EB-EA9D-4210-B836-6403BC76F983}"/>
+              </a:ext>
+            </a:extLst>
+          </p:cNvPr>
+          <p:cNvCxnSpPr>
+            <a:cxnSpLocks/>
+          </p:cNvCxnSpPr>
+          <p:nvPr/>
+        </p:nvCxnSpPr>
+        <p:spPr>
+          <a:xfrm>
+            <a:off x="8584475" y="3918152"/>
+            <a:ext cx="2120348" cy="0"/>
+          </a:xfrm>
+          <a:prstGeom prst="line">
+            <a:avLst/>
+          </a:prstGeom>
+        </p:spPr>
+        <p:style>
+          <a:lnRef idx="1">
+            <a:schemeClr val="dk1"/>
+          </a:lnRef>
+          <a:fillRef idx="0">
+            <a:schemeClr val="dk1"/>
+          </a:fillRef>
+          <a:effectRef idx="0">
+            <a:schemeClr val="dk1"/>
+          </a:effectRef>
+          <a:fontRef idx="minor">
+            <a:schemeClr val="tx1"/>
+          </a:fontRef>
+        </p:style>
+      </p:cxnSp>
+      <p:sp>
+        <p:nvSpPr>
+          <p:cNvPr id="159" name="TextBox 158">
+            <a:extLst>
+              <a:ext uri="{FF2B5EF4-FFF2-40B4-BE49-F238E27FC236}">
+                <a16:creationId xmlns:a16="http://schemas.microsoft.com/office/drawing/2014/main" id="{E00CE51B-45B1-4436-B63E-15498C6B1F6A}"/>
+              </a:ext>
+            </a:extLst>
+          </p:cNvPr>
+          <p:cNvSpPr txBox="1"/>
+          <p:nvPr/>
+        </p:nvSpPr>
+        <p:spPr>
+          <a:xfrm>
+            <a:off x="8565337" y="3952942"/>
+            <a:ext cx="1586578" cy="954107"/>
+          </a:xfrm>
+          <a:prstGeom prst="rect">
+            <a:avLst/>
+          </a:prstGeom>
+          <a:noFill/>
+        </p:spPr>
+        <p:txBody>
+          <a:bodyPr wrap="square" rtlCol="0">
+            <a:spAutoFit/>
+          </a:bodyPr>
+          <a:lstStyle/>
+          <a:p>
+            <a:r>
+              <a:rPr lang="en-IN" sz="1400" dirty="0"/>
+              <a:t>+add()</a:t>
+            </a:r>
+          </a:p>
+          <a:p>
+            <a:r>
+              <a:rPr lang="en-IN" sz="1400" dirty="0"/>
+              <a:t>-edit()</a:t>
+            </a:r>
+          </a:p>
+          <a:p>
+            <a:r>
+              <a:rPr lang="en-IN" sz="1400" dirty="0"/>
+              <a:t>-del()</a:t>
+            </a:r>
+          </a:p>
+          <a:p>
+            <a:r>
+              <a:rPr lang="en-IN" sz="1400" dirty="0"/>
+              <a:t>+</a:t>
+            </a:r>
+            <a:r>
+              <a:rPr lang="en-IN" sz="1400" dirty="0" err="1"/>
+              <a:t>upd</a:t>
+            </a:r>
+            <a:r>
+              <a:rPr lang="en-IN" sz="1400" dirty="0"/>
+              <a:t>()</a:t>
+            </a:r>
+          </a:p>
+        </p:txBody>
+      </p:sp>
+      <p:sp>
+        <p:nvSpPr>
+          <p:cNvPr id="161" name="TextBox 160">
+            <a:extLst>
+              <a:ext uri="{FF2B5EF4-FFF2-40B4-BE49-F238E27FC236}">
+                <a16:creationId xmlns:a16="http://schemas.microsoft.com/office/drawing/2014/main" id="{9D35DECE-F123-4B76-83FD-1DFEF65C60D1}"/>
+              </a:ext>
+            </a:extLst>
+          </p:cNvPr>
+          <p:cNvSpPr txBox="1"/>
+          <p:nvPr/>
+        </p:nvSpPr>
+        <p:spPr>
+          <a:xfrm>
+            <a:off x="8565340" y="2632550"/>
+            <a:ext cx="1775790" cy="338554"/>
+          </a:xfrm>
+          <a:prstGeom prst="rect">
+            <a:avLst/>
+          </a:prstGeom>
+          <a:noFill/>
+        </p:spPr>
+        <p:txBody>
+          <a:bodyPr wrap="square" rtlCol="0">
+            <a:spAutoFit/>
+          </a:bodyPr>
+          <a:lstStyle/>
+          <a:p>
+            <a:pPr algn="ctr"/>
+            <a:r>
+              <a:rPr lang="en-IN" sz="1600" b="1" dirty="0"/>
+              <a:t>user</a:t>
+            </a:r>
+          </a:p>
+        </p:txBody>
+      </p:sp>
+      <p:sp>
+        <p:nvSpPr>
+          <p:cNvPr id="163" name="TextBox 162">
+            <a:extLst>
+              <a:ext uri="{FF2B5EF4-FFF2-40B4-BE49-F238E27FC236}">
+                <a16:creationId xmlns:a16="http://schemas.microsoft.com/office/drawing/2014/main" id="{1A8BFBEB-B86D-4709-A393-B2021A321F4E}"/>
+              </a:ext>
+            </a:extLst>
+          </p:cNvPr>
+          <p:cNvSpPr txBox="1"/>
+          <p:nvPr/>
+        </p:nvSpPr>
+        <p:spPr>
+          <a:xfrm>
+            <a:off x="8574908" y="2932859"/>
+            <a:ext cx="2120348" cy="1022268"/>
+          </a:xfrm>
+          <a:prstGeom prst="rect">
+            <a:avLst/>
+          </a:prstGeom>
+          <a:noFill/>
+        </p:spPr>
+        <p:txBody>
+          <a:bodyPr wrap="square" rtlCol="0">
+            <a:spAutoFit/>
+          </a:bodyPr>
+          <a:lstStyle/>
+          <a:p>
+            <a:pPr>
+              <a:lnSpc>
+                <a:spcPct val="150000"/>
+              </a:lnSpc>
+            </a:pPr>
+            <a:r>
+              <a:rPr lang="en-IN" sz="1400" dirty="0"/>
+              <a:t>id(</a:t>
+            </a:r>
+            <a:r>
+              <a:rPr lang="en-IN" sz="1400" dirty="0" err="1"/>
+              <a:t>p.k</a:t>
+            </a:r>
+            <a:r>
+              <a:rPr lang="en-IN" sz="1400" dirty="0"/>
+              <a:t>)</a:t>
+            </a:r>
+          </a:p>
+          <a:p>
+            <a:pPr>
+              <a:lnSpc>
+                <a:spcPct val="150000"/>
+              </a:lnSpc>
+            </a:pPr>
+            <a:r>
+              <a:rPr lang="en-IN" sz="1400" dirty="0"/>
+              <a:t>Username(</a:t>
+            </a:r>
+            <a:r>
+              <a:rPr lang="en-IN" sz="1400" dirty="0" err="1"/>
+              <a:t>u.k</a:t>
+            </a:r>
+            <a:r>
+              <a:rPr lang="en-IN" sz="1400" dirty="0"/>
+              <a:t>)</a:t>
+            </a:r>
+          </a:p>
+          <a:p>
+            <a:pPr>
+              <a:lnSpc>
+                <a:spcPct val="150000"/>
+              </a:lnSpc>
+            </a:pPr>
+            <a:r>
+              <a:rPr lang="en-IN" sz="1400" dirty="0"/>
+              <a:t>password</a:t>
+            </a:r>
+            <a:endParaRPr lang="en-IN" dirty="0"/>
+          </a:p>
+        </p:txBody>
+      </p:sp>
+      <p:cxnSp>
+        <p:nvCxnSpPr>
+          <p:cNvPr id="195" name="Connector: Elbow 194">
+            <a:extLst>
+              <a:ext uri="{FF2B5EF4-FFF2-40B4-BE49-F238E27FC236}">
+                <a16:creationId xmlns:a16="http://schemas.microsoft.com/office/drawing/2014/main" id="{A09F192E-364F-4906-820F-238C0019C9CC}"/>
+              </a:ext>
+            </a:extLst>
+          </p:cNvPr>
+          <p:cNvCxnSpPr>
+            <a:stCxn id="51" idx="1"/>
+          </p:cNvCxnSpPr>
+          <p:nvPr/>
+        </p:nvCxnSpPr>
+        <p:spPr>
+          <a:xfrm rot="10800000" flipV="1">
+            <a:off x="5657196" y="1734001"/>
+            <a:ext cx="3258583" cy="2877755"/>
+          </a:xfrm>
+          <a:prstGeom prst="bentConnector3">
+            <a:avLst/>
+          </a:prstGeom>
+        </p:spPr>
+        <p:style>
+          <a:lnRef idx="1">
+            <a:schemeClr val="dk1"/>
+          </a:lnRef>
+          <a:fillRef idx="0">
+            <a:schemeClr val="dk1"/>
+          </a:fillRef>
+          <a:effectRef idx="0">
+            <a:schemeClr val="dk1"/>
+          </a:effectRef>
+          <a:fontRef idx="minor">
+            <a:schemeClr val="tx1"/>
+          </a:fontRef>
+        </p:style>
+      </p:cxnSp>
+      <p:cxnSp>
+        <p:nvCxnSpPr>
+          <p:cNvPr id="199" name="Straight Connector 198">
+            <a:extLst>
+              <a:ext uri="{FF2B5EF4-FFF2-40B4-BE49-F238E27FC236}">
+                <a16:creationId xmlns:a16="http://schemas.microsoft.com/office/drawing/2014/main" id="{BA0E0334-0BE8-4A03-8A78-FA9CD07C95B3}"/>
+              </a:ext>
+            </a:extLst>
+          </p:cNvPr>
+          <p:cNvCxnSpPr/>
+          <p:nvPr/>
+        </p:nvCxnSpPr>
+        <p:spPr>
+          <a:xfrm>
+            <a:off x="5657195" y="4907048"/>
+            <a:ext cx="2927278" cy="0"/>
+          </a:xfrm>
+          <a:prstGeom prst="line">
+            <a:avLst/>
+          </a:prstGeom>
+        </p:spPr>
+        <p:style>
+          <a:lnRef idx="1">
+            <a:schemeClr val="dk1"/>
+          </a:lnRef>
+          <a:fillRef idx="0">
+            <a:schemeClr val="dk1"/>
+          </a:fillRef>
+          <a:effectRef idx="0">
+            <a:schemeClr val="dk1"/>
+          </a:effectRef>
+          <a:fontRef idx="minor">
+            <a:schemeClr val="tx1"/>
+          </a:fontRef>
+        </p:style>
+      </p:cxnSp>
+      <p:cxnSp>
+        <p:nvCxnSpPr>
+          <p:cNvPr id="201" name="Connector: Elbow 200">
+            <a:extLst>
+              <a:ext uri="{FF2B5EF4-FFF2-40B4-BE49-F238E27FC236}">
+                <a16:creationId xmlns:a16="http://schemas.microsoft.com/office/drawing/2014/main" id="{31462F6E-C06F-417D-B399-2582E0C576B2}"/>
+              </a:ext>
+            </a:extLst>
+          </p:cNvPr>
+          <p:cNvCxnSpPr>
+            <a:cxnSpLocks/>
+          </p:cNvCxnSpPr>
+          <p:nvPr/>
+        </p:nvCxnSpPr>
+        <p:spPr>
+          <a:xfrm rot="5400000">
+            <a:off x="5637889" y="2022489"/>
+            <a:ext cx="1124228" cy="6870158"/>
+          </a:xfrm>
+          <a:prstGeom prst="bentConnector2">
+            <a:avLst/>
+          </a:prstGeom>
+        </p:spPr>
+        <p:style>
+          <a:lnRef idx="1">
+            <a:schemeClr val="dk1"/>
+          </a:lnRef>
+          <a:fillRef idx="0">
+            <a:schemeClr val="dk1"/>
+          </a:fillRef>
+          <a:effectRef idx="0">
+            <a:schemeClr val="dk1"/>
+          </a:effectRef>
+          <a:fontRef idx="minor">
+            <a:schemeClr val="tx1"/>
+          </a:fontRef>
+        </p:style>
+      </p:cxnSp>
+      <p:cxnSp>
+        <p:nvCxnSpPr>
+          <p:cNvPr id="203" name="Connector: Elbow 202">
+            <a:extLst>
+              <a:ext uri="{FF2B5EF4-FFF2-40B4-BE49-F238E27FC236}">
+                <a16:creationId xmlns:a16="http://schemas.microsoft.com/office/drawing/2014/main" id="{C39307EF-31E3-4AC3-B193-B736DCD2B27A}"/>
+              </a:ext>
+            </a:extLst>
+          </p:cNvPr>
+          <p:cNvCxnSpPr>
+            <a:stCxn id="141" idx="2"/>
+          </p:cNvCxnSpPr>
+          <p:nvPr/>
+        </p:nvCxnSpPr>
+        <p:spPr>
+          <a:xfrm rot="16200000" flipH="1">
+            <a:off x="2254766" y="2134881"/>
+            <a:ext cx="920857" cy="1643305"/>
+          </a:xfrm>
+          <a:prstGeom prst="bentConnector2">
+            <a:avLst/>
+          </a:prstGeom>
+        </p:spPr>
+        <p:style>
+          <a:lnRef idx="1">
+            <a:schemeClr val="dk1"/>
+          </a:lnRef>
+          <a:fillRef idx="0">
+            <a:schemeClr val="dk1"/>
+          </a:fillRef>
+          <a:effectRef idx="0">
+            <a:schemeClr val="dk1"/>
+          </a:effectRef>
+          <a:fontRef idx="minor">
+            <a:schemeClr val="tx1"/>
+          </a:fontRef>
+        </p:style>
+      </p:cxnSp>
+      <p:cxnSp>
+        <p:nvCxnSpPr>
+          <p:cNvPr id="206" name="Connector: Elbow 205">
+            <a:extLst>
+              <a:ext uri="{FF2B5EF4-FFF2-40B4-BE49-F238E27FC236}">
+                <a16:creationId xmlns:a16="http://schemas.microsoft.com/office/drawing/2014/main" id="{960A970B-63D3-42EE-8991-5A566B0EB589}"/>
+              </a:ext>
+            </a:extLst>
+          </p:cNvPr>
+          <p:cNvCxnSpPr>
+            <a:stCxn id="29" idx="3"/>
+          </p:cNvCxnSpPr>
+          <p:nvPr/>
+        </p:nvCxnSpPr>
+        <p:spPr>
+          <a:xfrm flipV="1">
+            <a:off x="5657195" y="2714154"/>
+            <a:ext cx="571327" cy="1055281"/>
+          </a:xfrm>
+          <a:prstGeom prst="bentConnector2">
+            <a:avLst/>
+          </a:prstGeom>
+        </p:spPr>
+        <p:style>
+          <a:lnRef idx="1">
+            <a:schemeClr val="dk1"/>
+          </a:lnRef>
+          <a:fillRef idx="0">
+            <a:schemeClr val="dk1"/>
+          </a:fillRef>
+          <a:effectRef idx="0">
+            <a:schemeClr val="dk1"/>
+          </a:effectRef>
+          <a:fontRef idx="minor">
+            <a:schemeClr val="tx1"/>
+          </a:fontRef>
+        </p:style>
+      </p:cxnSp>
+      <p:sp>
+        <p:nvSpPr>
+          <p:cNvPr id="207" name="Diamond 206">
+            <a:extLst>
+              <a:ext uri="{FF2B5EF4-FFF2-40B4-BE49-F238E27FC236}">
+                <a16:creationId xmlns:a16="http://schemas.microsoft.com/office/drawing/2014/main" id="{17BF9D86-0B65-46AE-8C17-BF85FB21BDEE}"/>
+              </a:ext>
+            </a:extLst>
+          </p:cNvPr>
+          <p:cNvSpPr/>
+          <p:nvPr/>
+        </p:nvSpPr>
+        <p:spPr>
+          <a:xfrm>
+            <a:off x="5657195" y="4525501"/>
+            <a:ext cx="245158" cy="177831"/>
+          </a:xfrm>
+          <a:prstGeom prst="diamond">
+            <a:avLst/>
+          </a:prstGeom>
+        </p:spPr>
+        <p:style>
+          <a:lnRef idx="2">
+            <a:schemeClr val="dk1">
+              <a:shade val="50000"/>
+            </a:schemeClr>
+          </a:lnRef>
+          <a:fillRef idx="1">
+            <a:schemeClr val="dk1"/>
+          </a:fillRef>
+          <a:effectRef idx="0">
+            <a:schemeClr val="dk1"/>
+          </a:effectRef>
+          <a:fontRef idx="minor">
+            <a:schemeClr val="lt1"/>
+          </a:fontRef>
+        </p:style>
+        <p:txBody>
+          <a:bodyPr rtlCol="0" anchor="ctr"/>
+          <a:lstStyle/>
+          <a:p>
+            <a:pPr algn="ctr"/>
+            <a:endParaRPr lang="en-IN"/>
+          </a:p>
+        </p:txBody>
+      </p:sp>
+      <p:sp>
+        <p:nvSpPr>
+          <p:cNvPr id="208" name="TextBox 207">
+            <a:extLst>
+              <a:ext uri="{FF2B5EF4-FFF2-40B4-BE49-F238E27FC236}">
+                <a16:creationId xmlns:a16="http://schemas.microsoft.com/office/drawing/2014/main" id="{023718E1-908E-477A-B7FB-AFA45C17F2BE}"/>
+              </a:ext>
+            </a:extLst>
+          </p:cNvPr>
+          <p:cNvSpPr txBox="1"/>
+          <p:nvPr/>
+        </p:nvSpPr>
+        <p:spPr>
+          <a:xfrm>
+            <a:off x="8526681" y="1445582"/>
+            <a:ext cx="662609" cy="307777"/>
+          </a:xfrm>
+          <a:prstGeom prst="rect">
+            <a:avLst/>
+          </a:prstGeom>
+          <a:noFill/>
+        </p:spPr>
+        <p:txBody>
+          <a:bodyPr wrap="square" rtlCol="0">
+            <a:spAutoFit/>
+          </a:bodyPr>
+          <a:lstStyle/>
+          <a:p>
+            <a:r>
+              <a:rPr lang="en-IN" sz="1400" dirty="0"/>
+              <a:t>0…*</a:t>
+            </a:r>
+          </a:p>
+        </p:txBody>
+      </p:sp>
+      <p:sp>
+        <p:nvSpPr>
+          <p:cNvPr id="210" name="Diamond 209">
+            <a:extLst>
+              <a:ext uri="{FF2B5EF4-FFF2-40B4-BE49-F238E27FC236}">
+                <a16:creationId xmlns:a16="http://schemas.microsoft.com/office/drawing/2014/main" id="{D8B82EEF-CD0E-4F2C-9E2D-018E9F831C38}"/>
+              </a:ext>
+            </a:extLst>
+          </p:cNvPr>
+          <p:cNvSpPr/>
+          <p:nvPr/>
+        </p:nvSpPr>
+        <p:spPr>
+          <a:xfrm>
+            <a:off x="5644517" y="3668309"/>
+            <a:ext cx="245158" cy="177831"/>
+          </a:xfrm>
+          <a:prstGeom prst="diamond">
+            <a:avLst/>
+          </a:prstGeom>
+        </p:spPr>
+        <p:style>
+          <a:lnRef idx="2">
+            <a:schemeClr val="dk1">
+              <a:shade val="50000"/>
+            </a:schemeClr>
+          </a:lnRef>
+          <a:fillRef idx="1">
+            <a:schemeClr val="dk1"/>
+          </a:fillRef>
+          <a:effectRef idx="0">
+            <a:schemeClr val="dk1"/>
+          </a:effectRef>
+          <a:fontRef idx="minor">
+            <a:schemeClr val="lt1"/>
+          </a:fontRef>
+        </p:style>
+        <p:txBody>
+          <a:bodyPr rtlCol="0" anchor="ctr"/>
+          <a:lstStyle/>
+          <a:p>
+            <a:pPr algn="ctr"/>
+            <a:endParaRPr lang="en-IN"/>
+          </a:p>
+        </p:txBody>
+      </p:sp>
+      <p:cxnSp>
+        <p:nvCxnSpPr>
+          <p:cNvPr id="212" name="Connector: Elbow 211">
+            <a:extLst>
+              <a:ext uri="{FF2B5EF4-FFF2-40B4-BE49-F238E27FC236}">
+                <a16:creationId xmlns:a16="http://schemas.microsoft.com/office/drawing/2014/main" id="{270D6DA5-75A9-4C1D-8185-3DD62D28EF9D}"/>
+              </a:ext>
+            </a:extLst>
+          </p:cNvPr>
+          <p:cNvCxnSpPr/>
+          <p:nvPr/>
+        </p:nvCxnSpPr>
+        <p:spPr>
+          <a:xfrm rot="16200000" flipH="1">
+            <a:off x="791538" y="2960580"/>
+            <a:ext cx="3025739" cy="2096785"/>
+          </a:xfrm>
+          <a:prstGeom prst="bentConnector3">
+            <a:avLst/>
+          </a:prstGeom>
+        </p:spPr>
+        <p:style>
+          <a:lnRef idx="1">
+            <a:schemeClr val="dk1"/>
+          </a:lnRef>
+          <a:fillRef idx="0">
+            <a:schemeClr val="dk1"/>
+          </a:fillRef>
+          <a:effectRef idx="0">
+            <a:schemeClr val="dk1"/>
+          </a:effectRef>
+          <a:fontRef idx="minor">
+            <a:schemeClr val="tx1"/>
+          </a:fontRef>
+        </p:style>
+      </p:cxnSp>
+      <p:cxnSp>
+        <p:nvCxnSpPr>
+          <p:cNvPr id="214" name="Connector: Elbow 213">
+            <a:extLst>
+              <a:ext uri="{FF2B5EF4-FFF2-40B4-BE49-F238E27FC236}">
+                <a16:creationId xmlns:a16="http://schemas.microsoft.com/office/drawing/2014/main" id="{9203099E-E147-4CAB-AEA4-BBCABF4B2206}"/>
+              </a:ext>
+            </a:extLst>
+          </p:cNvPr>
+          <p:cNvCxnSpPr>
+            <a:endCxn id="159" idx="2"/>
+          </p:cNvCxnSpPr>
+          <p:nvPr/>
+        </p:nvCxnSpPr>
+        <p:spPr>
+          <a:xfrm flipV="1">
+            <a:off x="3359392" y="4907049"/>
+            <a:ext cx="5999234" cy="614794"/>
+          </a:xfrm>
+          <a:prstGeom prst="bentConnector2">
+            <a:avLst/>
+          </a:prstGeom>
+        </p:spPr>
+        <p:style>
+          <a:lnRef idx="1">
+            <a:schemeClr val="dk1"/>
+          </a:lnRef>
+          <a:fillRef idx="0">
+            <a:schemeClr val="dk1"/>
+          </a:fillRef>
+          <a:effectRef idx="0">
+            <a:schemeClr val="dk1"/>
+          </a:effectRef>
+          <a:fontRef idx="minor">
+            <a:schemeClr val="tx1"/>
+          </a:fontRef>
+        </p:style>
+      </p:cxnSp>
+    </p:spTree>
+    <p:extLst>
+      <p:ext uri="{BB962C8B-B14F-4D97-AF65-F5344CB8AC3E}">
+        <p14:creationId xmlns:p14="http://schemas.microsoft.com/office/powerpoint/2010/main" val="3834464950"/>
       </p:ext>
     </p:extLst>
   </p:cSld>

--- a/documents/project-agwiscart.pptx
+++ b/documents/project-agwiscart.pptx
@@ -882,7 +882,7 @@
           <a:p>
             <a:fld id="{8F99558C-0175-48B0-BE62-68ED87492B08}" type="datetimeFigureOut">
               <a:rPr lang="en-IN" smtClean="0"/>
-              <a:t>22-10-2020</a:t>
+              <a:t>28-10-2020</a:t>
             </a:fld>
             <a:endParaRPr lang="en-IN"/>
           </a:p>
@@ -1133,7 +1133,7 @@
           <a:p>
             <a:fld id="{8F99558C-0175-48B0-BE62-68ED87492B08}" type="datetimeFigureOut">
               <a:rPr lang="en-IN" smtClean="0"/>
-              <a:t>22-10-2020</a:t>
+              <a:t>28-10-2020</a:t>
             </a:fld>
             <a:endParaRPr lang="en-IN"/>
           </a:p>
@@ -1447,7 +1447,7 @@
           <a:p>
             <a:fld id="{8F99558C-0175-48B0-BE62-68ED87492B08}" type="datetimeFigureOut">
               <a:rPr lang="en-IN" smtClean="0"/>
-              <a:t>22-10-2020</a:t>
+              <a:t>28-10-2020</a:t>
             </a:fld>
             <a:endParaRPr lang="en-IN"/>
           </a:p>
@@ -1780,7 +1780,7 @@
           <a:p>
             <a:fld id="{8F99558C-0175-48B0-BE62-68ED87492B08}" type="datetimeFigureOut">
               <a:rPr lang="en-IN" smtClean="0"/>
-              <a:t>22-10-2020</a:t>
+              <a:t>28-10-2020</a:t>
             </a:fld>
             <a:endParaRPr lang="en-IN"/>
           </a:p>
@@ -2094,7 +2094,7 @@
           <a:p>
             <a:fld id="{8F99558C-0175-48B0-BE62-68ED87492B08}" type="datetimeFigureOut">
               <a:rPr lang="en-IN" smtClean="0"/>
-              <a:t>22-10-2020</a:t>
+              <a:t>28-10-2020</a:t>
             </a:fld>
             <a:endParaRPr lang="en-IN"/>
           </a:p>
@@ -2487,7 +2487,7 @@
           <a:p>
             <a:fld id="{8F99558C-0175-48B0-BE62-68ED87492B08}" type="datetimeFigureOut">
               <a:rPr lang="en-IN" smtClean="0"/>
-              <a:t>22-10-2020</a:t>
+              <a:t>28-10-2020</a:t>
             </a:fld>
             <a:endParaRPr lang="en-IN"/>
           </a:p>
@@ -2657,7 +2657,7 @@
           <a:p>
             <a:fld id="{8F99558C-0175-48B0-BE62-68ED87492B08}" type="datetimeFigureOut">
               <a:rPr lang="en-IN" smtClean="0"/>
-              <a:t>22-10-2020</a:t>
+              <a:t>28-10-2020</a:t>
             </a:fld>
             <a:endParaRPr lang="en-IN"/>
           </a:p>
@@ -2837,7 +2837,7 @@
           <a:p>
             <a:fld id="{8F99558C-0175-48B0-BE62-68ED87492B08}" type="datetimeFigureOut">
               <a:rPr lang="en-IN" smtClean="0"/>
-              <a:t>22-10-2020</a:t>
+              <a:t>28-10-2020</a:t>
             </a:fld>
             <a:endParaRPr lang="en-IN"/>
           </a:p>
@@ -3007,7 +3007,7 @@
           <a:p>
             <a:fld id="{8F99558C-0175-48B0-BE62-68ED87492B08}" type="datetimeFigureOut">
               <a:rPr lang="en-IN" smtClean="0"/>
-              <a:t>22-10-2020</a:t>
+              <a:t>28-10-2020</a:t>
             </a:fld>
             <a:endParaRPr lang="en-IN"/>
           </a:p>
@@ -3254,7 +3254,7 @@
           <a:p>
             <a:fld id="{8F99558C-0175-48B0-BE62-68ED87492B08}" type="datetimeFigureOut">
               <a:rPr lang="en-IN" smtClean="0"/>
-              <a:t>22-10-2020</a:t>
+              <a:t>28-10-2020</a:t>
             </a:fld>
             <a:endParaRPr lang="en-IN"/>
           </a:p>
@@ -3486,7 +3486,7 @@
           <a:p>
             <a:fld id="{8F99558C-0175-48B0-BE62-68ED87492B08}" type="datetimeFigureOut">
               <a:rPr lang="en-IN" smtClean="0"/>
-              <a:t>22-10-2020</a:t>
+              <a:t>28-10-2020</a:t>
             </a:fld>
             <a:endParaRPr lang="en-IN"/>
           </a:p>
@@ -3860,7 +3860,7 @@
           <a:p>
             <a:fld id="{8F99558C-0175-48B0-BE62-68ED87492B08}" type="datetimeFigureOut">
               <a:rPr lang="en-IN" smtClean="0"/>
-              <a:t>22-10-2020</a:t>
+              <a:t>28-10-2020</a:t>
             </a:fld>
             <a:endParaRPr lang="en-IN"/>
           </a:p>
@@ -3983,7 +3983,7 @@
           <a:p>
             <a:fld id="{8F99558C-0175-48B0-BE62-68ED87492B08}" type="datetimeFigureOut">
               <a:rPr lang="en-IN" smtClean="0"/>
-              <a:t>22-10-2020</a:t>
+              <a:t>28-10-2020</a:t>
             </a:fld>
             <a:endParaRPr lang="en-IN"/>
           </a:p>
@@ -4078,7 +4078,7 @@
           <a:p>
             <a:fld id="{8F99558C-0175-48B0-BE62-68ED87492B08}" type="datetimeFigureOut">
               <a:rPr lang="en-IN" smtClean="0"/>
-              <a:t>22-10-2020</a:t>
+              <a:t>28-10-2020</a:t>
             </a:fld>
             <a:endParaRPr lang="en-IN"/>
           </a:p>
@@ -4333,7 +4333,7 @@
           <a:p>
             <a:fld id="{8F99558C-0175-48B0-BE62-68ED87492B08}" type="datetimeFigureOut">
               <a:rPr lang="en-IN" smtClean="0"/>
-              <a:t>22-10-2020</a:t>
+              <a:t>28-10-2020</a:t>
             </a:fld>
             <a:endParaRPr lang="en-IN"/>
           </a:p>
@@ -4638,7 +4638,7 @@
           <a:p>
             <a:fld id="{8F99558C-0175-48B0-BE62-68ED87492B08}" type="datetimeFigureOut">
               <a:rPr lang="en-IN" smtClean="0"/>
-              <a:t>22-10-2020</a:t>
+              <a:t>28-10-2020</a:t>
             </a:fld>
             <a:endParaRPr lang="en-IN"/>
           </a:p>
@@ -5340,7 +5340,7 @@
           <a:p>
             <a:fld id="{8F99558C-0175-48B0-BE62-68ED87492B08}" type="datetimeFigureOut">
               <a:rPr lang="en-IN" smtClean="0"/>
-              <a:t>22-10-2020</a:t>
+              <a:t>28-10-2020</a:t>
             </a:fld>
             <a:endParaRPr lang="en-IN"/>
           </a:p>
@@ -8102,7 +8102,7 @@
                     <a:p>
                       <a:pPr rtl="0"/>
                       <a:r>
-                        <a:rPr lang="en-IN">
+                        <a:rPr lang="en-IN" dirty="0">
                           <a:solidFill>
                             <a:srgbClr val="000000"/>
                           </a:solidFill>
@@ -9521,7 +9521,7 @@
                     <a:lstStyle/>
                     <a:p>
                       <a:r>
-                        <a:rPr lang="en-IN">
+                        <a:rPr lang="en-IN" dirty="0">
                           <a:solidFill>
                             <a:srgbClr val="000000"/>
                           </a:solidFill>
@@ -9948,14 +9948,14 @@
           <p:nvPr>
             <p:extLst>
               <p:ext uri="{D42A27DB-BD31-4B8C-83A1-F6EECF244321}">
-                <p14:modId xmlns:p14="http://schemas.microsoft.com/office/powerpoint/2010/main" val="531826754"/>
+                <p14:modId xmlns:p14="http://schemas.microsoft.com/office/powerpoint/2010/main" val="2749530368"/>
               </p:ext>
             </p:extLst>
           </p:nvPr>
         </p:nvGraphicFramePr>
         <p:xfrm>
-          <a:off x="810929" y="1603464"/>
-          <a:ext cx="9163067" cy="4605179"/>
+          <a:off x="783353" y="1696229"/>
+          <a:ext cx="9163067" cy="4476071"/>
         </p:xfrm>
         <a:graphic>
           <a:graphicData uri="http://schemas.openxmlformats.org/drawingml/2006/table">
@@ -9971,21 +9971,21 @@
                     </a:ext>
                   </a:extLst>
                 </a:gridCol>
-                <a:gridCol w="1446800">
+                <a:gridCol w="1802359">
                   <a:extLst>
                     <a:ext uri="{9D8B030D-6E8A-4147-A177-3AD203B41FA5}">
                       <a16:colId xmlns:a16="http://schemas.microsoft.com/office/drawing/2014/main" val="1685149049"/>
                     </a:ext>
                   </a:extLst>
                 </a:gridCol>
-                <a:gridCol w="1446800">
+                <a:gridCol w="1470991">
                   <a:extLst>
                     <a:ext uri="{9D8B030D-6E8A-4147-A177-3AD203B41FA5}">
                       <a16:colId xmlns:a16="http://schemas.microsoft.com/office/drawing/2014/main" val="585440581"/>
                     </a:ext>
                   </a:extLst>
                 </a:gridCol>
-                <a:gridCol w="1446800">
+                <a:gridCol w="1067050">
                   <a:extLst>
                     <a:ext uri="{9D8B030D-6E8A-4147-A177-3AD203B41FA5}">
                       <a16:colId xmlns:a16="http://schemas.microsoft.com/office/drawing/2014/main" val="4153532721"/>
@@ -10381,14 +10381,20 @@
                     <a:lstStyle/>
                     <a:p>
                       <a:r>
-                        <a:rPr lang="en-IN">
+                        <a:rPr lang="en-IN" dirty="0" err="1">
                           <a:solidFill>
                             <a:srgbClr val="000000"/>
                           </a:solidFill>
                           <a:effectLst/>
                         </a:rPr>
-                        <a:t>line_totle</a:t>
-                      </a:r>
+                        <a:t>Payment_status</a:t>
+                      </a:r>
+                      <a:endParaRPr lang="en-IN" dirty="0">
+                        <a:solidFill>
+                          <a:srgbClr val="000000"/>
+                        </a:solidFill>
+                        <a:effectLst/>
+                      </a:endParaRPr>
                     </a:p>
                   </a:txBody>
                   <a:tcPr anchor="ctr"/>
@@ -10398,34 +10404,40 @@
                     <a:bodyPr/>
                     <a:lstStyle/>
                     <a:p>
-                      <a:pPr rtl="0"/>
-                      <a:r>
-                        <a:rPr lang="en-IN" dirty="0">
+                      <a:pPr fontAlgn="ctr"/>
+                      <a:r>
+                        <a:rPr lang="en-IN" dirty="0" err="1">
+                          <a:effectLst/>
+                        </a:rPr>
+                        <a:t>Tinyint</a:t>
+                      </a:r>
+                      <a:endParaRPr lang="en-IN" dirty="0">
+                        <a:effectLst/>
+                      </a:endParaRPr>
+                    </a:p>
+                  </a:txBody>
+                  <a:tcPr anchor="ctr"/>
+                </a:tc>
+                <a:tc>
+                  <a:txBody>
+                    <a:bodyPr/>
+                    <a:lstStyle/>
+                    <a:p>
+                      <a:r>
+                        <a:rPr lang="en-US" dirty="0">
                           <a:solidFill>
                             <a:srgbClr val="000000"/>
                           </a:solidFill>
                           <a:effectLst/>
                         </a:rPr>
-                        <a:t>Decimal </a:t>
-                      </a:r>
-                    </a:p>
-                  </a:txBody>
-                  <a:tcPr anchor="ctr"/>
-                </a:tc>
-                <a:tc>
-                  <a:txBody>
-                    <a:bodyPr/>
-                    <a:lstStyle/>
-                    <a:p>
-                      <a:r>
-                        <a:rPr lang="en-IN" dirty="0">
-                          <a:solidFill>
-                            <a:srgbClr val="000000"/>
-                          </a:solidFill>
-                          <a:effectLst/>
-                        </a:rPr>
-                        <a:t>65,2</a:t>
-                      </a:r>
+                        <a:t>1</a:t>
+                      </a:r>
+                      <a:endParaRPr lang="en-IN" dirty="0">
+                        <a:solidFill>
+                          <a:srgbClr val="000000"/>
+                        </a:solidFill>
+                        <a:effectLst/>
+                      </a:endParaRPr>
                     </a:p>
                   </a:txBody>
                   <a:tcPr anchor="ctr"/>
@@ -10454,22 +10466,13 @@
                     <a:lstStyle/>
                     <a:p>
                       <a:r>
-                        <a:rPr lang="en-IN" dirty="0" err="1">
-                          <a:solidFill>
-                            <a:srgbClr val="000000"/>
-                          </a:solidFill>
-                          <a:effectLst/>
-                        </a:rPr>
-                        <a:t>Totle</a:t>
-                      </a:r>
-                      <a:r>
                         <a:rPr lang="en-IN" dirty="0">
                           <a:solidFill>
                             <a:srgbClr val="000000"/>
                           </a:solidFill>
                           <a:effectLst/>
                         </a:rPr>
-                        <a:t> products price </a:t>
+                        <a:t>Totle products price </a:t>
                       </a:r>
                     </a:p>
                   </a:txBody>
@@ -10506,14 +10509,23 @@
                     <a:lstStyle/>
                     <a:p>
                       <a:r>
-                        <a:rPr lang="en-IN">
+                        <a:rPr lang="en-IN" sz="1800" b="1" i="0" kern="1200" dirty="0" err="1">
                           <a:solidFill>
-                            <a:srgbClr val="000000"/>
+                            <a:schemeClr val="dk1"/>
                           </a:solidFill>
                           <a:effectLst/>
+                          <a:latin typeface="+mn-lt"/>
+                          <a:ea typeface="+mn-ea"/>
+                          <a:cs typeface="+mn-cs"/>
                         </a:rPr>
-                        <a:t>timestamp</a:t>
-                      </a:r>
+                        <a:t>added_on</a:t>
+                      </a:r>
+                      <a:endParaRPr lang="en-IN" dirty="0">
+                        <a:solidFill>
+                          <a:srgbClr val="000000"/>
+                        </a:solidFill>
+                        <a:effectLst/>
+                      </a:endParaRPr>
                     </a:p>
                   </a:txBody>
                   <a:tcPr anchor="ctr"/>
@@ -10747,7 +10759,7 @@
                   </a:ext>
                 </a:extLst>
               </a:tr>
-              <a:tr h="690672">
+              <a:tr h="561564">
                 <a:tc>
                   <a:txBody>
                     <a:bodyPr/>
@@ -10771,15 +10783,22 @@
                     <a:bodyPr/>
                     <a:lstStyle/>
                     <a:p>
-                      <a:r>
-                        <a:rPr lang="en-IN">
+                      <a:pPr algn="l" fontAlgn="ctr"/>
+                      <a:r>
+                        <a:rPr lang="en-IN" b="1" dirty="0" err="1">
                           <a:solidFill>
                             <a:srgbClr val="000000"/>
                           </a:solidFill>
                           <a:effectLst/>
                         </a:rPr>
-                        <a:t>cart_id</a:t>
-                      </a:r>
+                        <a:t>owner_id</a:t>
+                      </a:r>
+                      <a:endParaRPr lang="en-IN" b="1" dirty="0">
+                        <a:solidFill>
+                          <a:srgbClr val="000000"/>
+                        </a:solidFill>
+                        <a:effectLst/>
+                      </a:endParaRPr>
                     </a:p>
                   </a:txBody>
                   <a:tcPr anchor="ctr"/>
@@ -10891,7 +10910,7 @@
                     <a:lstStyle/>
                     <a:p>
                       <a:r>
-                        <a:rPr lang="en-IN">
+                        <a:rPr lang="en-IN" dirty="0" err="1">
                           <a:solidFill>
                             <a:srgbClr val="000000"/>
                           </a:solidFill>
@@ -10899,6 +10918,12 @@
                         </a:rPr>
                         <a:t>product_id</a:t>
                       </a:r>
+                      <a:endParaRPr lang="en-IN" dirty="0">
+                        <a:solidFill>
+                          <a:srgbClr val="000000"/>
+                        </a:solidFill>
+                        <a:effectLst/>
+                      </a:endParaRPr>
                     </a:p>
                   </a:txBody>
                   <a:tcPr anchor="ctr"/>
@@ -11035,7 +11060,7 @@
             </a:r>
             <a:r>
               <a:rPr lang="en-US" sz="1400" dirty="0" err="1"/>
-              <a:t>cart_items</a:t>
+              <a:t>UserCart</a:t>
             </a:r>
             <a:endParaRPr lang="en-US" sz="1400" dirty="0"/>
           </a:p>
@@ -11152,14 +11177,14 @@
           <p:nvPr>
             <p:extLst>
               <p:ext uri="{D42A27DB-BD31-4B8C-83A1-F6EECF244321}">
-                <p14:modId xmlns:p14="http://schemas.microsoft.com/office/powerpoint/2010/main" val="2692708385"/>
+                <p14:modId xmlns:p14="http://schemas.microsoft.com/office/powerpoint/2010/main" val="2954033920"/>
               </p:ext>
             </p:extLst>
           </p:nvPr>
         </p:nvGraphicFramePr>
         <p:xfrm>
           <a:off x="810929" y="1603464"/>
-          <a:ext cx="9163067" cy="4605179"/>
+          <a:ext cx="9163067" cy="4218015"/>
         </p:xfrm>
         <a:graphic>
           <a:graphicData uri="http://schemas.openxmlformats.org/drawingml/2006/table">
@@ -11419,7 +11444,14 @@
                     <a:bodyPr/>
                     <a:lstStyle/>
                     <a:p>
-                      <a:endParaRPr lang="en-IN" dirty="0"/>
+                      <a:r>
+                        <a:rPr lang="en-IN" dirty="0" err="1"/>
+                        <a:t>ProductsImages</a:t>
+                      </a:r>
+                      <a:r>
+                        <a:rPr lang="en-IN" dirty="0"/>
+                        <a:t> Id</a:t>
+                      </a:r>
                     </a:p>
                   </a:txBody>
                   <a:tcPr/>
@@ -11527,7 +11559,25 @@
                     <a:bodyPr/>
                     <a:lstStyle/>
                     <a:p>
-                      <a:endParaRPr lang="en-IN">
+                      <a:r>
+                        <a:rPr lang="en-IN" dirty="0">
+                          <a:solidFill>
+                            <a:srgbClr val="000000"/>
+                          </a:solidFill>
+                          <a:effectLst/>
+                        </a:rPr>
+                        <a:t>Product Images </a:t>
+                      </a:r>
+                      <a:r>
+                        <a:rPr lang="en-IN" dirty="0" err="1">
+                          <a:solidFill>
+                            <a:srgbClr val="000000"/>
+                          </a:solidFill>
+                          <a:effectLst/>
+                        </a:rPr>
+                        <a:t>url</a:t>
+                      </a:r>
+                      <a:endParaRPr lang="en-IN" dirty="0">
                         <a:solidFill>
                           <a:srgbClr val="000000"/>
                         </a:solidFill>
@@ -11649,7 +11699,25 @@
                     <a:bodyPr/>
                     <a:lstStyle/>
                     <a:p>
-                      <a:endParaRPr lang="en-IN">
+                      <a:r>
+                        <a:rPr lang="en-IN" dirty="0">
+                          <a:solidFill>
+                            <a:srgbClr val="000000"/>
+                          </a:solidFill>
+                          <a:effectLst/>
+                        </a:rPr>
+                        <a:t>Product </a:t>
+                      </a:r>
+                      <a:r>
+                        <a:rPr lang="en-IN" dirty="0" err="1">
+                          <a:solidFill>
+                            <a:srgbClr val="000000"/>
+                          </a:solidFill>
+                          <a:effectLst/>
+                        </a:rPr>
+                        <a:t>fratured</a:t>
+                      </a:r>
+                      <a:endParaRPr lang="en-IN" dirty="0">
                         <a:solidFill>
                           <a:srgbClr val="000000"/>
                         </a:solidFill>
@@ -11696,7 +11764,7 @@
                           </a:solidFill>
                           <a:effectLst/>
                         </a:rPr>
-                        <a:t>thumbnail</a:t>
+                        <a:t>active</a:t>
                       </a:r>
                     </a:p>
                   </a:txBody>
@@ -11771,46 +11839,6 @@
                     <a:bodyPr/>
                     <a:lstStyle/>
                     <a:p>
-                      <a:endParaRPr lang="en-IN">
-                        <a:solidFill>
-                          <a:srgbClr val="000000"/>
-                        </a:solidFill>
-                        <a:effectLst/>
-                      </a:endParaRPr>
-                    </a:p>
-                  </a:txBody>
-                  <a:tcPr anchor="ctr"/>
-                </a:tc>
-                <a:extLst>
-                  <a:ext uri="{0D108BD9-81ED-4DB2-BD59-A6C34878D82A}">
-                    <a16:rowId xmlns:a16="http://schemas.microsoft.com/office/drawing/2014/main" val="2901666075"/>
-                  </a:ext>
-                </a:extLst>
-              </a:tr>
-              <a:tr h="513622">
-                <a:tc>
-                  <a:txBody>
-                    <a:bodyPr/>
-                    <a:lstStyle/>
-                    <a:p>
-                      <a:pPr algn="r"/>
-                      <a:r>
-                        <a:rPr lang="en-IN" dirty="0"/>
-                        <a:t>5</a:t>
-                      </a:r>
-                    </a:p>
-                  </a:txBody>
-                  <a:tcPr>
-                    <a:solidFill>
-                      <a:schemeClr val="accent1"/>
-                    </a:solidFill>
-                  </a:tcPr>
-                </a:tc>
-                <a:tc>
-                  <a:txBody>
-                    <a:bodyPr/>
-                    <a:lstStyle/>
-                    <a:p>
                       <a:r>
                         <a:rPr lang="en-IN" dirty="0">
                           <a:solidFill>
@@ -11818,27 +11846,61 @@
                           </a:solidFill>
                           <a:effectLst/>
                         </a:rPr>
-                        <a:t>active</a:t>
+                        <a:t>Check the Product is active </a:t>
                       </a:r>
                     </a:p>
                   </a:txBody>
                   <a:tcPr anchor="ctr"/>
                 </a:tc>
-                <a:tc>
-                  <a:txBody>
-                    <a:bodyPr/>
-                    <a:lstStyle/>
-                    <a:p>
-                      <a:pPr rtl="0"/>
-                      <a:r>
-                        <a:rPr lang="en-IN" dirty="0" err="1">
+                <a:extLst>
+                  <a:ext uri="{0D108BD9-81ED-4DB2-BD59-A6C34878D82A}">
+                    <a16:rowId xmlns:a16="http://schemas.microsoft.com/office/drawing/2014/main" val="2279341836"/>
+                  </a:ext>
+                </a:extLst>
+              </a:tr>
+              <a:tr h="690672">
+                <a:tc>
+                  <a:txBody>
+                    <a:bodyPr/>
+                    <a:lstStyle/>
+                    <a:p>
+                      <a:pPr algn="r"/>
+                      <a:r>
+                        <a:rPr lang="en-IN" dirty="0"/>
+                        <a:t>5</a:t>
+                      </a:r>
+                    </a:p>
+                  </a:txBody>
+                  <a:tcPr>
+                    <a:solidFill>
+                      <a:schemeClr val="accent1"/>
+                    </a:solidFill>
+                  </a:tcPr>
+                </a:tc>
+                <a:tc>
+                  <a:txBody>
+                    <a:bodyPr/>
+                    <a:lstStyle/>
+                    <a:p>
+                      <a:r>
+                        <a:rPr lang="en-IN">
                           <a:solidFill>
                             <a:srgbClr val="000000"/>
                           </a:solidFill>
                           <a:effectLst/>
                         </a:rPr>
-                        <a:t>Tinyint</a:t>
-                      </a:r>
+                        <a:t>timestamp</a:t>
+                      </a:r>
+                    </a:p>
+                  </a:txBody>
+                  <a:tcPr anchor="ctr"/>
+                </a:tc>
+                <a:tc>
+                  <a:txBody>
+                    <a:bodyPr/>
+                    <a:lstStyle/>
+                    <a:p>
+                      <a:pPr rtl="0"/>
                       <a:r>
                         <a:rPr lang="en-IN" dirty="0">
                           <a:solidFill>
@@ -11846,7 +11908,7 @@
                           </a:solidFill>
                           <a:effectLst/>
                         </a:rPr>
-                        <a:t> </a:t>
+                        <a:t>Datetime </a:t>
                       </a:r>
                     </a:p>
                   </a:txBody>
@@ -11864,7 +11926,7 @@
                           </a:solidFill>
                           <a:effectLst/>
                         </a:rPr>
-                        <a:t>1</a:t>
+                        <a:t>6</a:t>
                       </a:r>
                     </a:p>
                   </a:txBody>
@@ -11893,65 +11955,6 @@
                     <a:bodyPr/>
                     <a:lstStyle/>
                     <a:p>
-                      <a:endParaRPr lang="en-IN">
-                        <a:solidFill>
-                          <a:srgbClr val="000000"/>
-                        </a:solidFill>
-                        <a:effectLst/>
-                      </a:endParaRPr>
-                    </a:p>
-                  </a:txBody>
-                  <a:tcPr anchor="ctr"/>
-                </a:tc>
-                <a:extLst>
-                  <a:ext uri="{0D108BD9-81ED-4DB2-BD59-A6C34878D82A}">
-                    <a16:rowId xmlns:a16="http://schemas.microsoft.com/office/drawing/2014/main" val="2279341836"/>
-                  </a:ext>
-                </a:extLst>
-              </a:tr>
-              <a:tr h="690672">
-                <a:tc>
-                  <a:txBody>
-                    <a:bodyPr/>
-                    <a:lstStyle/>
-                    <a:p>
-                      <a:pPr algn="r"/>
-                      <a:r>
-                        <a:rPr lang="en-IN" dirty="0"/>
-                        <a:t>6</a:t>
-                      </a:r>
-                    </a:p>
-                  </a:txBody>
-                  <a:tcPr>
-                    <a:solidFill>
-                      <a:schemeClr val="accent1"/>
-                    </a:solidFill>
-                  </a:tcPr>
-                </a:tc>
-                <a:tc>
-                  <a:txBody>
-                    <a:bodyPr/>
-                    <a:lstStyle/>
-                    <a:p>
-                      <a:r>
-                        <a:rPr lang="en-IN">
-                          <a:solidFill>
-                            <a:srgbClr val="000000"/>
-                          </a:solidFill>
-                          <a:effectLst/>
-                        </a:rPr>
-                        <a:t>timestamp</a:t>
-                      </a:r>
-                    </a:p>
-                  </a:txBody>
-                  <a:tcPr anchor="ctr"/>
-                </a:tc>
-                <a:tc>
-                  <a:txBody>
-                    <a:bodyPr/>
-                    <a:lstStyle/>
-                    <a:p>
-                      <a:pPr rtl="0"/>
                       <a:r>
                         <a:rPr lang="en-IN" dirty="0">
                           <a:solidFill>
@@ -11959,59 +11962,8 @@
                           </a:solidFill>
                           <a:effectLst/>
                         </a:rPr>
-                        <a:t>Datetime </a:t>
-                      </a:r>
-                    </a:p>
-                  </a:txBody>
-                  <a:tcPr anchor="ctr"/>
-                </a:tc>
-                <a:tc>
-                  <a:txBody>
-                    <a:bodyPr/>
-                    <a:lstStyle/>
-                    <a:p>
-                      <a:r>
-                        <a:rPr lang="en-IN" dirty="0">
-                          <a:solidFill>
-                            <a:srgbClr val="000000"/>
-                          </a:solidFill>
-                          <a:effectLst/>
-                        </a:rPr>
-                        <a:t>6</a:t>
-                      </a:r>
-                    </a:p>
-                  </a:txBody>
-                  <a:tcPr anchor="ctr"/>
-                </a:tc>
-                <a:tc>
-                  <a:txBody>
-                    <a:bodyPr/>
-                    <a:lstStyle/>
-                    <a:p>
-                      <a:r>
-                        <a:rPr lang="en-IN" dirty="0">
-                          <a:solidFill>
-                            <a:srgbClr val="000000"/>
-                          </a:solidFill>
-                          <a:effectLst/>
-                        </a:rPr>
-                        <a:t>Not null</a:t>
-                      </a:r>
-                    </a:p>
-                  </a:txBody>
-                  <a:tcPr anchor="ctr"/>
-                </a:tc>
-                <a:tc>
-                  <a:txBody>
-                    <a:bodyPr/>
-                    <a:lstStyle/>
-                    <a:p>
-                      <a:endParaRPr lang="en-IN">
-                        <a:solidFill>
-                          <a:srgbClr val="000000"/>
-                        </a:solidFill>
-                        <a:effectLst/>
-                      </a:endParaRPr>
+                        <a:t>Product Added time</a:t>
+                      </a:r>
                     </a:p>
                   </a:txBody>
                   <a:tcPr anchor="ctr"/>
@@ -12031,7 +11983,7 @@
                       <a:pPr algn="r"/>
                       <a:r>
                         <a:rPr lang="en-IN" dirty="0"/>
-                        <a:t>7</a:t>
+                        <a:t>6</a:t>
                       </a:r>
                     </a:p>
                   </a:txBody>
@@ -12139,12 +12091,15 @@
                     <a:bodyPr/>
                     <a:lstStyle/>
                     <a:p>
-                      <a:endParaRPr lang="en-IN" dirty="0">
-                        <a:solidFill>
-                          <a:srgbClr val="000000"/>
-                        </a:solidFill>
-                        <a:effectLst/>
-                      </a:endParaRPr>
+                      <a:r>
+                        <a:rPr lang="en-IN" dirty="0">
+                          <a:solidFill>
+                            <a:srgbClr val="000000"/>
+                          </a:solidFill>
+                          <a:effectLst/>
+                        </a:rPr>
+                        <a:t>Product id</a:t>
+                      </a:r>
                     </a:p>
                   </a:txBody>
                   <a:tcPr anchor="ctr"/>
@@ -13370,14 +13325,14 @@
           <p:nvPr>
             <p:extLst>
               <p:ext uri="{D42A27DB-BD31-4B8C-83A1-F6EECF244321}">
-                <p14:modId xmlns:p14="http://schemas.microsoft.com/office/powerpoint/2010/main" val="2240066247"/>
+                <p14:modId xmlns:p14="http://schemas.microsoft.com/office/powerpoint/2010/main" val="1288408636"/>
               </p:ext>
             </p:extLst>
           </p:nvPr>
         </p:nvGraphicFramePr>
         <p:xfrm>
-          <a:off x="515000" y="1997359"/>
-          <a:ext cx="8994761" cy="3517178"/>
+          <a:off x="565687" y="1820515"/>
+          <a:ext cx="9664991" cy="4944716"/>
         </p:xfrm>
         <a:graphic>
           <a:graphicData uri="http://schemas.openxmlformats.org/drawingml/2006/table">
@@ -13386,42 +13341,42 @@
                 <a:tableStyleId>{5C22544A-7EE6-4342-B048-85BDC9FD1C3A}</a:tableStyleId>
               </a:tblPr>
               <a:tblGrid>
-                <a:gridCol w="1009435">
+                <a:gridCol w="1084651">
                   <a:extLst>
                     <a:ext uri="{9D8B030D-6E8A-4147-A177-3AD203B41FA5}">
                       <a16:colId xmlns:a16="http://schemas.microsoft.com/office/drawing/2014/main" val="540381746"/>
                     </a:ext>
                   </a:extLst>
                 </a:gridCol>
-                <a:gridCol w="1558196">
+                <a:gridCol w="1674302">
                   <a:extLst>
                     <a:ext uri="{9D8B030D-6E8A-4147-A177-3AD203B41FA5}">
                       <a16:colId xmlns:a16="http://schemas.microsoft.com/office/drawing/2014/main" val="1685149049"/>
                     </a:ext>
                   </a:extLst>
                 </a:gridCol>
-                <a:gridCol w="1454647">
+                <a:gridCol w="1563038">
                   <a:extLst>
                     <a:ext uri="{9D8B030D-6E8A-4147-A177-3AD203B41FA5}">
                       <a16:colId xmlns:a16="http://schemas.microsoft.com/office/drawing/2014/main" val="670987899"/>
                     </a:ext>
                   </a:extLst>
                 </a:gridCol>
-                <a:gridCol w="1125840">
+                <a:gridCol w="1209730">
                   <a:extLst>
                     <a:ext uri="{9D8B030D-6E8A-4147-A177-3AD203B41FA5}">
                       <a16:colId xmlns:a16="http://schemas.microsoft.com/office/drawing/2014/main" val="1931311018"/>
                     </a:ext>
                   </a:extLst>
                 </a:gridCol>
-                <a:gridCol w="1704399">
+                <a:gridCol w="1310557">
                   <a:extLst>
                     <a:ext uri="{9D8B030D-6E8A-4147-A177-3AD203B41FA5}">
                       <a16:colId xmlns:a16="http://schemas.microsoft.com/office/drawing/2014/main" val="1182111875"/>
                     </a:ext>
                   </a:extLst>
                 </a:gridCol>
-                <a:gridCol w="2142244">
+                <a:gridCol w="2822713">
                   <a:extLst>
                     <a:ext uri="{9D8B030D-6E8A-4147-A177-3AD203B41FA5}">
                       <a16:colId xmlns:a16="http://schemas.microsoft.com/office/drawing/2014/main" val="3204605790"/>
@@ -13429,7 +13384,7 @@
                   </a:extLst>
                 </a:gridCol>
               </a:tblGrid>
-              <a:tr h="745259">
+              <a:tr h="721400">
                 <a:tc>
                   <a:txBody>
                     <a:bodyPr/>
@@ -13540,7 +13495,7 @@
                   </a:ext>
                 </a:extLst>
               </a:tr>
-              <a:tr h="506665">
+              <a:tr h="490444">
                 <a:tc>
                   <a:txBody>
                     <a:bodyPr/>
@@ -13548,8 +13503,8 @@
                     <a:p>
                       <a:pPr algn="r"/>
                       <a:r>
-                        <a:rPr lang="en-IN" dirty="0"/>
-                        <a:t>2</a:t>
+                        <a:rPr lang="en-IN" sz="1400" dirty="0"/>
+                        <a:t>1</a:t>
                       </a:r>
                     </a:p>
                   </a:txBody>
@@ -13565,14 +13520,20 @@
                     <a:lstStyle/>
                     <a:p>
                       <a:r>
-                        <a:rPr lang="en-IN" dirty="0">
+                        <a:rPr lang="en-IN" sz="1400" dirty="0" err="1">
                           <a:solidFill>
                             <a:srgbClr val="000000"/>
                           </a:solidFill>
                           <a:effectLst/>
                         </a:rPr>
-                        <a:t>id</a:t>
-                      </a:r>
+                        <a:t>Order_id</a:t>
+                      </a:r>
+                      <a:endParaRPr lang="en-IN" sz="1400" dirty="0">
+                        <a:solidFill>
+                          <a:srgbClr val="000000"/>
+                        </a:solidFill>
+                        <a:effectLst/>
+                      </a:endParaRPr>
                     </a:p>
                   </a:txBody>
                   <a:tcPr anchor="ctr"/>
@@ -13584,7 +13545,7 @@
                     <a:p>
                       <a:pPr rtl="0"/>
                       <a:r>
-                        <a:rPr lang="en-IN" dirty="0">
+                        <a:rPr lang="en-IN" sz="1400" dirty="0">
                           <a:solidFill>
                             <a:srgbClr val="000000"/>
                           </a:solidFill>
@@ -13602,7 +13563,7 @@
                     <a:lstStyle/>
                     <a:p>
                       <a:r>
-                        <a:rPr lang="en-IN" dirty="0">
+                        <a:rPr lang="en-IN" sz="1400" dirty="0">
                           <a:solidFill>
                             <a:srgbClr val="000000"/>
                           </a:solidFill>
@@ -13620,7 +13581,7 @@
                     <a:lstStyle/>
                     <a:p>
                       <a:r>
-                        <a:rPr lang="en-IN" sz="1800" b="0" i="1" kern="1200" dirty="0">
+                        <a:rPr lang="en-IN" sz="1400" b="0" i="1" kern="1200" dirty="0">
                           <a:solidFill>
                             <a:schemeClr val="dk1"/>
                           </a:solidFill>
@@ -13631,7 +13592,7 @@
                         </a:rPr>
                         <a:t>Primary key</a:t>
                       </a:r>
-                      <a:endParaRPr lang="en-IN" dirty="0">
+                      <a:endParaRPr lang="en-IN" sz="1400" dirty="0">
                         <a:solidFill>
                           <a:srgbClr val="000000"/>
                         </a:solidFill>
@@ -13647,7 +13608,7 @@
                     <a:lstStyle/>
                     <a:p>
                       <a:r>
-                        <a:rPr lang="en-IN" dirty="0">
+                        <a:rPr lang="en-IN" sz="1400" dirty="0">
                           <a:solidFill>
                             <a:srgbClr val="000000"/>
                           </a:solidFill>
@@ -13665,7 +13626,7 @@
                   </a:ext>
                 </a:extLst>
               </a:tr>
-              <a:tr h="506665">
+              <a:tr h="490444">
                 <a:tc>
                   <a:txBody>
                     <a:bodyPr/>
@@ -13673,9 +13634,10 @@
                     <a:p>
                       <a:pPr algn="r"/>
                       <a:r>
-                        <a:rPr lang="en-IN" dirty="0"/>
-                        <a:t>3</a:t>
-                      </a:r>
+                        <a:rPr lang="en-US" sz="1400" dirty="0"/>
+                        <a:t>2</a:t>
+                      </a:r>
+                      <a:endParaRPr lang="en-IN" sz="1400" dirty="0"/>
                     </a:p>
                   </a:txBody>
                   <a:tcPr>
@@ -13690,50 +13652,59 @@
                     <a:lstStyle/>
                     <a:p>
                       <a:r>
-                        <a:rPr lang="en-IN">
+                        <a:rPr lang="en-IN" sz="1400" b="0" i="0" kern="1200" dirty="0" err="1">
+                          <a:solidFill>
+                            <a:schemeClr val="dk1"/>
+                          </a:solidFill>
+                          <a:effectLst/>
+                          <a:latin typeface="+mn-lt"/>
+                          <a:ea typeface="+mn-ea"/>
+                          <a:cs typeface="+mn-cs"/>
+                        </a:rPr>
+                        <a:t>first_name</a:t>
+                      </a:r>
+                      <a:endParaRPr lang="en-IN" sz="1400" b="0" dirty="0">
+                        <a:solidFill>
+                          <a:srgbClr val="000000"/>
+                        </a:solidFill>
+                        <a:effectLst/>
+                      </a:endParaRPr>
+                    </a:p>
+                  </a:txBody>
+                  <a:tcPr anchor="ctr"/>
+                </a:tc>
+                <a:tc>
+                  <a:txBody>
+                    <a:bodyPr/>
+                    <a:lstStyle/>
+                    <a:p>
+                      <a:pPr rtl="0"/>
+                      <a:r>
+                        <a:rPr lang="en-US" sz="1400" dirty="0">
                           <a:solidFill>
                             <a:srgbClr val="000000"/>
                           </a:solidFill>
                           <a:effectLst/>
                         </a:rPr>
-                        <a:t>total_prise</a:t>
-                      </a:r>
-                    </a:p>
-                  </a:txBody>
-                  <a:tcPr anchor="ctr"/>
-                </a:tc>
-                <a:tc>
-                  <a:txBody>
-                    <a:bodyPr/>
-                    <a:lstStyle/>
-                    <a:p>
-                      <a:pPr rtl="0"/>
-                      <a:r>
-                        <a:rPr lang="en-IN" dirty="0">
+                        <a:t>V</a:t>
+                      </a:r>
+                      <a:r>
+                        <a:rPr lang="en-IN" sz="1400" dirty="0" err="1">
                           <a:solidFill>
                             <a:srgbClr val="000000"/>
                           </a:solidFill>
                           <a:effectLst/>
                         </a:rPr>
-                        <a:t>Int</a:t>
-                      </a:r>
-                    </a:p>
-                  </a:txBody>
-                  <a:tcPr anchor="ctr"/>
-                </a:tc>
-                <a:tc>
-                  <a:txBody>
-                    <a:bodyPr/>
-                    <a:lstStyle/>
-                    <a:p>
-                      <a:r>
-                        <a:rPr lang="en-IN" dirty="0">
+                        <a:t>archar</a:t>
+                      </a:r>
+                      <a:r>
+                        <a:rPr lang="en-IN" sz="1400" dirty="0">
                           <a:solidFill>
                             <a:srgbClr val="000000"/>
                           </a:solidFill>
                           <a:effectLst/>
                         </a:rPr>
-                        <a:t>11</a:t>
+                        <a:t> </a:t>
                       </a:r>
                     </a:p>
                   </a:txBody>
@@ -13745,7 +13716,34 @@
                     <a:lstStyle/>
                     <a:p>
                       <a:r>
-                        <a:rPr lang="en-IN" dirty="0">
+                        <a:rPr lang="en-US" sz="1400" dirty="0">
+                          <a:solidFill>
+                            <a:srgbClr val="000000"/>
+                          </a:solidFill>
+                          <a:effectLst/>
+                        </a:rPr>
+                        <a:t>9</a:t>
+                      </a:r>
+                      <a:r>
+                        <a:rPr lang="en-IN" sz="1400" dirty="0">
+                          <a:solidFill>
+                            <a:srgbClr val="000000"/>
+                          </a:solidFill>
+                          <a:effectLst/>
+                        </a:rPr>
+                        <a:t>0</a:t>
+                      </a:r>
+                    </a:p>
+                  </a:txBody>
+                  <a:tcPr anchor="ctr"/>
+                </a:tc>
+                <a:tc>
+                  <a:txBody>
+                    <a:bodyPr/>
+                    <a:lstStyle/>
+                    <a:p>
+                      <a:r>
+                        <a:rPr lang="en-IN" sz="1400" dirty="0">
                           <a:solidFill>
                             <a:srgbClr val="000000"/>
                           </a:solidFill>
@@ -13763,22 +13761,13 @@
                     <a:lstStyle/>
                     <a:p>
                       <a:r>
-                        <a:rPr lang="en-IN" dirty="0" err="1">
+                        <a:rPr lang="en-IN" sz="1400" dirty="0">
                           <a:solidFill>
                             <a:srgbClr val="000000"/>
                           </a:solidFill>
                           <a:effectLst/>
                         </a:rPr>
-                        <a:t>Totel</a:t>
-                      </a:r>
-                      <a:r>
-                        <a:rPr lang="en-IN" dirty="0">
-                          <a:solidFill>
-                            <a:srgbClr val="000000"/>
-                          </a:solidFill>
-                          <a:effectLst/>
-                        </a:rPr>
-                        <a:t> items price</a:t>
+                        <a:t>Order Owner first name</a:t>
                       </a:r>
                     </a:p>
                   </a:txBody>
@@ -13790,7 +13779,7 @@
                   </a:ext>
                 </a:extLst>
               </a:tr>
-              <a:tr h="506665">
+              <a:tr h="413345">
                 <a:tc>
                   <a:txBody>
                     <a:bodyPr/>
@@ -13798,9 +13787,10 @@
                     <a:p>
                       <a:pPr algn="r"/>
                       <a:r>
-                        <a:rPr lang="en-IN" dirty="0"/>
-                        <a:t>4</a:t>
-                      </a:r>
+                        <a:rPr lang="en-US" sz="1400" dirty="0"/>
+                        <a:t>3</a:t>
+                      </a:r>
+                      <a:endParaRPr lang="en-IN" sz="1400" dirty="0"/>
                     </a:p>
                   </a:txBody>
                   <a:tcPr>
@@ -13815,50 +13805,59 @@
                     <a:lstStyle/>
                     <a:p>
                       <a:r>
-                        <a:rPr lang="en-IN">
+                        <a:rPr lang="en-IN" sz="1400" b="0" i="0" kern="1200" dirty="0" err="1">
+                          <a:solidFill>
+                            <a:schemeClr val="dk1"/>
+                          </a:solidFill>
+                          <a:effectLst/>
+                          <a:latin typeface="+mn-lt"/>
+                          <a:ea typeface="+mn-ea"/>
+                          <a:cs typeface="+mn-cs"/>
+                        </a:rPr>
+                        <a:t>last_name</a:t>
+                      </a:r>
+                      <a:endParaRPr lang="en-IN" sz="1400" b="0" dirty="0">
+                        <a:solidFill>
+                          <a:srgbClr val="000000"/>
+                        </a:solidFill>
+                        <a:effectLst/>
+                      </a:endParaRPr>
+                    </a:p>
+                  </a:txBody>
+                  <a:tcPr anchor="ctr"/>
+                </a:tc>
+                <a:tc>
+                  <a:txBody>
+                    <a:bodyPr/>
+                    <a:lstStyle/>
+                    <a:p>
+                      <a:pPr rtl="0"/>
+                      <a:r>
+                        <a:rPr lang="en-US" sz="1400" dirty="0">
                           <a:solidFill>
                             <a:srgbClr val="000000"/>
                           </a:solidFill>
                           <a:effectLst/>
                         </a:rPr>
-                        <a:t>updated</a:t>
-                      </a:r>
-                    </a:p>
-                  </a:txBody>
-                  <a:tcPr anchor="ctr"/>
-                </a:tc>
-                <a:tc>
-                  <a:txBody>
-                    <a:bodyPr/>
-                    <a:lstStyle/>
-                    <a:p>
-                      <a:pPr rtl="0"/>
-                      <a:r>
-                        <a:rPr lang="en-IN" dirty="0">
+                        <a:t>V</a:t>
+                      </a:r>
+                      <a:r>
+                        <a:rPr lang="en-IN" sz="1400" dirty="0" err="1">
                           <a:solidFill>
                             <a:srgbClr val="000000"/>
                           </a:solidFill>
                           <a:effectLst/>
                         </a:rPr>
-                        <a:t>Datetime</a:t>
-                      </a:r>
-                    </a:p>
-                  </a:txBody>
-                  <a:tcPr anchor="ctr"/>
-                </a:tc>
-                <a:tc>
-                  <a:txBody>
-                    <a:bodyPr/>
-                    <a:lstStyle/>
-                    <a:p>
-                      <a:r>
-                        <a:rPr lang="en-IN" dirty="0">
+                        <a:t>archar</a:t>
+                      </a:r>
+                      <a:r>
+                        <a:rPr lang="en-IN" sz="1400" dirty="0">
                           <a:solidFill>
                             <a:srgbClr val="000000"/>
                           </a:solidFill>
                           <a:effectLst/>
                         </a:rPr>
-                        <a:t>6</a:t>
+                        <a:t> </a:t>
                       </a:r>
                     </a:p>
                   </a:txBody>
@@ -13870,7 +13869,34 @@
                     <a:lstStyle/>
                     <a:p>
                       <a:r>
-                        <a:rPr lang="en-IN" dirty="0">
+                        <a:rPr lang="en-US" sz="1400" dirty="0">
+                          <a:solidFill>
+                            <a:srgbClr val="000000"/>
+                          </a:solidFill>
+                          <a:effectLst/>
+                        </a:rPr>
+                        <a:t>9</a:t>
+                      </a:r>
+                      <a:r>
+                        <a:rPr lang="en-IN" sz="1400" dirty="0">
+                          <a:solidFill>
+                            <a:srgbClr val="000000"/>
+                          </a:solidFill>
+                          <a:effectLst/>
+                        </a:rPr>
+                        <a:t>0</a:t>
+                      </a:r>
+                    </a:p>
+                  </a:txBody>
+                  <a:tcPr anchor="ctr"/>
+                </a:tc>
+                <a:tc>
+                  <a:txBody>
+                    <a:bodyPr/>
+                    <a:lstStyle/>
+                    <a:p>
+                      <a:r>
+                        <a:rPr lang="en-IN" sz="1400" dirty="0">
                           <a:solidFill>
                             <a:srgbClr val="000000"/>
                           </a:solidFill>
@@ -13888,13 +13914,13 @@
                     <a:lstStyle/>
                     <a:p>
                       <a:r>
-                        <a:rPr lang="en-IN" dirty="0">
+                        <a:rPr lang="en-IN" sz="1400" dirty="0">
                           <a:solidFill>
                             <a:srgbClr val="000000"/>
                           </a:solidFill>
                           <a:effectLst/>
                         </a:rPr>
-                        <a:t>Updated cart time</a:t>
+                        <a:t>Order Owner last name</a:t>
                       </a:r>
                     </a:p>
                   </a:txBody>
@@ -13906,7 +13932,7 @@
                   </a:ext>
                 </a:extLst>
               </a:tr>
-              <a:tr h="506665">
+              <a:tr h="364706">
                 <a:tc>
                   <a:txBody>
                     <a:bodyPr/>
@@ -13914,9 +13940,10 @@
                     <a:p>
                       <a:pPr algn="r"/>
                       <a:r>
-                        <a:rPr lang="en-IN" dirty="0"/>
-                        <a:t>5</a:t>
-                      </a:r>
+                        <a:rPr lang="en-US" sz="1400" dirty="0"/>
+                        <a:t>4</a:t>
+                      </a:r>
+                      <a:endParaRPr lang="en-IN" sz="1400" dirty="0"/>
                     </a:p>
                   </a:txBody>
                   <a:tcPr>
@@ -13931,50 +13958,59 @@
                     <a:lstStyle/>
                     <a:p>
                       <a:r>
-                        <a:rPr lang="en-IN">
+                        <a:rPr lang="en-IN" sz="1400" b="0" i="0" kern="1200" dirty="0">
+                          <a:solidFill>
+                            <a:schemeClr val="dk1"/>
+                          </a:solidFill>
+                          <a:effectLst/>
+                          <a:latin typeface="+mn-lt"/>
+                          <a:ea typeface="+mn-ea"/>
+                          <a:cs typeface="+mn-cs"/>
+                        </a:rPr>
+                        <a:t>state</a:t>
+                      </a:r>
+                      <a:endParaRPr lang="en-IN" sz="1400" b="0" dirty="0">
+                        <a:solidFill>
+                          <a:srgbClr val="000000"/>
+                        </a:solidFill>
+                        <a:effectLst/>
+                      </a:endParaRPr>
+                    </a:p>
+                  </a:txBody>
+                  <a:tcPr anchor="ctr"/>
+                </a:tc>
+                <a:tc>
+                  <a:txBody>
+                    <a:bodyPr/>
+                    <a:lstStyle/>
+                    <a:p>
+                      <a:pPr rtl="0"/>
+                      <a:r>
+                        <a:rPr lang="en-US" sz="1400" dirty="0">
                           <a:solidFill>
                             <a:srgbClr val="000000"/>
                           </a:solidFill>
                           <a:effectLst/>
                         </a:rPr>
-                        <a:t>timestamp</a:t>
-                      </a:r>
-                    </a:p>
-                  </a:txBody>
-                  <a:tcPr anchor="ctr"/>
-                </a:tc>
-                <a:tc>
-                  <a:txBody>
-                    <a:bodyPr/>
-                    <a:lstStyle/>
-                    <a:p>
-                      <a:pPr rtl="0"/>
-                      <a:r>
-                        <a:rPr lang="en-IN" dirty="0">
+                        <a:t>V</a:t>
+                      </a:r>
+                      <a:r>
+                        <a:rPr lang="en-IN" sz="1400" dirty="0" err="1">
                           <a:solidFill>
                             <a:srgbClr val="000000"/>
                           </a:solidFill>
                           <a:effectLst/>
                         </a:rPr>
-                        <a:t>Datetime</a:t>
-                      </a:r>
-                    </a:p>
-                  </a:txBody>
-                  <a:tcPr anchor="ctr"/>
-                </a:tc>
-                <a:tc>
-                  <a:txBody>
-                    <a:bodyPr/>
-                    <a:lstStyle/>
-                    <a:p>
-                      <a:r>
-                        <a:rPr lang="en-IN" dirty="0">
+                        <a:t>archar</a:t>
+                      </a:r>
+                      <a:r>
+                        <a:rPr lang="en-IN" sz="1400" dirty="0">
                           <a:solidFill>
                             <a:srgbClr val="000000"/>
                           </a:solidFill>
                           <a:effectLst/>
                         </a:rPr>
-                        <a:t>6</a:t>
+                        <a:t> </a:t>
                       </a:r>
                     </a:p>
                   </a:txBody>
@@ -13986,7 +14022,31 @@
                     <a:lstStyle/>
                     <a:p>
                       <a:r>
-                        <a:rPr lang="en-IN" dirty="0">
+                        <a:rPr lang="en-US" sz="1400" dirty="0">
+                          <a:solidFill>
+                            <a:srgbClr val="000000"/>
+                          </a:solidFill>
+                          <a:effectLst/>
+                        </a:rPr>
+                        <a:t>111</a:t>
+                      </a:r>
+                      <a:endParaRPr lang="en-IN" sz="1400" dirty="0">
+                        <a:solidFill>
+                          <a:srgbClr val="000000"/>
+                        </a:solidFill>
+                        <a:effectLst/>
+                      </a:endParaRPr>
+                    </a:p>
+                  </a:txBody>
+                  <a:tcPr anchor="ctr"/>
+                </a:tc>
+                <a:tc>
+                  <a:txBody>
+                    <a:bodyPr/>
+                    <a:lstStyle/>
+                    <a:p>
+                      <a:r>
+                        <a:rPr lang="en-IN" sz="1400" dirty="0">
                           <a:solidFill>
                             <a:srgbClr val="000000"/>
                           </a:solidFill>
@@ -14004,13 +14064,13 @@
                     <a:lstStyle/>
                     <a:p>
                       <a:r>
-                        <a:rPr lang="en-IN" dirty="0">
+                        <a:rPr lang="en-IN" sz="1400" dirty="0">
                           <a:solidFill>
                             <a:srgbClr val="000000"/>
                           </a:solidFill>
                           <a:effectLst/>
                         </a:rPr>
-                        <a:t>Added cart time</a:t>
+                        <a:t>Order Owner state</a:t>
                       </a:r>
                     </a:p>
                   </a:txBody>
@@ -14022,7 +14082,7 @@
                   </a:ext>
                 </a:extLst>
               </a:tr>
-              <a:tr h="745259">
+              <a:tr h="472545">
                 <a:tc>
                   <a:txBody>
                     <a:bodyPr/>
@@ -14030,9 +14090,10 @@
                     <a:p>
                       <a:pPr algn="r"/>
                       <a:r>
-                        <a:rPr lang="en-IN" dirty="0"/>
-                        <a:t>6</a:t>
-                      </a:r>
+                        <a:rPr lang="en-US" sz="1400" dirty="0"/>
+                        <a:t>5</a:t>
+                      </a:r>
+                      <a:endParaRPr lang="en-IN" sz="1400" dirty="0"/>
                     </a:p>
                   </a:txBody>
                   <a:tcPr>
@@ -14047,56 +14108,59 @@
                     <a:lstStyle/>
                     <a:p>
                       <a:r>
-                        <a:rPr lang="en-IN">
+                        <a:rPr lang="en-IN" sz="1400" b="0" i="0" kern="1200" dirty="0">
+                          <a:solidFill>
+                            <a:schemeClr val="dk1"/>
+                          </a:solidFill>
+                          <a:effectLst/>
+                          <a:latin typeface="+mn-lt"/>
+                          <a:ea typeface="+mn-ea"/>
+                          <a:cs typeface="+mn-cs"/>
+                        </a:rPr>
+                        <a:t>address</a:t>
+                      </a:r>
+                      <a:endParaRPr lang="en-IN" sz="1400" b="0" dirty="0">
+                        <a:solidFill>
+                          <a:srgbClr val="000000"/>
+                        </a:solidFill>
+                        <a:effectLst/>
+                      </a:endParaRPr>
+                    </a:p>
+                  </a:txBody>
+                  <a:tcPr anchor="ctr"/>
+                </a:tc>
+                <a:tc>
+                  <a:txBody>
+                    <a:bodyPr/>
+                    <a:lstStyle/>
+                    <a:p>
+                      <a:pPr rtl="0"/>
+                      <a:r>
+                        <a:rPr lang="en-US" sz="1400" dirty="0">
                           <a:solidFill>
                             <a:srgbClr val="000000"/>
                           </a:solidFill>
                           <a:effectLst/>
                         </a:rPr>
-                        <a:t>active</a:t>
-                      </a:r>
-                    </a:p>
-                  </a:txBody>
-                  <a:tcPr anchor="ctr"/>
-                </a:tc>
-                <a:tc>
-                  <a:txBody>
-                    <a:bodyPr/>
-                    <a:lstStyle/>
-                    <a:p>
-                      <a:pPr rtl="0"/>
-                      <a:r>
-                        <a:rPr lang="en-IN" dirty="0" err="1">
+                        <a:t>V</a:t>
+                      </a:r>
+                      <a:r>
+                        <a:rPr lang="en-IN" sz="1400" dirty="0" err="1">
                           <a:solidFill>
                             <a:srgbClr val="000000"/>
                           </a:solidFill>
                           <a:effectLst/>
                         </a:rPr>
-                        <a:t>Tinyint</a:t>
-                      </a:r>
-                      <a:endParaRPr lang="en-IN" dirty="0">
-                        <a:solidFill>
-                          <a:srgbClr val="000000"/>
-                        </a:solidFill>
-                        <a:effectLst/>
-                      </a:endParaRPr>
-                    </a:p>
-                  </a:txBody>
-                  <a:tcPr anchor="ctr"/>
-                </a:tc>
-                <a:tc>
-                  <a:txBody>
-                    <a:bodyPr/>
-                    <a:lstStyle/>
-                    <a:p>
-                      <a:r>
-                        <a:rPr lang="en-IN" dirty="0">
+                        <a:t>archar</a:t>
+                      </a:r>
+                      <a:r>
+                        <a:rPr lang="en-IN" sz="1400" dirty="0">
                           <a:solidFill>
                             <a:srgbClr val="000000"/>
                           </a:solidFill>
                           <a:effectLst/>
                         </a:rPr>
-                        <a:t>1</a:t>
+                        <a:t> </a:t>
                       </a:r>
                     </a:p>
                   </a:txBody>
@@ -14108,7 +14172,25 @@
                     <a:lstStyle/>
                     <a:p>
                       <a:r>
-                        <a:rPr lang="en-IN" dirty="0">
+                        <a:rPr lang="en-IN" sz="1400" dirty="0">
+                          <a:solidFill>
+                            <a:srgbClr val="000000"/>
+                          </a:solidFill>
+                          <a:effectLst/>
+                        </a:rPr>
+                        <a:t>111</a:t>
+                      </a:r>
+                    </a:p>
+                  </a:txBody>
+                  <a:tcPr anchor="ctr"/>
+                </a:tc>
+                <a:tc>
+                  <a:txBody>
+                    <a:bodyPr/>
+                    <a:lstStyle/>
+                    <a:p>
+                      <a:r>
+                        <a:rPr lang="en-IN" sz="1400" dirty="0">
                           <a:solidFill>
                             <a:srgbClr val="000000"/>
                           </a:solidFill>
@@ -14126,13 +14208,15 @@
                     <a:lstStyle/>
                     <a:p>
                       <a:r>
-                        <a:rPr lang="en-IN" dirty="0" err="1"/>
-                        <a:t>Chek</a:t>
-                      </a:r>
-                      <a:r>
-                        <a:rPr lang="en-IN" dirty="0"/>
-                        <a:t> cart active or not</a:t>
-                      </a:r>
+                        <a:rPr lang="en-IN" sz="1400" dirty="0">
+                          <a:solidFill>
+                            <a:srgbClr val="000000"/>
+                          </a:solidFill>
+                          <a:effectLst/>
+                        </a:rPr>
+                        <a:t>Order Owner address</a:t>
+                      </a:r>
+                      <a:endParaRPr lang="en-IN" sz="1400" dirty="0"/>
                     </a:p>
                   </a:txBody>
                   <a:tcPr/>
@@ -14140,6 +14224,1078 @@
                 <a:extLst>
                   <a:ext uri="{0D108BD9-81ED-4DB2-BD59-A6C34878D82A}">
                     <a16:rowId xmlns:a16="http://schemas.microsoft.com/office/drawing/2014/main" val="676382116"/>
+                  </a:ext>
+                </a:extLst>
+              </a:tr>
+              <a:tr h="331972">
+                <a:tc>
+                  <a:txBody>
+                    <a:bodyPr/>
+                    <a:lstStyle/>
+                    <a:p>
+                      <a:pPr algn="r"/>
+                      <a:r>
+                        <a:rPr lang="en-US" sz="1400" dirty="0"/>
+                        <a:t>6</a:t>
+                      </a:r>
+                      <a:endParaRPr lang="en-IN" sz="1400" dirty="0"/>
+                    </a:p>
+                  </a:txBody>
+                  <a:tcPr>
+                    <a:solidFill>
+                      <a:schemeClr val="accent1"/>
+                    </a:solidFill>
+                  </a:tcPr>
+                </a:tc>
+                <a:tc>
+                  <a:txBody>
+                    <a:bodyPr/>
+                    <a:lstStyle/>
+                    <a:p>
+                      <a:pPr algn="l" fontAlgn="ctr"/>
+                      <a:r>
+                        <a:rPr lang="en-IN" sz="1400" b="0" dirty="0">
+                          <a:solidFill>
+                            <a:srgbClr val="000000"/>
+                          </a:solidFill>
+                          <a:effectLst/>
+                        </a:rPr>
+                        <a:t>address2</a:t>
+                      </a:r>
+                    </a:p>
+                  </a:txBody>
+                  <a:tcPr anchor="ctr"/>
+                </a:tc>
+                <a:tc>
+                  <a:txBody>
+                    <a:bodyPr/>
+                    <a:lstStyle/>
+                    <a:p>
+                      <a:pPr marL="0" marR="0" lvl="0" indent="0" algn="l" defTabSz="457200" rtl="0" eaLnBrk="1" fontAlgn="auto" latinLnBrk="0" hangingPunct="1">
+                        <a:lnSpc>
+                          <a:spcPct val="100000"/>
+                        </a:lnSpc>
+                        <a:spcBef>
+                          <a:spcPts val="0"/>
+                        </a:spcBef>
+                        <a:spcAft>
+                          <a:spcPts val="0"/>
+                        </a:spcAft>
+                        <a:buClrTx/>
+                        <a:buSzTx/>
+                        <a:buFontTx/>
+                        <a:buNone/>
+                        <a:tabLst/>
+                        <a:defRPr/>
+                      </a:pPr>
+                      <a:r>
+                        <a:rPr lang="en-US" sz="1400" dirty="0">
+                          <a:solidFill>
+                            <a:srgbClr val="000000"/>
+                          </a:solidFill>
+                          <a:effectLst/>
+                        </a:rPr>
+                        <a:t>V</a:t>
+                      </a:r>
+                      <a:r>
+                        <a:rPr lang="en-IN" sz="1400" dirty="0" err="1">
+                          <a:solidFill>
+                            <a:srgbClr val="000000"/>
+                          </a:solidFill>
+                          <a:effectLst/>
+                        </a:rPr>
+                        <a:t>archar</a:t>
+                      </a:r>
+                      <a:r>
+                        <a:rPr lang="en-IN" sz="1400" dirty="0">
+                          <a:solidFill>
+                            <a:srgbClr val="000000"/>
+                          </a:solidFill>
+                          <a:effectLst/>
+                        </a:rPr>
+                        <a:t> </a:t>
+                      </a:r>
+                    </a:p>
+                  </a:txBody>
+                  <a:tcPr anchor="ctr"/>
+                </a:tc>
+                <a:tc>
+                  <a:txBody>
+                    <a:bodyPr/>
+                    <a:lstStyle/>
+                    <a:p>
+                      <a:r>
+                        <a:rPr lang="en-US" sz="1400" dirty="0">
+                          <a:solidFill>
+                            <a:srgbClr val="000000"/>
+                          </a:solidFill>
+                          <a:effectLst/>
+                        </a:rPr>
+                        <a:t>111</a:t>
+                      </a:r>
+                      <a:endParaRPr lang="en-IN" sz="1400" dirty="0">
+                        <a:solidFill>
+                          <a:srgbClr val="000000"/>
+                        </a:solidFill>
+                        <a:effectLst/>
+                      </a:endParaRPr>
+                    </a:p>
+                  </a:txBody>
+                  <a:tcPr anchor="ctr"/>
+                </a:tc>
+                <a:tc>
+                  <a:txBody>
+                    <a:bodyPr/>
+                    <a:lstStyle/>
+                    <a:p>
+                      <a:r>
+                        <a:rPr lang="en-US" sz="1400" dirty="0">
+                          <a:solidFill>
+                            <a:srgbClr val="000000"/>
+                          </a:solidFill>
+                          <a:effectLst/>
+                        </a:rPr>
+                        <a:t>Null</a:t>
+                      </a:r>
+                      <a:endParaRPr lang="en-IN" sz="1400" dirty="0">
+                        <a:solidFill>
+                          <a:srgbClr val="000000"/>
+                        </a:solidFill>
+                        <a:effectLst/>
+                      </a:endParaRPr>
+                    </a:p>
+                  </a:txBody>
+                  <a:tcPr anchor="ctr"/>
+                </a:tc>
+                <a:tc>
+                  <a:txBody>
+                    <a:bodyPr/>
+                    <a:lstStyle/>
+                    <a:p>
+                      <a:r>
+                        <a:rPr lang="en-IN" sz="1400" dirty="0">
+                          <a:solidFill>
+                            <a:srgbClr val="000000"/>
+                          </a:solidFill>
+                          <a:effectLst/>
+                        </a:rPr>
+                        <a:t>Order Owner address 2 </a:t>
+                      </a:r>
+                      <a:endParaRPr lang="en-IN" sz="1400" dirty="0"/>
+                    </a:p>
+                  </a:txBody>
+                  <a:tcPr/>
+                </a:tc>
+                <a:extLst>
+                  <a:ext uri="{0D108BD9-81ED-4DB2-BD59-A6C34878D82A}">
+                    <a16:rowId xmlns:a16="http://schemas.microsoft.com/office/drawing/2014/main" val="4187581104"/>
+                  </a:ext>
+                </a:extLst>
+              </a:tr>
+              <a:tr h="331972">
+                <a:tc>
+                  <a:txBody>
+                    <a:bodyPr/>
+                    <a:lstStyle/>
+                    <a:p>
+                      <a:pPr algn="r"/>
+                      <a:r>
+                        <a:rPr lang="en-US" sz="1400" dirty="0"/>
+                        <a:t>7</a:t>
+                      </a:r>
+                      <a:endParaRPr lang="en-IN" sz="1400" dirty="0"/>
+                    </a:p>
+                  </a:txBody>
+                  <a:tcPr>
+                    <a:solidFill>
+                      <a:schemeClr val="accent1"/>
+                    </a:solidFill>
+                  </a:tcPr>
+                </a:tc>
+                <a:tc>
+                  <a:txBody>
+                    <a:bodyPr/>
+                    <a:lstStyle/>
+                    <a:p>
+                      <a:r>
+                        <a:rPr lang="en-US" sz="1400" dirty="0">
+                          <a:solidFill>
+                            <a:srgbClr val="000000"/>
+                          </a:solidFill>
+                          <a:effectLst/>
+                        </a:rPr>
+                        <a:t>City</a:t>
+                      </a:r>
+                      <a:endParaRPr lang="en-IN" sz="1400" dirty="0">
+                        <a:solidFill>
+                          <a:srgbClr val="000000"/>
+                        </a:solidFill>
+                        <a:effectLst/>
+                      </a:endParaRPr>
+                    </a:p>
+                  </a:txBody>
+                  <a:tcPr anchor="ctr"/>
+                </a:tc>
+                <a:tc>
+                  <a:txBody>
+                    <a:bodyPr/>
+                    <a:lstStyle/>
+                    <a:p>
+                      <a:pPr marL="0" marR="0" lvl="0" indent="0" algn="l" defTabSz="457200" rtl="0" eaLnBrk="1" fontAlgn="auto" latinLnBrk="0" hangingPunct="1">
+                        <a:lnSpc>
+                          <a:spcPct val="100000"/>
+                        </a:lnSpc>
+                        <a:spcBef>
+                          <a:spcPts val="0"/>
+                        </a:spcBef>
+                        <a:spcAft>
+                          <a:spcPts val="0"/>
+                        </a:spcAft>
+                        <a:buClrTx/>
+                        <a:buSzTx/>
+                        <a:buFontTx/>
+                        <a:buNone/>
+                        <a:tabLst/>
+                        <a:defRPr/>
+                      </a:pPr>
+                      <a:r>
+                        <a:rPr lang="en-US" sz="1400" dirty="0">
+                          <a:solidFill>
+                            <a:srgbClr val="000000"/>
+                          </a:solidFill>
+                          <a:effectLst/>
+                        </a:rPr>
+                        <a:t>V</a:t>
+                      </a:r>
+                      <a:r>
+                        <a:rPr lang="en-IN" sz="1400" dirty="0" err="1">
+                          <a:solidFill>
+                            <a:srgbClr val="000000"/>
+                          </a:solidFill>
+                          <a:effectLst/>
+                        </a:rPr>
+                        <a:t>archar</a:t>
+                      </a:r>
+                      <a:r>
+                        <a:rPr lang="en-IN" sz="1400" dirty="0">
+                          <a:solidFill>
+                            <a:srgbClr val="000000"/>
+                          </a:solidFill>
+                          <a:effectLst/>
+                        </a:rPr>
+                        <a:t> </a:t>
+                      </a:r>
+                    </a:p>
+                  </a:txBody>
+                  <a:tcPr anchor="ctr"/>
+                </a:tc>
+                <a:tc>
+                  <a:txBody>
+                    <a:bodyPr/>
+                    <a:lstStyle/>
+                    <a:p>
+                      <a:r>
+                        <a:rPr lang="en-US" sz="1400" dirty="0">
+                          <a:solidFill>
+                            <a:srgbClr val="000000"/>
+                          </a:solidFill>
+                          <a:effectLst/>
+                        </a:rPr>
+                        <a:t>111</a:t>
+                      </a:r>
+                      <a:endParaRPr lang="en-IN" sz="1400" dirty="0">
+                        <a:solidFill>
+                          <a:srgbClr val="000000"/>
+                        </a:solidFill>
+                        <a:effectLst/>
+                      </a:endParaRPr>
+                    </a:p>
+                  </a:txBody>
+                  <a:tcPr anchor="ctr"/>
+                </a:tc>
+                <a:tc>
+                  <a:txBody>
+                    <a:bodyPr/>
+                    <a:lstStyle/>
+                    <a:p>
+                      <a:pPr marL="0" marR="0" lvl="0" indent="0" algn="l" defTabSz="457200" rtl="0" eaLnBrk="1" fontAlgn="auto" latinLnBrk="0" hangingPunct="1">
+                        <a:lnSpc>
+                          <a:spcPct val="100000"/>
+                        </a:lnSpc>
+                        <a:spcBef>
+                          <a:spcPts val="0"/>
+                        </a:spcBef>
+                        <a:spcAft>
+                          <a:spcPts val="0"/>
+                        </a:spcAft>
+                        <a:buClrTx/>
+                        <a:buSzTx/>
+                        <a:buFontTx/>
+                        <a:buNone/>
+                        <a:tabLst/>
+                        <a:defRPr/>
+                      </a:pPr>
+                      <a:r>
+                        <a:rPr lang="en-IN" sz="1400" dirty="0">
+                          <a:solidFill>
+                            <a:srgbClr val="000000"/>
+                          </a:solidFill>
+                          <a:effectLst/>
+                        </a:rPr>
+                        <a:t>Not null</a:t>
+                      </a:r>
+                    </a:p>
+                  </a:txBody>
+                  <a:tcPr anchor="ctr"/>
+                </a:tc>
+                <a:tc>
+                  <a:txBody>
+                    <a:bodyPr/>
+                    <a:lstStyle/>
+                    <a:p>
+                      <a:r>
+                        <a:rPr lang="en-IN" sz="1400" dirty="0">
+                          <a:solidFill>
+                            <a:srgbClr val="000000"/>
+                          </a:solidFill>
+                          <a:effectLst/>
+                        </a:rPr>
+                        <a:t>Order Owner city</a:t>
+                      </a:r>
+                      <a:endParaRPr lang="en-IN" sz="1400" dirty="0"/>
+                    </a:p>
+                  </a:txBody>
+                  <a:tcPr/>
+                </a:tc>
+                <a:extLst>
+                  <a:ext uri="{0D108BD9-81ED-4DB2-BD59-A6C34878D82A}">
+                    <a16:rowId xmlns:a16="http://schemas.microsoft.com/office/drawing/2014/main" val="3015670545"/>
+                  </a:ext>
+                </a:extLst>
+              </a:tr>
+              <a:tr h="331972">
+                <a:tc>
+                  <a:txBody>
+                    <a:bodyPr/>
+                    <a:lstStyle/>
+                    <a:p>
+                      <a:pPr algn="r"/>
+                      <a:r>
+                        <a:rPr lang="en-US" sz="1400" dirty="0"/>
+                        <a:t>8</a:t>
+                      </a:r>
+                      <a:endParaRPr lang="en-IN" sz="1400" dirty="0"/>
+                    </a:p>
+                  </a:txBody>
+                  <a:tcPr>
+                    <a:solidFill>
+                      <a:schemeClr val="accent1"/>
+                    </a:solidFill>
+                  </a:tcPr>
+                </a:tc>
+                <a:tc>
+                  <a:txBody>
+                    <a:bodyPr/>
+                    <a:lstStyle/>
+                    <a:p>
+                      <a:r>
+                        <a:rPr lang="en-US" sz="1400" dirty="0" err="1">
+                          <a:solidFill>
+                            <a:srgbClr val="000000"/>
+                          </a:solidFill>
+                          <a:effectLst/>
+                        </a:rPr>
+                        <a:t>Zip_code</a:t>
+                      </a:r>
+                      <a:endParaRPr lang="en-IN" sz="1400" dirty="0">
+                        <a:solidFill>
+                          <a:srgbClr val="000000"/>
+                        </a:solidFill>
+                        <a:effectLst/>
+                      </a:endParaRPr>
+                    </a:p>
+                  </a:txBody>
+                  <a:tcPr anchor="ctr"/>
+                </a:tc>
+                <a:tc>
+                  <a:txBody>
+                    <a:bodyPr/>
+                    <a:lstStyle/>
+                    <a:p>
+                      <a:pPr marL="0" marR="0" lvl="0" indent="0" algn="l" defTabSz="457200" rtl="0" eaLnBrk="1" fontAlgn="auto" latinLnBrk="0" hangingPunct="1">
+                        <a:lnSpc>
+                          <a:spcPct val="100000"/>
+                        </a:lnSpc>
+                        <a:spcBef>
+                          <a:spcPts val="0"/>
+                        </a:spcBef>
+                        <a:spcAft>
+                          <a:spcPts val="0"/>
+                        </a:spcAft>
+                        <a:buClrTx/>
+                        <a:buSzTx/>
+                        <a:buFontTx/>
+                        <a:buNone/>
+                        <a:tabLst/>
+                        <a:defRPr/>
+                      </a:pPr>
+                      <a:r>
+                        <a:rPr lang="en-US" sz="1400" dirty="0">
+                          <a:solidFill>
+                            <a:srgbClr val="000000"/>
+                          </a:solidFill>
+                          <a:effectLst/>
+                        </a:rPr>
+                        <a:t>V</a:t>
+                      </a:r>
+                      <a:r>
+                        <a:rPr lang="en-IN" sz="1400" dirty="0" err="1">
+                          <a:solidFill>
+                            <a:srgbClr val="000000"/>
+                          </a:solidFill>
+                          <a:effectLst/>
+                        </a:rPr>
+                        <a:t>archar</a:t>
+                      </a:r>
+                      <a:r>
+                        <a:rPr lang="en-IN" sz="1400" dirty="0">
+                          <a:solidFill>
+                            <a:srgbClr val="000000"/>
+                          </a:solidFill>
+                          <a:effectLst/>
+                        </a:rPr>
+                        <a:t> </a:t>
+                      </a:r>
+                    </a:p>
+                  </a:txBody>
+                  <a:tcPr anchor="ctr"/>
+                </a:tc>
+                <a:tc>
+                  <a:txBody>
+                    <a:bodyPr/>
+                    <a:lstStyle/>
+                    <a:p>
+                      <a:r>
+                        <a:rPr lang="en-US" sz="1400" dirty="0">
+                          <a:solidFill>
+                            <a:srgbClr val="000000"/>
+                          </a:solidFill>
+                          <a:effectLst/>
+                        </a:rPr>
+                        <a:t>111</a:t>
+                      </a:r>
+                      <a:endParaRPr lang="en-IN" sz="1400" dirty="0">
+                        <a:solidFill>
+                          <a:srgbClr val="000000"/>
+                        </a:solidFill>
+                        <a:effectLst/>
+                      </a:endParaRPr>
+                    </a:p>
+                  </a:txBody>
+                  <a:tcPr anchor="ctr"/>
+                </a:tc>
+                <a:tc>
+                  <a:txBody>
+                    <a:bodyPr/>
+                    <a:lstStyle/>
+                    <a:p>
+                      <a:pPr marL="0" marR="0" lvl="0" indent="0" algn="l" defTabSz="457200" rtl="0" eaLnBrk="1" fontAlgn="auto" latinLnBrk="0" hangingPunct="1">
+                        <a:lnSpc>
+                          <a:spcPct val="100000"/>
+                        </a:lnSpc>
+                        <a:spcBef>
+                          <a:spcPts val="0"/>
+                        </a:spcBef>
+                        <a:spcAft>
+                          <a:spcPts val="0"/>
+                        </a:spcAft>
+                        <a:buClrTx/>
+                        <a:buSzTx/>
+                        <a:buFontTx/>
+                        <a:buNone/>
+                        <a:tabLst/>
+                        <a:defRPr/>
+                      </a:pPr>
+                      <a:r>
+                        <a:rPr lang="en-IN" sz="1400" dirty="0">
+                          <a:solidFill>
+                            <a:srgbClr val="000000"/>
+                          </a:solidFill>
+                          <a:effectLst/>
+                        </a:rPr>
+                        <a:t>Not null</a:t>
+                      </a:r>
+                    </a:p>
+                  </a:txBody>
+                  <a:tcPr anchor="ctr"/>
+                </a:tc>
+                <a:tc>
+                  <a:txBody>
+                    <a:bodyPr/>
+                    <a:lstStyle/>
+                    <a:p>
+                      <a:r>
+                        <a:rPr lang="en-IN" sz="1400" dirty="0">
+                          <a:solidFill>
+                            <a:srgbClr val="000000"/>
+                          </a:solidFill>
+                          <a:effectLst/>
+                        </a:rPr>
+                        <a:t>Order Owner </a:t>
+                      </a:r>
+                      <a:r>
+                        <a:rPr lang="en-IN" sz="1400" dirty="0" err="1">
+                          <a:solidFill>
+                            <a:srgbClr val="000000"/>
+                          </a:solidFill>
+                          <a:effectLst/>
+                        </a:rPr>
+                        <a:t>zip_code</a:t>
+                      </a:r>
+                      <a:endParaRPr lang="en-IN" sz="1400" dirty="0"/>
+                    </a:p>
+                  </a:txBody>
+                  <a:tcPr/>
+                </a:tc>
+                <a:extLst>
+                  <a:ext uri="{0D108BD9-81ED-4DB2-BD59-A6C34878D82A}">
+                    <a16:rowId xmlns:a16="http://schemas.microsoft.com/office/drawing/2014/main" val="1332503259"/>
+                  </a:ext>
+                </a:extLst>
+              </a:tr>
+              <a:tr h="331972">
+                <a:tc>
+                  <a:txBody>
+                    <a:bodyPr/>
+                    <a:lstStyle/>
+                    <a:p>
+                      <a:pPr algn="r"/>
+                      <a:r>
+                        <a:rPr lang="en-US" sz="1400" dirty="0"/>
+                        <a:t>9</a:t>
+                      </a:r>
+                      <a:endParaRPr lang="en-IN" sz="1400" dirty="0"/>
+                    </a:p>
+                  </a:txBody>
+                  <a:tcPr>
+                    <a:solidFill>
+                      <a:schemeClr val="accent1"/>
+                    </a:solidFill>
+                  </a:tcPr>
+                </a:tc>
+                <a:tc>
+                  <a:txBody>
+                    <a:bodyPr/>
+                    <a:lstStyle/>
+                    <a:p>
+                      <a:r>
+                        <a:rPr lang="en-US" sz="1400" dirty="0">
+                          <a:solidFill>
+                            <a:srgbClr val="000000"/>
+                          </a:solidFill>
+                          <a:effectLst/>
+                        </a:rPr>
+                        <a:t>Phone</a:t>
+                      </a:r>
+                      <a:endParaRPr lang="en-IN" sz="1400" dirty="0">
+                        <a:solidFill>
+                          <a:srgbClr val="000000"/>
+                        </a:solidFill>
+                        <a:effectLst/>
+                      </a:endParaRPr>
+                    </a:p>
+                  </a:txBody>
+                  <a:tcPr anchor="ctr"/>
+                </a:tc>
+                <a:tc>
+                  <a:txBody>
+                    <a:bodyPr/>
+                    <a:lstStyle/>
+                    <a:p>
+                      <a:pPr marL="0" marR="0" lvl="0" indent="0" algn="l" defTabSz="457200" rtl="0" eaLnBrk="1" fontAlgn="auto" latinLnBrk="0" hangingPunct="1">
+                        <a:lnSpc>
+                          <a:spcPct val="100000"/>
+                        </a:lnSpc>
+                        <a:spcBef>
+                          <a:spcPts val="0"/>
+                        </a:spcBef>
+                        <a:spcAft>
+                          <a:spcPts val="0"/>
+                        </a:spcAft>
+                        <a:buClrTx/>
+                        <a:buSzTx/>
+                        <a:buFontTx/>
+                        <a:buNone/>
+                        <a:tabLst/>
+                        <a:defRPr/>
+                      </a:pPr>
+                      <a:r>
+                        <a:rPr lang="en-US" sz="1400" dirty="0">
+                          <a:solidFill>
+                            <a:srgbClr val="000000"/>
+                          </a:solidFill>
+                          <a:effectLst/>
+                        </a:rPr>
+                        <a:t>V</a:t>
+                      </a:r>
+                      <a:r>
+                        <a:rPr lang="en-IN" sz="1400" dirty="0" err="1">
+                          <a:solidFill>
+                            <a:srgbClr val="000000"/>
+                          </a:solidFill>
+                          <a:effectLst/>
+                        </a:rPr>
+                        <a:t>archar</a:t>
+                      </a:r>
+                      <a:r>
+                        <a:rPr lang="en-IN" sz="1400" dirty="0">
+                          <a:solidFill>
+                            <a:srgbClr val="000000"/>
+                          </a:solidFill>
+                          <a:effectLst/>
+                        </a:rPr>
+                        <a:t> </a:t>
+                      </a:r>
+                    </a:p>
+                  </a:txBody>
+                  <a:tcPr anchor="ctr"/>
+                </a:tc>
+                <a:tc>
+                  <a:txBody>
+                    <a:bodyPr/>
+                    <a:lstStyle/>
+                    <a:p>
+                      <a:r>
+                        <a:rPr lang="en-US" sz="1400" dirty="0">
+                          <a:solidFill>
+                            <a:srgbClr val="000000"/>
+                          </a:solidFill>
+                          <a:effectLst/>
+                        </a:rPr>
+                        <a:t>111</a:t>
+                      </a:r>
+                      <a:endParaRPr lang="en-IN" sz="1400" dirty="0">
+                        <a:solidFill>
+                          <a:srgbClr val="000000"/>
+                        </a:solidFill>
+                        <a:effectLst/>
+                      </a:endParaRPr>
+                    </a:p>
+                  </a:txBody>
+                  <a:tcPr anchor="ctr"/>
+                </a:tc>
+                <a:tc>
+                  <a:txBody>
+                    <a:bodyPr/>
+                    <a:lstStyle/>
+                    <a:p>
+                      <a:pPr marL="0" marR="0" lvl="0" indent="0" algn="l" defTabSz="457200" rtl="0" eaLnBrk="1" fontAlgn="auto" latinLnBrk="0" hangingPunct="1">
+                        <a:lnSpc>
+                          <a:spcPct val="100000"/>
+                        </a:lnSpc>
+                        <a:spcBef>
+                          <a:spcPts val="0"/>
+                        </a:spcBef>
+                        <a:spcAft>
+                          <a:spcPts val="0"/>
+                        </a:spcAft>
+                        <a:buClrTx/>
+                        <a:buSzTx/>
+                        <a:buFontTx/>
+                        <a:buNone/>
+                        <a:tabLst/>
+                        <a:defRPr/>
+                      </a:pPr>
+                      <a:r>
+                        <a:rPr lang="en-IN" sz="1400" dirty="0">
+                          <a:solidFill>
+                            <a:srgbClr val="000000"/>
+                          </a:solidFill>
+                          <a:effectLst/>
+                        </a:rPr>
+                        <a:t>Not null</a:t>
+                      </a:r>
+                    </a:p>
+                  </a:txBody>
+                  <a:tcPr anchor="ctr"/>
+                </a:tc>
+                <a:tc>
+                  <a:txBody>
+                    <a:bodyPr/>
+                    <a:lstStyle/>
+                    <a:p>
+                      <a:r>
+                        <a:rPr lang="en-IN" sz="1400" dirty="0">
+                          <a:solidFill>
+                            <a:srgbClr val="000000"/>
+                          </a:solidFill>
+                          <a:effectLst/>
+                        </a:rPr>
+                        <a:t>Order Owner contact number</a:t>
+                      </a:r>
+                      <a:endParaRPr lang="en-IN" sz="1400" dirty="0"/>
+                    </a:p>
+                  </a:txBody>
+                  <a:tcPr/>
+                </a:tc>
+                <a:extLst>
+                  <a:ext uri="{0D108BD9-81ED-4DB2-BD59-A6C34878D82A}">
+                    <a16:rowId xmlns:a16="http://schemas.microsoft.com/office/drawing/2014/main" val="4148407713"/>
+                  </a:ext>
+                </a:extLst>
+              </a:tr>
+              <a:tr h="331972">
+                <a:tc>
+                  <a:txBody>
+                    <a:bodyPr/>
+                    <a:lstStyle/>
+                    <a:p>
+                      <a:pPr algn="r"/>
+                      <a:r>
+                        <a:rPr lang="en-US" sz="1400" dirty="0"/>
+                        <a:t>10</a:t>
+                      </a:r>
+                      <a:endParaRPr lang="en-IN" sz="1400" dirty="0"/>
+                    </a:p>
+                  </a:txBody>
+                  <a:tcPr>
+                    <a:solidFill>
+                      <a:schemeClr val="accent1"/>
+                    </a:solidFill>
+                  </a:tcPr>
+                </a:tc>
+                <a:tc>
+                  <a:txBody>
+                    <a:bodyPr/>
+                    <a:lstStyle/>
+                    <a:p>
+                      <a:r>
+                        <a:rPr lang="en-US" sz="1400" dirty="0">
+                          <a:solidFill>
+                            <a:srgbClr val="000000"/>
+                          </a:solidFill>
+                          <a:effectLst/>
+                        </a:rPr>
+                        <a:t>email</a:t>
+                      </a:r>
+                      <a:endParaRPr lang="en-IN" sz="1400" dirty="0">
+                        <a:solidFill>
+                          <a:srgbClr val="000000"/>
+                        </a:solidFill>
+                        <a:effectLst/>
+                      </a:endParaRPr>
+                    </a:p>
+                  </a:txBody>
+                  <a:tcPr anchor="ctr"/>
+                </a:tc>
+                <a:tc>
+                  <a:txBody>
+                    <a:bodyPr/>
+                    <a:lstStyle/>
+                    <a:p>
+                      <a:pPr marL="0" marR="0" lvl="0" indent="0" algn="l" defTabSz="457200" rtl="0" eaLnBrk="1" fontAlgn="auto" latinLnBrk="0" hangingPunct="1">
+                        <a:lnSpc>
+                          <a:spcPct val="100000"/>
+                        </a:lnSpc>
+                        <a:spcBef>
+                          <a:spcPts val="0"/>
+                        </a:spcBef>
+                        <a:spcAft>
+                          <a:spcPts val="0"/>
+                        </a:spcAft>
+                        <a:buClrTx/>
+                        <a:buSzTx/>
+                        <a:buFontTx/>
+                        <a:buNone/>
+                        <a:tabLst/>
+                        <a:defRPr/>
+                      </a:pPr>
+                      <a:r>
+                        <a:rPr lang="en-US" sz="1400" dirty="0">
+                          <a:solidFill>
+                            <a:srgbClr val="000000"/>
+                          </a:solidFill>
+                          <a:effectLst/>
+                        </a:rPr>
+                        <a:t>V</a:t>
+                      </a:r>
+                      <a:r>
+                        <a:rPr lang="en-IN" sz="1400" dirty="0" err="1">
+                          <a:solidFill>
+                            <a:srgbClr val="000000"/>
+                          </a:solidFill>
+                          <a:effectLst/>
+                        </a:rPr>
+                        <a:t>archar</a:t>
+                      </a:r>
+                      <a:r>
+                        <a:rPr lang="en-IN" sz="1400" dirty="0">
+                          <a:solidFill>
+                            <a:srgbClr val="000000"/>
+                          </a:solidFill>
+                          <a:effectLst/>
+                        </a:rPr>
+                        <a:t> </a:t>
+                      </a:r>
+                    </a:p>
+                  </a:txBody>
+                  <a:tcPr anchor="ctr"/>
+                </a:tc>
+                <a:tc>
+                  <a:txBody>
+                    <a:bodyPr/>
+                    <a:lstStyle/>
+                    <a:p>
+                      <a:r>
+                        <a:rPr lang="en-US" sz="1400" dirty="0">
+                          <a:solidFill>
+                            <a:srgbClr val="000000"/>
+                          </a:solidFill>
+                          <a:effectLst/>
+                        </a:rPr>
+                        <a:t>111</a:t>
+                      </a:r>
+                      <a:endParaRPr lang="en-IN" sz="1400" dirty="0">
+                        <a:solidFill>
+                          <a:srgbClr val="000000"/>
+                        </a:solidFill>
+                        <a:effectLst/>
+                      </a:endParaRPr>
+                    </a:p>
+                  </a:txBody>
+                  <a:tcPr anchor="ctr"/>
+                </a:tc>
+                <a:tc>
+                  <a:txBody>
+                    <a:bodyPr/>
+                    <a:lstStyle/>
+                    <a:p>
+                      <a:pPr marL="0" marR="0" lvl="0" indent="0" algn="l" defTabSz="457200" rtl="0" eaLnBrk="1" fontAlgn="auto" latinLnBrk="0" hangingPunct="1">
+                        <a:lnSpc>
+                          <a:spcPct val="100000"/>
+                        </a:lnSpc>
+                        <a:spcBef>
+                          <a:spcPts val="0"/>
+                        </a:spcBef>
+                        <a:spcAft>
+                          <a:spcPts val="0"/>
+                        </a:spcAft>
+                        <a:buClrTx/>
+                        <a:buSzTx/>
+                        <a:buFontTx/>
+                        <a:buNone/>
+                        <a:tabLst/>
+                        <a:defRPr/>
+                      </a:pPr>
+                      <a:r>
+                        <a:rPr lang="en-IN" sz="1400" dirty="0">
+                          <a:solidFill>
+                            <a:srgbClr val="000000"/>
+                          </a:solidFill>
+                          <a:effectLst/>
+                        </a:rPr>
+                        <a:t>Not null</a:t>
+                      </a:r>
+                    </a:p>
+                  </a:txBody>
+                  <a:tcPr anchor="ctr"/>
+                </a:tc>
+                <a:tc>
+                  <a:txBody>
+                    <a:bodyPr/>
+                    <a:lstStyle/>
+                    <a:p>
+                      <a:r>
+                        <a:rPr lang="en-IN" sz="1400" dirty="0">
+                          <a:solidFill>
+                            <a:srgbClr val="000000"/>
+                          </a:solidFill>
+                          <a:effectLst/>
+                        </a:rPr>
+                        <a:t>Order Owner email</a:t>
+                      </a:r>
+                      <a:endParaRPr lang="en-IN" sz="1400" dirty="0"/>
+                    </a:p>
+                  </a:txBody>
+                  <a:tcPr/>
+                </a:tc>
+                <a:extLst>
+                  <a:ext uri="{0D108BD9-81ED-4DB2-BD59-A6C34878D82A}">
+                    <a16:rowId xmlns:a16="http://schemas.microsoft.com/office/drawing/2014/main" val="3814026132"/>
+                  </a:ext>
+                </a:extLst>
+              </a:tr>
+              <a:tr h="331972">
+                <a:tc>
+                  <a:txBody>
+                    <a:bodyPr/>
+                    <a:lstStyle/>
+                    <a:p>
+                      <a:pPr algn="r"/>
+                      <a:r>
+                        <a:rPr lang="en-US" sz="1400" dirty="0"/>
+                        <a:t>11</a:t>
+                      </a:r>
+                      <a:endParaRPr lang="en-IN" sz="1400" dirty="0"/>
+                    </a:p>
+                  </a:txBody>
+                  <a:tcPr>
+                    <a:solidFill>
+                      <a:schemeClr val="accent1"/>
+                    </a:solidFill>
+                  </a:tcPr>
+                </a:tc>
+                <a:tc>
+                  <a:txBody>
+                    <a:bodyPr/>
+                    <a:lstStyle/>
+                    <a:p>
+                      <a:r>
+                        <a:rPr lang="en-IN" sz="1400" b="0" i="0" kern="1200" dirty="0">
+                          <a:solidFill>
+                            <a:schemeClr val="dk1"/>
+                          </a:solidFill>
+                          <a:effectLst/>
+                          <a:latin typeface="+mn-lt"/>
+                          <a:ea typeface="+mn-ea"/>
+                          <a:cs typeface="+mn-cs"/>
+                        </a:rPr>
+                        <a:t>amount</a:t>
+                      </a:r>
+                      <a:endParaRPr lang="en-IN" sz="1100" b="0" dirty="0">
+                        <a:solidFill>
+                          <a:srgbClr val="000000"/>
+                        </a:solidFill>
+                        <a:effectLst/>
+                      </a:endParaRPr>
+                    </a:p>
+                  </a:txBody>
+                  <a:tcPr anchor="ctr"/>
+                </a:tc>
+                <a:tc>
+                  <a:txBody>
+                    <a:bodyPr/>
+                    <a:lstStyle/>
+                    <a:p>
+                      <a:pPr rtl="0"/>
+                      <a:r>
+                        <a:rPr lang="en-US" sz="1400" dirty="0">
+                          <a:solidFill>
+                            <a:srgbClr val="000000"/>
+                          </a:solidFill>
+                          <a:effectLst/>
+                        </a:rPr>
+                        <a:t>int</a:t>
+                      </a:r>
+                      <a:endParaRPr lang="en-IN" sz="1400" dirty="0">
+                        <a:solidFill>
+                          <a:srgbClr val="000000"/>
+                        </a:solidFill>
+                        <a:effectLst/>
+                      </a:endParaRPr>
+                    </a:p>
+                  </a:txBody>
+                  <a:tcPr anchor="ctr"/>
+                </a:tc>
+                <a:tc>
+                  <a:txBody>
+                    <a:bodyPr/>
+                    <a:lstStyle/>
+                    <a:p>
+                      <a:r>
+                        <a:rPr lang="en-US" sz="1400" dirty="0">
+                          <a:solidFill>
+                            <a:srgbClr val="000000"/>
+                          </a:solidFill>
+                          <a:effectLst/>
+                        </a:rPr>
+                        <a:t>10</a:t>
+                      </a:r>
+                      <a:endParaRPr lang="en-IN" sz="1400" dirty="0">
+                        <a:solidFill>
+                          <a:srgbClr val="000000"/>
+                        </a:solidFill>
+                        <a:effectLst/>
+                      </a:endParaRPr>
+                    </a:p>
+                  </a:txBody>
+                  <a:tcPr anchor="ctr"/>
+                </a:tc>
+                <a:tc>
+                  <a:txBody>
+                    <a:bodyPr/>
+                    <a:lstStyle/>
+                    <a:p>
+                      <a:pPr marL="0" marR="0" lvl="0" indent="0" algn="l" defTabSz="457200" rtl="0" eaLnBrk="1" fontAlgn="auto" latinLnBrk="0" hangingPunct="1">
+                        <a:lnSpc>
+                          <a:spcPct val="100000"/>
+                        </a:lnSpc>
+                        <a:spcBef>
+                          <a:spcPts val="0"/>
+                        </a:spcBef>
+                        <a:spcAft>
+                          <a:spcPts val="0"/>
+                        </a:spcAft>
+                        <a:buClrTx/>
+                        <a:buSzTx/>
+                        <a:buFontTx/>
+                        <a:buNone/>
+                        <a:tabLst/>
+                        <a:defRPr/>
+                      </a:pPr>
+                      <a:r>
+                        <a:rPr lang="en-IN" sz="1400" dirty="0">
+                          <a:solidFill>
+                            <a:srgbClr val="000000"/>
+                          </a:solidFill>
+                          <a:effectLst/>
+                        </a:rPr>
+                        <a:t>Not null</a:t>
+                      </a:r>
+                    </a:p>
+                  </a:txBody>
+                  <a:tcPr anchor="ctr"/>
+                </a:tc>
+                <a:tc>
+                  <a:txBody>
+                    <a:bodyPr/>
+                    <a:lstStyle/>
+                    <a:p>
+                      <a:r>
+                        <a:rPr lang="en-US" sz="1400" dirty="0">
+                          <a:solidFill>
+                            <a:srgbClr val="000000"/>
+                          </a:solidFill>
+                          <a:effectLst/>
+                        </a:rPr>
+                        <a:t>T</a:t>
+                      </a:r>
+                      <a:r>
+                        <a:rPr lang="en-IN" sz="1400" dirty="0" err="1">
+                          <a:solidFill>
+                            <a:srgbClr val="000000"/>
+                          </a:solidFill>
+                          <a:effectLst/>
+                        </a:rPr>
+                        <a:t>otle</a:t>
+                      </a:r>
+                      <a:r>
+                        <a:rPr lang="en-IN" sz="1400" dirty="0">
+                          <a:solidFill>
+                            <a:srgbClr val="000000"/>
+                          </a:solidFill>
+                          <a:effectLst/>
+                        </a:rPr>
+                        <a:t> order amount</a:t>
+                      </a:r>
+                      <a:endParaRPr lang="en-IN" sz="1400" dirty="0"/>
+                    </a:p>
+                  </a:txBody>
+                  <a:tcPr/>
+                </a:tc>
+                <a:extLst>
+                  <a:ext uri="{0D108BD9-81ED-4DB2-BD59-A6C34878D82A}">
+                    <a16:rowId xmlns:a16="http://schemas.microsoft.com/office/drawing/2014/main" val="2438763295"/>
                   </a:ext>
                 </a:extLst>
               </a:tr>
@@ -14161,7 +15317,7 @@
         </p:nvSpPr>
         <p:spPr>
           <a:xfrm>
-            <a:off x="515000" y="866409"/>
+            <a:off x="565687" y="757882"/>
             <a:ext cx="8559430" cy="954107"/>
           </a:xfrm>
           <a:prstGeom prst="rect">
@@ -14177,18 +15333,13 @@
           <a:p>
             <a:r>
               <a:rPr lang="en-US" sz="1400" dirty="0"/>
-              <a:t>Table name</a:t>
-            </a:r>
-            <a:r>
-              <a:rPr lang="en-US" sz="1400"/>
-              <a:t>: order</a:t>
-            </a:r>
-            <a:endParaRPr lang="en-US" sz="1400" dirty="0"/>
+              <a:t>Table name: order</a:t>
+            </a:r>
           </a:p>
           <a:p>
             <a:r>
               <a:rPr lang="en-US" sz="1400" dirty="0"/>
-              <a:t>Description:  this is cart table .it’s a use to store total cart item price </a:t>
+              <a:t>Description:  this is order table .it’s a use to store order information </a:t>
             </a:r>
           </a:p>
           <a:p>
@@ -14690,7 +15841,7 @@
         </p:nvSpPr>
         <p:spPr>
           <a:xfrm>
-            <a:off x="6795526" y="2443293"/>
+            <a:off x="6808665" y="2443115"/>
             <a:ext cx="267884" cy="376149"/>
           </a:xfrm>
           <a:prstGeom prst="rect">
@@ -14899,7 +16050,7 @@
           <a:p>
             <a:r>
               <a:rPr lang="en-IN" dirty="0"/>
-              <a:t>m</a:t>
+              <a:t>1</a:t>
             </a:r>
           </a:p>
         </p:txBody>
@@ -15759,7 +16910,7 @@
         </p:nvSpPr>
         <p:spPr>
           <a:xfrm>
-            <a:off x="3809866" y="1697756"/>
+            <a:off x="3802111" y="4325726"/>
             <a:ext cx="1553898" cy="437185"/>
           </a:xfrm>
           <a:prstGeom prst="rect">
@@ -15833,7 +16984,7 @@
         </p:nvCxnSpPr>
         <p:spPr>
           <a:xfrm flipV="1">
-            <a:off x="2588935" y="1292286"/>
+            <a:off x="2608195" y="1263840"/>
             <a:ext cx="0" cy="1243908"/>
           </a:xfrm>
           <a:prstGeom prst="line">
@@ -15871,7 +17022,7 @@
         </p:nvCxnSpPr>
         <p:spPr>
           <a:xfrm>
-            <a:off x="2608195" y="1292286"/>
+            <a:off x="2608195" y="1242753"/>
             <a:ext cx="1201671" cy="0"/>
           </a:xfrm>
           <a:prstGeom prst="line">
@@ -15907,7 +17058,7 @@
         </p:nvSpPr>
         <p:spPr>
           <a:xfrm>
-            <a:off x="2292008" y="2210348"/>
+            <a:off x="2292459" y="2145194"/>
             <a:ext cx="301431" cy="369332"/>
           </a:xfrm>
           <a:prstGeom prst="rect">
@@ -15977,7 +17128,7 @@
         </p:nvSpPr>
         <p:spPr>
           <a:xfrm rot="16200000">
-            <a:off x="2327850" y="1082759"/>
+            <a:off x="2485095" y="1013031"/>
             <a:ext cx="1111550" cy="437185"/>
           </a:xfrm>
           <a:prstGeom prst="diamond">
@@ -16063,9 +17214,9 @@
           <p:nvPr/>
         </p:nvSpPr>
         <p:spPr>
-          <a:xfrm rot="5400000">
-            <a:off x="6813085" y="4165089"/>
-            <a:ext cx="2055580" cy="640107"/>
+          <a:xfrm>
+            <a:off x="7035375" y="4012415"/>
+            <a:ext cx="1637846" cy="545475"/>
           </a:xfrm>
           <a:prstGeom prst="flowChartDecision">
             <a:avLst/>
@@ -16093,8 +17244,12 @@
           <a:p>
             <a:pPr algn="ctr"/>
             <a:r>
+              <a:rPr lang="en-IN" sz="1400" dirty="0"/>
+              <a:t>Confirm</a:t>
+            </a:r>
+            <a:r>
               <a:rPr lang="en-IN" dirty="0"/>
-              <a:t>Confirm to</a:t>
+              <a:t> </a:t>
             </a:r>
           </a:p>
         </p:txBody>
@@ -16139,95 +17294,6 @@
           </a:fontRef>
         </p:style>
       </p:cxnSp>
-      <p:cxnSp>
-        <p:nvCxnSpPr>
-          <p:cNvPr id="82" name="Straight Connector 81">
-            <a:extLst>
-              <a:ext uri="{FF2B5EF4-FFF2-40B4-BE49-F238E27FC236}">
-                <a16:creationId xmlns:a16="http://schemas.microsoft.com/office/drawing/2014/main" id="{799AE28B-6ADF-4587-B18D-0753C4D47992}"/>
-              </a:ext>
-            </a:extLst>
-          </p:cNvPr>
-          <p:cNvCxnSpPr>
-            <a:cxnSpLocks/>
-            <a:stCxn id="32" idx="1"/>
-            <a:endCxn id="70" idx="1"/>
-          </p:cNvCxnSpPr>
-          <p:nvPr/>
-        </p:nvCxnSpPr>
-        <p:spPr>
-          <a:xfrm flipH="1">
-            <a:off x="2631184" y="1916349"/>
-            <a:ext cx="1178682" cy="663717"/>
-          </a:xfrm>
-          <a:prstGeom prst="line">
-            <a:avLst/>
-          </a:prstGeom>
-        </p:spPr>
-        <p:style>
-          <a:lnRef idx="1">
-            <a:schemeClr val="dk1"/>
-          </a:lnRef>
-          <a:fillRef idx="0">
-            <a:schemeClr val="dk1"/>
-          </a:fillRef>
-          <a:effectRef idx="0">
-            <a:schemeClr val="dk1"/>
-          </a:effectRef>
-          <a:fontRef idx="minor">
-            <a:schemeClr val="tx1"/>
-          </a:fontRef>
-        </p:style>
-      </p:cxnSp>
-      <p:sp>
-        <p:nvSpPr>
-          <p:cNvPr id="87" name="Diamond 86">
-            <a:extLst>
-              <a:ext uri="{FF2B5EF4-FFF2-40B4-BE49-F238E27FC236}">
-                <a16:creationId xmlns:a16="http://schemas.microsoft.com/office/drawing/2014/main" id="{1DB69A6F-20FE-42B9-A5C5-E1E06384D0DD}"/>
-              </a:ext>
-            </a:extLst>
-          </p:cNvPr>
-          <p:cNvSpPr/>
-          <p:nvPr/>
-        </p:nvSpPr>
-        <p:spPr>
-          <a:xfrm rot="14512018">
-            <a:off x="2830922" y="1952854"/>
-            <a:ext cx="1111550" cy="437185"/>
-          </a:xfrm>
-          <a:prstGeom prst="diamond">
-            <a:avLst/>
-          </a:prstGeom>
-        </p:spPr>
-        <p:style>
-          <a:lnRef idx="2">
-            <a:schemeClr val="accent1">
-              <a:shade val="50000"/>
-            </a:schemeClr>
-          </a:lnRef>
-          <a:fillRef idx="1">
-            <a:schemeClr val="accent1"/>
-          </a:fillRef>
-          <a:effectRef idx="0">
-            <a:schemeClr val="accent1"/>
-          </a:effectRef>
-          <a:fontRef idx="minor">
-            <a:schemeClr val="lt1"/>
-          </a:fontRef>
-        </p:style>
-        <p:txBody>
-          <a:bodyPr rtlCol="0" anchor="ctr"/>
-          <a:lstStyle/>
-          <a:p>
-            <a:pPr algn="ctr"/>
-            <a:r>
-              <a:rPr lang="en-IN" dirty="0"/>
-              <a:t>has</a:t>
-            </a:r>
-          </a:p>
-        </p:txBody>
-      </p:sp>
       <p:grpSp>
         <p:nvGrpSpPr>
           <p:cNvPr id="88" name="Group 87">
@@ -16957,7 +18023,7 @@
         </p:nvGrpSpPr>
         <p:grpSpPr>
           <a:xfrm>
-            <a:off x="5433449" y="2152561"/>
+            <a:off x="5465266" y="5023314"/>
             <a:ext cx="845352" cy="583095"/>
             <a:chOff x="3672846" y="508776"/>
             <a:chExt cx="935228" cy="637217"/>
@@ -17104,7 +18170,7 @@
         </p:nvGrpSpPr>
         <p:grpSpPr>
           <a:xfrm>
-            <a:off x="5309650" y="689113"/>
+            <a:off x="5618956" y="637377"/>
             <a:ext cx="845352" cy="583095"/>
             <a:chOff x="3672846" y="508776"/>
             <a:chExt cx="935228" cy="637217"/>
@@ -17223,9 +18289,10 @@
                 <a:buNone/>
               </a:pPr>
               <a:r>
-                <a:rPr lang="en-IN" sz="1100" kern="1200" dirty="0"/>
-                <a:t>title</a:t>
+                <a:rPr lang="en-IN" sz="1100" dirty="0" err="1"/>
+                <a:t>Category_id</a:t>
               </a:r>
+              <a:endParaRPr lang="en-IN" sz="1100" kern="1200" dirty="0"/>
             </a:p>
           </p:txBody>
         </p:sp>
@@ -17240,15 +18307,14 @@
             </a:extLst>
           </p:cNvPr>
           <p:cNvCxnSpPr>
-            <a:stCxn id="112" idx="3"/>
-            <a:endCxn id="31" idx="3"/>
+            <a:cxnSpLocks/>
           </p:cNvCxnSpPr>
           <p:nvPr/>
         </p:nvCxnSpPr>
         <p:spPr>
           <a:xfrm flipH="1">
-            <a:off x="5267603" y="1186816"/>
-            <a:ext cx="165846" cy="55938"/>
+            <a:off x="5267603" y="739607"/>
+            <a:ext cx="475152" cy="279583"/>
           </a:xfrm>
           <a:prstGeom prst="line">
             <a:avLst/>
@@ -17279,14 +18345,14 @@
             </a:extLst>
           </p:cNvPr>
           <p:cNvCxnSpPr>
-            <a:stCxn id="109" idx="1"/>
+            <a:cxnSpLocks/>
           </p:cNvCxnSpPr>
           <p:nvPr/>
         </p:nvCxnSpPr>
         <p:spPr>
           <a:xfrm flipH="1" flipV="1">
-            <a:off x="5363764" y="2044753"/>
-            <a:ext cx="193484" cy="193200"/>
+            <a:off x="5373013" y="4775561"/>
+            <a:ext cx="317283" cy="302938"/>
           </a:xfrm>
           <a:prstGeom prst="line">
             <a:avLst/>
@@ -17441,7 +18507,7 @@
               </a:pPr>
               <a:r>
                 <a:rPr lang="en-IN" sz="1100" kern="1200" dirty="0" err="1"/>
-                <a:t>Line_totle</a:t>
+                <a:t>Paymentstatus</a:t>
               </a:r>
               <a:endParaRPr lang="en-IN" sz="1100" kern="1200" dirty="0"/>
             </a:p>
@@ -17721,8 +18787,12 @@
                 <a:buNone/>
               </a:pPr>
               <a:r>
+                <a:rPr lang="en-IN" sz="1100" dirty="0" err="1"/>
+                <a:t>owner</a:t>
+              </a:r>
+              <a:r>
                 <a:rPr lang="en-IN" sz="1100" kern="1200" dirty="0" err="1"/>
-                <a:t>Cart_id</a:t>
+                <a:t>_id</a:t>
               </a:r>
               <a:endParaRPr lang="en-IN" sz="1100" kern="1200" dirty="0"/>
             </a:p>
@@ -18336,9 +19406,10 @@
                 <a:buNone/>
               </a:pPr>
               <a:r>
-                <a:rPr lang="en-IN" sz="1100" kern="1200" dirty="0"/>
-                <a:t>id</a:t>
+                <a:rPr lang="en-IN" sz="1100" kern="1200" dirty="0" err="1"/>
+                <a:t>Order_id</a:t>
               </a:r>
+              <a:endParaRPr lang="en-IN" sz="1100" kern="1200" dirty="0"/>
             </a:p>
           </p:txBody>
         </p:sp>
@@ -18477,7 +19548,7 @@
               </a:pPr>
               <a:r>
                 <a:rPr lang="en-IN" sz="1100" dirty="0"/>
-                <a:t>owner</a:t>
+                <a:t>amount</a:t>
               </a:r>
               <a:endParaRPr lang="en-IN" sz="1100" kern="1200" dirty="0"/>
             </a:p>
@@ -18574,7 +19645,7 @@
         </p:nvGrpSpPr>
         <p:grpSpPr>
           <a:xfrm>
-            <a:off x="8823239" y="5482906"/>
+            <a:off x="8915410" y="5538754"/>
             <a:ext cx="845352" cy="583095"/>
             <a:chOff x="3672846" y="508776"/>
             <a:chExt cx="935228" cy="637217"/>
@@ -18693,8 +19764,8 @@
                 <a:buNone/>
               </a:pPr>
               <a:r>
-                <a:rPr lang="en-IN" sz="1100" kern="1200" dirty="0" err="1"/>
-                <a:t>Cart_id</a:t>
+                <a:rPr lang="en-IN" sz="1100" dirty="0"/>
+                <a:t>address</a:t>
               </a:r>
               <a:endParaRPr lang="en-IN" sz="1100" kern="1200" dirty="0"/>
             </a:p>
@@ -18717,7 +19788,7 @@
         </p:nvCxnSpPr>
         <p:spPr>
           <a:xfrm flipH="1">
-            <a:off x="8579624" y="5980609"/>
+            <a:off x="8671795" y="6036457"/>
             <a:ext cx="367414" cy="133223"/>
           </a:xfrm>
           <a:prstGeom prst="line">
@@ -18739,6 +19810,492 @@
           </a:fontRef>
         </p:style>
       </p:cxnSp>
+      <p:sp>
+        <p:nvSpPr>
+          <p:cNvPr id="4" name="TextBox 3">
+            <a:extLst>
+              <a:ext uri="{FF2B5EF4-FFF2-40B4-BE49-F238E27FC236}">
+                <a16:creationId xmlns:a16="http://schemas.microsoft.com/office/drawing/2014/main" id="{6DBB37E1-256D-4062-9499-DC3A9EB72BF2}"/>
+              </a:ext>
+            </a:extLst>
+          </p:cNvPr>
+          <p:cNvSpPr txBox="1"/>
+          <p:nvPr/>
+        </p:nvSpPr>
+        <p:spPr>
+          <a:xfrm>
+            <a:off x="3434173" y="3998372"/>
+            <a:ext cx="267884" cy="376149"/>
+          </a:xfrm>
+          <a:prstGeom prst="rect">
+            <a:avLst/>
+          </a:prstGeom>
+          <a:noFill/>
+        </p:spPr>
+        <p:txBody>
+          <a:bodyPr wrap="square" rtlCol="0">
+            <a:spAutoFit/>
+          </a:bodyPr>
+          <a:lstStyle/>
+          <a:p>
+            <a:r>
+              <a:rPr lang="en-IN" dirty="0"/>
+              <a:t>1</a:t>
+            </a:r>
+          </a:p>
+        </p:txBody>
+      </p:sp>
+      <p:cxnSp>
+        <p:nvCxnSpPr>
+          <p:cNvPr id="5" name="Connector: Elbow 4">
+            <a:extLst>
+              <a:ext uri="{FF2B5EF4-FFF2-40B4-BE49-F238E27FC236}">
+                <a16:creationId xmlns:a16="http://schemas.microsoft.com/office/drawing/2014/main" id="{B83938D6-68DC-44A3-BBCB-342AE26B614F}"/>
+              </a:ext>
+            </a:extLst>
+          </p:cNvPr>
+          <p:cNvCxnSpPr>
+            <a:cxnSpLocks/>
+          </p:cNvCxnSpPr>
+          <p:nvPr/>
+        </p:nvCxnSpPr>
+        <p:spPr>
+          <a:xfrm rot="16200000" flipH="1">
+            <a:off x="2427531" y="3175646"/>
+            <a:ext cx="1571199" cy="1193472"/>
+          </a:xfrm>
+          <a:prstGeom prst="bentConnector2">
+            <a:avLst/>
+          </a:prstGeom>
+        </p:spPr>
+        <p:style>
+          <a:lnRef idx="1">
+            <a:schemeClr val="dk1"/>
+          </a:lnRef>
+          <a:fillRef idx="0">
+            <a:schemeClr val="dk1"/>
+          </a:fillRef>
+          <a:effectRef idx="0">
+            <a:schemeClr val="dk1"/>
+          </a:effectRef>
+          <a:fontRef idx="minor">
+            <a:schemeClr val="tx1"/>
+          </a:fontRef>
+        </p:style>
+      </p:cxnSp>
+      <p:sp>
+        <p:nvSpPr>
+          <p:cNvPr id="6" name="Diamond 5">
+            <a:extLst>
+              <a:ext uri="{FF2B5EF4-FFF2-40B4-BE49-F238E27FC236}">
+                <a16:creationId xmlns:a16="http://schemas.microsoft.com/office/drawing/2014/main" id="{BCC9A7B9-38F1-4F7C-AA17-E8B9E416F2EA}"/>
+              </a:ext>
+            </a:extLst>
+          </p:cNvPr>
+          <p:cNvSpPr/>
+          <p:nvPr/>
+        </p:nvSpPr>
+        <p:spPr>
+          <a:xfrm rot="16200000">
+            <a:off x="2545287" y="4306074"/>
+            <a:ext cx="1111550" cy="437185"/>
+          </a:xfrm>
+          <a:prstGeom prst="diamond">
+            <a:avLst/>
+          </a:prstGeom>
+        </p:spPr>
+        <p:style>
+          <a:lnRef idx="2">
+            <a:schemeClr val="accent1">
+              <a:shade val="50000"/>
+            </a:schemeClr>
+          </a:lnRef>
+          <a:fillRef idx="1">
+            <a:schemeClr val="accent1"/>
+          </a:fillRef>
+          <a:effectRef idx="0">
+            <a:schemeClr val="accent1"/>
+          </a:effectRef>
+          <a:fontRef idx="minor">
+            <a:schemeClr val="lt1"/>
+          </a:fontRef>
+        </p:style>
+        <p:txBody>
+          <a:bodyPr rtlCol="0" anchor="ctr"/>
+          <a:lstStyle/>
+          <a:p>
+            <a:pPr algn="ctr"/>
+            <a:r>
+              <a:rPr lang="en-IN" dirty="0"/>
+              <a:t>has</a:t>
+            </a:r>
+          </a:p>
+        </p:txBody>
+      </p:sp>
+      <p:grpSp>
+        <p:nvGrpSpPr>
+          <p:cNvPr id="114" name="Group 113">
+            <a:extLst>
+              <a:ext uri="{FF2B5EF4-FFF2-40B4-BE49-F238E27FC236}">
+                <a16:creationId xmlns:a16="http://schemas.microsoft.com/office/drawing/2014/main" id="{DC529DAB-7155-445C-A13A-8E8E45033BC2}"/>
+              </a:ext>
+            </a:extLst>
+          </p:cNvPr>
+          <p:cNvGrpSpPr/>
+          <p:nvPr/>
+        </p:nvGrpSpPr>
+        <p:grpSpPr>
+          <a:xfrm>
+            <a:off x="5566497" y="3593459"/>
+            <a:ext cx="845352" cy="583095"/>
+            <a:chOff x="3672846" y="508776"/>
+            <a:chExt cx="935228" cy="637217"/>
+          </a:xfrm>
+          <a:scene3d>
+            <a:camera prst="orthographicFront"/>
+            <a:lightRig rig="flat" dir="t"/>
+          </a:scene3d>
+        </p:grpSpPr>
+        <p:sp>
+          <p:nvSpPr>
+            <p:cNvPr id="116" name="Oval 115">
+              <a:extLst>
+                <a:ext uri="{FF2B5EF4-FFF2-40B4-BE49-F238E27FC236}">
+                  <a16:creationId xmlns:a16="http://schemas.microsoft.com/office/drawing/2014/main" id="{FF6013E4-EB98-4D2F-8D3D-591F4317D533}"/>
+                </a:ext>
+              </a:extLst>
+            </p:cNvPr>
+            <p:cNvSpPr/>
+            <p:nvPr/>
+          </p:nvSpPr>
+          <p:spPr>
+            <a:xfrm>
+              <a:off x="3672846" y="508776"/>
+              <a:ext cx="935228" cy="637217"/>
+            </a:xfrm>
+            <a:prstGeom prst="ellipse">
+              <a:avLst/>
+            </a:prstGeom>
+            <a:sp3d prstMaterial="dkEdge">
+              <a:bevelT w="8200" h="38100"/>
+            </a:sp3d>
+          </p:spPr>
+          <p:style>
+            <a:lnRef idx="0">
+              <a:schemeClr val="lt1">
+                <a:hueOff val="0"/>
+                <a:satOff val="0"/>
+                <a:lumOff val="0"/>
+                <a:alphaOff val="0"/>
+              </a:schemeClr>
+            </a:lnRef>
+            <a:fillRef idx="2">
+              <a:schemeClr val="accent1">
+                <a:hueOff val="0"/>
+                <a:satOff val="0"/>
+                <a:lumOff val="0"/>
+                <a:alphaOff val="0"/>
+              </a:schemeClr>
+            </a:fillRef>
+            <a:effectRef idx="1">
+              <a:schemeClr val="accent1">
+                <a:hueOff val="0"/>
+                <a:satOff val="0"/>
+                <a:lumOff val="0"/>
+                <a:alphaOff val="0"/>
+              </a:schemeClr>
+            </a:effectRef>
+            <a:fontRef idx="minor">
+              <a:schemeClr val="dk1"/>
+            </a:fontRef>
+          </p:style>
+          <p:txBody>
+            <a:bodyPr/>
+            <a:lstStyle/>
+            <a:p>
+              <a:endParaRPr lang="en-IN" dirty="0"/>
+            </a:p>
+          </p:txBody>
+        </p:sp>
+        <p:sp>
+          <p:nvSpPr>
+            <p:cNvPr id="130" name="Oval 5">
+              <a:extLst>
+                <a:ext uri="{FF2B5EF4-FFF2-40B4-BE49-F238E27FC236}">
+                  <a16:creationId xmlns:a16="http://schemas.microsoft.com/office/drawing/2014/main" id="{CCC6027A-1847-4A1A-92F6-D954DD6DD4C8}"/>
+                </a:ext>
+              </a:extLst>
+            </p:cNvPr>
+            <p:cNvSpPr txBox="1"/>
+            <p:nvPr/>
+          </p:nvSpPr>
+          <p:spPr>
+            <a:xfrm>
+              <a:off x="3809807" y="602094"/>
+              <a:ext cx="661306" cy="450581"/>
+            </a:xfrm>
+            <a:prstGeom prst="rect">
+              <a:avLst/>
+            </a:prstGeom>
+            <a:sp3d/>
+          </p:spPr>
+          <p:style>
+            <a:lnRef idx="0">
+              <a:scrgbClr r="0" g="0" b="0"/>
+            </a:lnRef>
+            <a:fillRef idx="0">
+              <a:scrgbClr r="0" g="0" b="0"/>
+            </a:fillRef>
+            <a:effectRef idx="0">
+              <a:scrgbClr r="0" g="0" b="0"/>
+            </a:effectRef>
+            <a:fontRef idx="minor">
+              <a:schemeClr val="dk1"/>
+            </a:fontRef>
+          </p:style>
+          <p:txBody>
+            <a:bodyPr spcFirstLastPara="0" vert="horz" wrap="square" lIns="6985" tIns="6985" rIns="6985" bIns="6985" numCol="1" spcCol="1270" anchor="ctr" anchorCtr="0">
+              <a:noAutofit/>
+            </a:bodyPr>
+            <a:lstStyle/>
+            <a:p>
+              <a:pPr marL="0" lvl="0" indent="0" algn="ctr" defTabSz="488950">
+                <a:lnSpc>
+                  <a:spcPct val="90000"/>
+                </a:lnSpc>
+                <a:spcBef>
+                  <a:spcPct val="0"/>
+                </a:spcBef>
+                <a:spcAft>
+                  <a:spcPct val="35000"/>
+                </a:spcAft>
+                <a:buNone/>
+              </a:pPr>
+              <a:r>
+                <a:rPr lang="en-IN" sz="1100" dirty="0" err="1"/>
+                <a:t>Subcategory_id</a:t>
+              </a:r>
+              <a:endParaRPr lang="en-IN" sz="1100" kern="1200" dirty="0"/>
+            </a:p>
+          </p:txBody>
+        </p:sp>
+      </p:grpSp>
+      <p:cxnSp>
+        <p:nvCxnSpPr>
+          <p:cNvPr id="9" name="Straight Connector 8">
+            <a:extLst>
+              <a:ext uri="{FF2B5EF4-FFF2-40B4-BE49-F238E27FC236}">
+                <a16:creationId xmlns:a16="http://schemas.microsoft.com/office/drawing/2014/main" id="{4D3121D2-F7A2-49AB-B9CE-C8DECE793331}"/>
+              </a:ext>
+            </a:extLst>
+          </p:cNvPr>
+          <p:cNvCxnSpPr>
+            <a:endCxn id="116" idx="3"/>
+          </p:cNvCxnSpPr>
+          <p:nvPr/>
+        </p:nvCxnSpPr>
+        <p:spPr>
+          <a:xfrm flipV="1">
+            <a:off x="5330983" y="4091162"/>
+            <a:ext cx="359313" cy="231163"/>
+          </a:xfrm>
+          <a:prstGeom prst="line">
+            <a:avLst/>
+          </a:prstGeom>
+        </p:spPr>
+        <p:style>
+          <a:lnRef idx="1">
+            <a:schemeClr val="accent1"/>
+          </a:lnRef>
+          <a:fillRef idx="0">
+            <a:schemeClr val="accent1"/>
+          </a:fillRef>
+          <a:effectRef idx="0">
+            <a:schemeClr val="accent1"/>
+          </a:effectRef>
+          <a:fontRef idx="minor">
+            <a:schemeClr val="tx1"/>
+          </a:fontRef>
+        </p:style>
+      </p:cxnSp>
+      <p:cxnSp>
+        <p:nvCxnSpPr>
+          <p:cNvPr id="13" name="Straight Connector 12">
+            <a:extLst>
+              <a:ext uri="{FF2B5EF4-FFF2-40B4-BE49-F238E27FC236}">
+                <a16:creationId xmlns:a16="http://schemas.microsoft.com/office/drawing/2014/main" id="{E55FF986-5BA4-4F1A-B914-511730182560}"/>
+              </a:ext>
+            </a:extLst>
+          </p:cNvPr>
+          <p:cNvCxnSpPr>
+            <a:cxnSpLocks/>
+          </p:cNvCxnSpPr>
+          <p:nvPr/>
+        </p:nvCxnSpPr>
+        <p:spPr>
+          <a:xfrm flipH="1" flipV="1">
+            <a:off x="5273247" y="1450598"/>
+            <a:ext cx="366822" cy="258501"/>
+          </a:xfrm>
+          <a:prstGeom prst="line">
+            <a:avLst/>
+          </a:prstGeom>
+        </p:spPr>
+        <p:style>
+          <a:lnRef idx="1">
+            <a:schemeClr val="accent1"/>
+          </a:lnRef>
+          <a:fillRef idx="0">
+            <a:schemeClr val="accent1"/>
+          </a:fillRef>
+          <a:effectRef idx="0">
+            <a:schemeClr val="accent1"/>
+          </a:effectRef>
+          <a:fontRef idx="minor">
+            <a:schemeClr val="tx1"/>
+          </a:fontRef>
+        </p:style>
+      </p:cxnSp>
+      <p:grpSp>
+        <p:nvGrpSpPr>
+          <p:cNvPr id="134" name="Group 133">
+            <a:extLst>
+              <a:ext uri="{FF2B5EF4-FFF2-40B4-BE49-F238E27FC236}">
+                <a16:creationId xmlns:a16="http://schemas.microsoft.com/office/drawing/2014/main" id="{D716D8C6-5033-4B3A-B3C0-DA72987B15B5}"/>
+              </a:ext>
+            </a:extLst>
+          </p:cNvPr>
+          <p:cNvGrpSpPr/>
+          <p:nvPr/>
+        </p:nvGrpSpPr>
+        <p:grpSpPr>
+          <a:xfrm>
+            <a:off x="5507050" y="1651880"/>
+            <a:ext cx="845352" cy="583095"/>
+            <a:chOff x="3672846" y="508776"/>
+            <a:chExt cx="935228" cy="637217"/>
+          </a:xfrm>
+          <a:scene3d>
+            <a:camera prst="orthographicFront"/>
+            <a:lightRig rig="flat" dir="t"/>
+          </a:scene3d>
+        </p:grpSpPr>
+        <p:sp>
+          <p:nvSpPr>
+            <p:cNvPr id="136" name="Oval 135">
+              <a:extLst>
+                <a:ext uri="{FF2B5EF4-FFF2-40B4-BE49-F238E27FC236}">
+                  <a16:creationId xmlns:a16="http://schemas.microsoft.com/office/drawing/2014/main" id="{692FA51F-34D6-40EF-A67B-2C43EA4BB5E7}"/>
+                </a:ext>
+              </a:extLst>
+            </p:cNvPr>
+            <p:cNvSpPr/>
+            <p:nvPr/>
+          </p:nvSpPr>
+          <p:spPr>
+            <a:xfrm>
+              <a:off x="3672846" y="508776"/>
+              <a:ext cx="935228" cy="637217"/>
+            </a:xfrm>
+            <a:prstGeom prst="ellipse">
+              <a:avLst/>
+            </a:prstGeom>
+            <a:sp3d prstMaterial="dkEdge">
+              <a:bevelT w="8200" h="38100"/>
+            </a:sp3d>
+          </p:spPr>
+          <p:style>
+            <a:lnRef idx="0">
+              <a:schemeClr val="lt1">
+                <a:hueOff val="0"/>
+                <a:satOff val="0"/>
+                <a:lumOff val="0"/>
+                <a:alphaOff val="0"/>
+              </a:schemeClr>
+            </a:lnRef>
+            <a:fillRef idx="2">
+              <a:schemeClr val="accent1">
+                <a:hueOff val="0"/>
+                <a:satOff val="0"/>
+                <a:lumOff val="0"/>
+                <a:alphaOff val="0"/>
+              </a:schemeClr>
+            </a:fillRef>
+            <a:effectRef idx="1">
+              <a:schemeClr val="accent1">
+                <a:hueOff val="0"/>
+                <a:satOff val="0"/>
+                <a:lumOff val="0"/>
+                <a:alphaOff val="0"/>
+              </a:schemeClr>
+            </a:effectRef>
+            <a:fontRef idx="minor">
+              <a:schemeClr val="dk1"/>
+            </a:fontRef>
+          </p:style>
+        </p:sp>
+        <p:sp>
+          <p:nvSpPr>
+            <p:cNvPr id="141" name="Oval 5">
+              <a:extLst>
+                <a:ext uri="{FF2B5EF4-FFF2-40B4-BE49-F238E27FC236}">
+                  <a16:creationId xmlns:a16="http://schemas.microsoft.com/office/drawing/2014/main" id="{372AC4A4-7C8B-4BB5-A7AF-BA47C09006FE}"/>
+                </a:ext>
+              </a:extLst>
+            </p:cNvPr>
+            <p:cNvSpPr txBox="1"/>
+            <p:nvPr/>
+          </p:nvSpPr>
+          <p:spPr>
+            <a:xfrm>
+              <a:off x="3809807" y="602094"/>
+              <a:ext cx="661306" cy="450581"/>
+            </a:xfrm>
+            <a:prstGeom prst="rect">
+              <a:avLst/>
+            </a:prstGeom>
+            <a:sp3d/>
+          </p:spPr>
+          <p:style>
+            <a:lnRef idx="0">
+              <a:scrgbClr r="0" g="0" b="0"/>
+            </a:lnRef>
+            <a:fillRef idx="0">
+              <a:scrgbClr r="0" g="0" b="0"/>
+            </a:fillRef>
+            <a:effectRef idx="0">
+              <a:scrgbClr r="0" g="0" b="0"/>
+            </a:effectRef>
+            <a:fontRef idx="minor">
+              <a:schemeClr val="dk1"/>
+            </a:fontRef>
+          </p:style>
+          <p:txBody>
+            <a:bodyPr spcFirstLastPara="0" vert="horz" wrap="square" lIns="6985" tIns="6985" rIns="6985" bIns="6985" numCol="1" spcCol="1270" anchor="ctr" anchorCtr="0">
+              <a:noAutofit/>
+            </a:bodyPr>
+            <a:lstStyle/>
+            <a:p>
+              <a:pPr marL="0" lvl="0" indent="0" algn="ctr" defTabSz="488950">
+                <a:lnSpc>
+                  <a:spcPct val="90000"/>
+                </a:lnSpc>
+                <a:spcBef>
+                  <a:spcPct val="0"/>
+                </a:spcBef>
+                <a:spcAft>
+                  <a:spcPct val="35000"/>
+                </a:spcAft>
+                <a:buNone/>
+              </a:pPr>
+              <a:r>
+                <a:rPr lang="en-IN" sz="1100" kern="1200" dirty="0"/>
+                <a:t>title</a:t>
+              </a:r>
+            </a:p>
+          </p:txBody>
+        </p:sp>
+      </p:grpSp>
     </p:spTree>
     <p:extLst>
       <p:ext uri="{BB962C8B-B14F-4D97-AF65-F5344CB8AC3E}">
@@ -18883,7 +20440,7 @@
         </p:nvSpPr>
         <p:spPr>
           <a:xfrm>
-            <a:off x="201727" y="980661"/>
+            <a:off x="342702" y="995276"/>
             <a:ext cx="2378765" cy="415812"/>
           </a:xfrm>
           <a:prstGeom prst="rect">
@@ -20807,7 +22364,7 @@
         </p:nvCxnSpPr>
         <p:spPr>
           <a:xfrm>
-            <a:off x="4457632" y="5975914"/>
+            <a:off x="4457632" y="6143158"/>
             <a:ext cx="4182742" cy="0"/>
           </a:xfrm>
           <a:prstGeom prst="line">
@@ -20843,7 +22400,7 @@
         </p:nvSpPr>
         <p:spPr>
           <a:xfrm>
-            <a:off x="5076423" y="6000258"/>
+            <a:off x="5076423" y="6143158"/>
             <a:ext cx="2945160" cy="646331"/>
           </a:xfrm>
           <a:prstGeom prst="rect">
@@ -20886,7 +22443,7 @@
         </p:nvSpPr>
         <p:spPr>
           <a:xfrm>
-            <a:off x="4468454" y="1227465"/>
+            <a:off x="4479277" y="1796653"/>
             <a:ext cx="4182742" cy="647718"/>
           </a:xfrm>
           <a:prstGeom prst="ellipse">
@@ -20935,7 +22492,7 @@
         </p:nvSpPr>
         <p:spPr>
           <a:xfrm>
-            <a:off x="4457632" y="1985374"/>
+            <a:off x="4468454" y="2530553"/>
             <a:ext cx="4182742" cy="647718"/>
           </a:xfrm>
           <a:prstGeom prst="ellipse">
@@ -20984,7 +22541,7 @@
         </p:nvSpPr>
         <p:spPr>
           <a:xfrm>
-            <a:off x="4457632" y="2788457"/>
+            <a:off x="4441399" y="3265255"/>
             <a:ext cx="4182742" cy="647718"/>
           </a:xfrm>
           <a:prstGeom prst="ellipse">
@@ -21033,7 +22590,7 @@
         </p:nvSpPr>
         <p:spPr>
           <a:xfrm>
-            <a:off x="4468454" y="3600462"/>
+            <a:off x="4468454" y="3998300"/>
             <a:ext cx="4182742" cy="647718"/>
           </a:xfrm>
           <a:prstGeom prst="ellipse">
@@ -21082,7 +22639,7 @@
         </p:nvSpPr>
         <p:spPr>
           <a:xfrm>
-            <a:off x="4468454" y="4403545"/>
+            <a:off x="4468454" y="4709125"/>
             <a:ext cx="4182742" cy="647718"/>
           </a:xfrm>
           <a:prstGeom prst="ellipse">
@@ -21131,7 +22688,7 @@
         </p:nvSpPr>
         <p:spPr>
           <a:xfrm>
-            <a:off x="4457632" y="5160953"/>
+            <a:off x="4457632" y="5438215"/>
             <a:ext cx="4182742" cy="647718"/>
           </a:xfrm>
           <a:prstGeom prst="ellipse">
@@ -21176,14 +22733,14 @@
             </a:extLst>
           </p:cNvPr>
           <p:cNvCxnSpPr>
-            <a:endCxn id="26" idx="2"/>
+            <a:cxnSpLocks/>
           </p:cNvCxnSpPr>
           <p:nvPr/>
         </p:nvCxnSpPr>
         <p:spPr>
           <a:xfrm flipV="1">
-            <a:off x="793070" y="1551324"/>
-            <a:ext cx="3675384" cy="1724419"/>
+            <a:off x="852102" y="1378475"/>
+            <a:ext cx="3661470" cy="2000562"/>
           </a:xfrm>
           <a:prstGeom prst="line">
             <a:avLst/>
@@ -21214,14 +22771,14 @@
             </a:extLst>
           </p:cNvPr>
           <p:cNvCxnSpPr>
-            <a:endCxn id="28" idx="2"/>
+            <a:cxnSpLocks/>
           </p:cNvCxnSpPr>
           <p:nvPr/>
         </p:nvCxnSpPr>
         <p:spPr>
           <a:xfrm flipV="1">
-            <a:off x="853084" y="2309233"/>
-            <a:ext cx="3604548" cy="962083"/>
+            <a:off x="863416" y="2165155"/>
+            <a:ext cx="3605038" cy="1226331"/>
           </a:xfrm>
           <a:prstGeom prst="line">
             <a:avLst/>
@@ -21252,14 +22809,15 @@
             </a:extLst>
           </p:cNvPr>
           <p:cNvCxnSpPr>
-            <a:endCxn id="30" idx="2"/>
+            <a:cxnSpLocks/>
+            <a:endCxn id="28" idx="2"/>
           </p:cNvCxnSpPr>
           <p:nvPr/>
         </p:nvCxnSpPr>
         <p:spPr>
           <a:xfrm flipV="1">
-            <a:off x="847672" y="3112316"/>
-            <a:ext cx="3609960" cy="168147"/>
+            <a:off x="863416" y="2854412"/>
+            <a:ext cx="3605038" cy="541452"/>
           </a:xfrm>
           <a:prstGeom prst="line">
             <a:avLst/>
@@ -21290,14 +22848,15 @@
             </a:extLst>
           </p:cNvPr>
           <p:cNvCxnSpPr>
-            <a:endCxn id="32" idx="2"/>
+            <a:cxnSpLocks/>
+            <a:endCxn id="30" idx="2"/>
           </p:cNvCxnSpPr>
           <p:nvPr/>
         </p:nvCxnSpPr>
         <p:spPr>
           <a:xfrm>
-            <a:off x="852102" y="3273287"/>
-            <a:ext cx="3616352" cy="651034"/>
+            <a:off x="872379" y="3376480"/>
+            <a:ext cx="3569020" cy="212634"/>
           </a:xfrm>
           <a:prstGeom prst="line">
             <a:avLst/>
@@ -21328,14 +22887,15 @@
             </a:extLst>
           </p:cNvPr>
           <p:cNvCxnSpPr>
-            <a:endCxn id="34" idx="2"/>
+            <a:cxnSpLocks/>
+            <a:endCxn id="32" idx="2"/>
           </p:cNvCxnSpPr>
           <p:nvPr/>
         </p:nvCxnSpPr>
         <p:spPr>
           <a:xfrm>
-            <a:off x="834114" y="3277922"/>
-            <a:ext cx="3634340" cy="1449482"/>
+            <a:off x="863416" y="3422956"/>
+            <a:ext cx="3605038" cy="899203"/>
           </a:xfrm>
           <a:prstGeom prst="line">
             <a:avLst/>
@@ -21366,14 +22926,15 @@
             </a:extLst>
           </p:cNvPr>
           <p:cNvCxnSpPr>
-            <a:endCxn id="36" idx="2"/>
+            <a:cxnSpLocks/>
+            <a:endCxn id="34" idx="2"/>
           </p:cNvCxnSpPr>
           <p:nvPr/>
         </p:nvCxnSpPr>
         <p:spPr>
           <a:xfrm>
-            <a:off x="838188" y="3257402"/>
-            <a:ext cx="3619444" cy="2227410"/>
+            <a:off x="871280" y="3415667"/>
+            <a:ext cx="3597174" cy="1617317"/>
           </a:xfrm>
           <a:prstGeom prst="line">
             <a:avLst/>
@@ -21502,6 +23063,93 @@
           </a:p>
         </p:txBody>
       </p:sp>
+      <p:sp>
+        <p:nvSpPr>
+          <p:cNvPr id="5" name="Oval 4">
+            <a:extLst>
+              <a:ext uri="{FF2B5EF4-FFF2-40B4-BE49-F238E27FC236}">
+                <a16:creationId xmlns:a16="http://schemas.microsoft.com/office/drawing/2014/main" id="{E1A2B64B-A252-4B6B-890C-0D32A52A83EB}"/>
+              </a:ext>
+            </a:extLst>
+          </p:cNvPr>
+          <p:cNvSpPr/>
+          <p:nvPr/>
+        </p:nvSpPr>
+        <p:spPr>
+          <a:xfrm>
+            <a:off x="4468454" y="1037789"/>
+            <a:ext cx="4182742" cy="647718"/>
+          </a:xfrm>
+          <a:prstGeom prst="ellipse">
+            <a:avLst/>
+          </a:prstGeom>
+        </p:spPr>
+        <p:style>
+          <a:lnRef idx="2">
+            <a:schemeClr val="accent1">
+              <a:shade val="50000"/>
+            </a:schemeClr>
+          </a:lnRef>
+          <a:fillRef idx="1">
+            <a:schemeClr val="accent1"/>
+          </a:fillRef>
+          <a:effectRef idx="0">
+            <a:schemeClr val="accent1"/>
+          </a:effectRef>
+          <a:fontRef idx="minor">
+            <a:schemeClr val="lt1"/>
+          </a:fontRef>
+        </p:style>
+        <p:txBody>
+          <a:bodyPr rtlCol="0" anchor="ctr"/>
+          <a:lstStyle/>
+          <a:p>
+            <a:pPr algn="ctr"/>
+            <a:r>
+              <a:rPr lang="en-IN" dirty="0"/>
+              <a:t>SIGN UP</a:t>
+            </a:r>
+          </a:p>
+        </p:txBody>
+      </p:sp>
+      <p:cxnSp>
+        <p:nvCxnSpPr>
+          <p:cNvPr id="31" name="Straight Connector 30">
+            <a:extLst>
+              <a:ext uri="{FF2B5EF4-FFF2-40B4-BE49-F238E27FC236}">
+                <a16:creationId xmlns:a16="http://schemas.microsoft.com/office/drawing/2014/main" id="{F9D31B67-40EC-447A-B3EA-57F3A5CE76C8}"/>
+              </a:ext>
+            </a:extLst>
+          </p:cNvPr>
+          <p:cNvCxnSpPr>
+            <a:endCxn id="36" idx="2"/>
+          </p:cNvCxnSpPr>
+          <p:nvPr/>
+        </p:nvCxnSpPr>
+        <p:spPr>
+          <a:xfrm>
+            <a:off x="871280" y="3415667"/>
+            <a:ext cx="3586352" cy="2346407"/>
+          </a:xfrm>
+          <a:prstGeom prst="line">
+            <a:avLst/>
+          </a:prstGeom>
+        </p:spPr>
+        <p:style>
+          <a:lnRef idx="1">
+            <a:schemeClr val="dk1"/>
+          </a:lnRef>
+          <a:fillRef idx="0">
+            <a:schemeClr val="dk1"/>
+          </a:fillRef>
+          <a:effectRef idx="0">
+            <a:schemeClr val="dk1"/>
+          </a:effectRef>
+          <a:fontRef idx="minor">
+            <a:schemeClr val="tx1"/>
+          </a:fontRef>
+        </p:style>
+      </p:cxnSp>
     </p:spTree>
     <p:extLst>
       <p:ext uri="{BB962C8B-B14F-4D97-AF65-F5344CB8AC3E}">
@@ -23007,8 +24655,12 @@
               </a:lnSpc>
             </a:pPr>
             <a:r>
+              <a:rPr lang="en-IN" sz="1400" dirty="0" err="1"/>
+              <a:t>Order_id</a:t>
+            </a:r>
+            <a:r>
               <a:rPr lang="en-IN" sz="1400" dirty="0"/>
-              <a:t>id(</a:t>
+              <a:t>(</a:t>
             </a:r>
             <a:r>
               <a:rPr lang="en-IN" sz="1400" dirty="0" err="1"/>
@@ -23026,20 +24678,8 @@
               </a:lnSpc>
             </a:pPr>
             <a:r>
-              <a:rPr lang="en-IN" sz="1400" dirty="0" err="1"/>
-              <a:t>cart_id</a:t>
-            </a:r>
-            <a:r>
               <a:rPr lang="en-IN" sz="1400" dirty="0"/>
-              <a:t>(</a:t>
-            </a:r>
-            <a:r>
-              <a:rPr lang="en-IN" sz="1400" dirty="0" err="1"/>
-              <a:t>f.k</a:t>
-            </a:r>
-            <a:r>
-              <a:rPr lang="en-IN" sz="1400" dirty="0"/>
-              <a:t>)</a:t>
+              <a:t>amount</a:t>
             </a:r>
           </a:p>
         </p:txBody>
@@ -23729,6 +25369,181 @@
           </a:fontRef>
         </p:style>
       </p:cxnSp>
+      <p:sp>
+        <p:nvSpPr>
+          <p:cNvPr id="3" name="TextBox 2">
+            <a:extLst>
+              <a:ext uri="{FF2B5EF4-FFF2-40B4-BE49-F238E27FC236}">
+                <a16:creationId xmlns:a16="http://schemas.microsoft.com/office/drawing/2014/main" id="{B0801A68-D4CE-4743-A046-60DC049BC395}"/>
+              </a:ext>
+            </a:extLst>
+          </p:cNvPr>
+          <p:cNvSpPr txBox="1"/>
+          <p:nvPr/>
+        </p:nvSpPr>
+        <p:spPr>
+          <a:xfrm>
+            <a:off x="5802961" y="2698785"/>
+            <a:ext cx="662609" cy="307777"/>
+          </a:xfrm>
+          <a:prstGeom prst="rect">
+            <a:avLst/>
+          </a:prstGeom>
+          <a:noFill/>
+        </p:spPr>
+        <p:txBody>
+          <a:bodyPr wrap="square" rtlCol="0">
+            <a:spAutoFit/>
+          </a:bodyPr>
+          <a:lstStyle/>
+          <a:p>
+            <a:r>
+              <a:rPr lang="en-IN" sz="1400" dirty="0"/>
+              <a:t>0…*</a:t>
+            </a:r>
+          </a:p>
+        </p:txBody>
+      </p:sp>
+      <p:sp>
+        <p:nvSpPr>
+          <p:cNvPr id="4" name="TextBox 3">
+            <a:extLst>
+              <a:ext uri="{FF2B5EF4-FFF2-40B4-BE49-F238E27FC236}">
+                <a16:creationId xmlns:a16="http://schemas.microsoft.com/office/drawing/2014/main" id="{7178D6F4-AB26-4B18-B3BC-6D74AF6C95AC}"/>
+              </a:ext>
+            </a:extLst>
+          </p:cNvPr>
+          <p:cNvSpPr txBox="1"/>
+          <p:nvPr/>
+        </p:nvSpPr>
+        <p:spPr>
+          <a:xfrm>
+            <a:off x="3086660" y="3135462"/>
+            <a:ext cx="662609" cy="307777"/>
+          </a:xfrm>
+          <a:prstGeom prst="rect">
+            <a:avLst/>
+          </a:prstGeom>
+          <a:noFill/>
+        </p:spPr>
+        <p:txBody>
+          <a:bodyPr wrap="square" rtlCol="0">
+            <a:spAutoFit/>
+          </a:bodyPr>
+          <a:lstStyle/>
+          <a:p>
+            <a:r>
+              <a:rPr lang="en-IN" sz="1400" dirty="0"/>
+              <a:t>0…*</a:t>
+            </a:r>
+          </a:p>
+        </p:txBody>
+      </p:sp>
+      <p:sp>
+        <p:nvSpPr>
+          <p:cNvPr id="6" name="TextBox 5">
+            <a:extLst>
+              <a:ext uri="{FF2B5EF4-FFF2-40B4-BE49-F238E27FC236}">
+                <a16:creationId xmlns:a16="http://schemas.microsoft.com/office/drawing/2014/main" id="{CF0B9418-AD8B-433F-A1CC-A24566ED6A82}"/>
+              </a:ext>
+            </a:extLst>
+          </p:cNvPr>
+          <p:cNvSpPr txBox="1"/>
+          <p:nvPr/>
+        </p:nvSpPr>
+        <p:spPr>
+          <a:xfrm>
+            <a:off x="8125430" y="4627404"/>
+            <a:ext cx="662609" cy="307777"/>
+          </a:xfrm>
+          <a:prstGeom prst="rect">
+            <a:avLst/>
+          </a:prstGeom>
+          <a:noFill/>
+        </p:spPr>
+        <p:txBody>
+          <a:bodyPr wrap="square" rtlCol="0">
+            <a:spAutoFit/>
+          </a:bodyPr>
+          <a:lstStyle/>
+          <a:p>
+            <a:r>
+              <a:rPr lang="en-IN" sz="1400" dirty="0"/>
+              <a:t>…0</a:t>
+            </a:r>
+          </a:p>
+        </p:txBody>
+      </p:sp>
+      <p:sp>
+        <p:nvSpPr>
+          <p:cNvPr id="7" name="TextBox 6">
+            <a:extLst>
+              <a:ext uri="{FF2B5EF4-FFF2-40B4-BE49-F238E27FC236}">
+                <a16:creationId xmlns:a16="http://schemas.microsoft.com/office/drawing/2014/main" id="{9E462301-B5EE-448E-AEDA-590EFF4092C3}"/>
+              </a:ext>
+            </a:extLst>
+          </p:cNvPr>
+          <p:cNvSpPr txBox="1"/>
+          <p:nvPr/>
+        </p:nvSpPr>
+        <p:spPr>
+          <a:xfrm>
+            <a:off x="8880256" y="4927585"/>
+            <a:ext cx="662609" cy="307777"/>
+          </a:xfrm>
+          <a:prstGeom prst="rect">
+            <a:avLst/>
+          </a:prstGeom>
+          <a:noFill/>
+        </p:spPr>
+        <p:txBody>
+          <a:bodyPr wrap="square" rtlCol="0">
+            <a:spAutoFit/>
+          </a:bodyPr>
+          <a:lstStyle/>
+          <a:p>
+            <a:r>
+              <a:rPr lang="en-IN" sz="1400" dirty="0"/>
+              <a:t>0…*</a:t>
+            </a:r>
+          </a:p>
+        </p:txBody>
+      </p:sp>
+      <p:sp>
+        <p:nvSpPr>
+          <p:cNvPr id="8" name="TextBox 7">
+            <a:extLst>
+              <a:ext uri="{FF2B5EF4-FFF2-40B4-BE49-F238E27FC236}">
+                <a16:creationId xmlns:a16="http://schemas.microsoft.com/office/drawing/2014/main" id="{B3CE19C0-7398-467B-A8C8-23CB0BBAC8C1}"/>
+              </a:ext>
+            </a:extLst>
+          </p:cNvPr>
+          <p:cNvSpPr txBox="1"/>
+          <p:nvPr/>
+        </p:nvSpPr>
+        <p:spPr>
+          <a:xfrm>
+            <a:off x="2717041" y="5763833"/>
+            <a:ext cx="662609" cy="307777"/>
+          </a:xfrm>
+          <a:prstGeom prst="rect">
+            <a:avLst/>
+          </a:prstGeom>
+          <a:noFill/>
+        </p:spPr>
+        <p:txBody>
+          <a:bodyPr wrap="square" rtlCol="0">
+            <a:spAutoFit/>
+          </a:bodyPr>
+          <a:lstStyle/>
+          <a:p>
+            <a:r>
+              <a:rPr lang="en-IN" sz="1400" dirty="0"/>
+              <a:t>0…*</a:t>
+            </a:r>
+          </a:p>
+        </p:txBody>
+      </p:sp>
     </p:spTree>
     <p:extLst>
       <p:ext uri="{BB962C8B-B14F-4D97-AF65-F5344CB8AC3E}">
@@ -27708,8 +29523,8 @@
         </p:nvSpPr>
         <p:spPr>
           <a:xfrm>
-            <a:off x="2276103" y="1457738"/>
-            <a:ext cx="1490848" cy="307777"/>
+            <a:off x="2276102" y="1457738"/>
+            <a:ext cx="1904955" cy="307777"/>
           </a:xfrm>
           <a:prstGeom prst="rect">
             <a:avLst/>
@@ -27724,7 +29539,7 @@
           <a:p>
             <a:r>
               <a:rPr lang="en-IN" sz="1400" dirty="0"/>
-              <a:t>1.0 Log In</a:t>
+              <a:t>1.0 sign up or Log In</a:t>
             </a:r>
           </a:p>
         </p:txBody>
@@ -27759,7 +29574,7 @@
           <a:p>
             <a:r>
               <a:rPr lang="en-IN" sz="1400" dirty="0"/>
-              <a:t>1.1 Request For Log In</a:t>
+              <a:t>1.1 Request For sign up or Log In</a:t>
             </a:r>
           </a:p>
         </p:txBody>
@@ -27778,8 +29593,8 @@
         </p:nvSpPr>
         <p:spPr>
           <a:xfrm>
-            <a:off x="5512899" y="1934819"/>
-            <a:ext cx="2816089" cy="307777"/>
+            <a:off x="5340619" y="1934819"/>
+            <a:ext cx="2988369" cy="307777"/>
           </a:xfrm>
           <a:prstGeom prst="rect">
             <a:avLst/>
@@ -27794,7 +29609,7 @@
           <a:p>
             <a:r>
               <a:rPr lang="en-IN" sz="1400" dirty="0"/>
-              <a:t>1.2 Response For Log In</a:t>
+              <a:t>1.2 Response For sign up or Log In</a:t>
             </a:r>
           </a:p>
         </p:txBody>
@@ -27829,7 +29644,7 @@
           <a:p>
             <a:r>
               <a:rPr lang="en-IN" sz="1400" dirty="0"/>
-              <a:t>1.3 Successfully Log In</a:t>
+              <a:t>1.3 Successfully sign up or Log In</a:t>
             </a:r>
           </a:p>
         </p:txBody>
@@ -31753,7 +33568,7 @@
         </p:nvSpPr>
         <p:spPr>
           <a:xfrm>
-            <a:off x="4356286" y="742121"/>
+            <a:off x="4355548" y="569502"/>
             <a:ext cx="410817" cy="410818"/>
           </a:xfrm>
           <a:prstGeom prst="flowChartConnector">
@@ -31799,7 +33614,7 @@
         </p:nvSpPr>
         <p:spPr>
           <a:xfrm>
-            <a:off x="4299598" y="675860"/>
+            <a:off x="4289289" y="499137"/>
             <a:ext cx="543339" cy="543339"/>
           </a:xfrm>
           <a:prstGeom prst="flowChartConnector">
@@ -31844,7 +33659,7 @@
         </p:nvSpPr>
         <p:spPr>
           <a:xfrm>
-            <a:off x="3844979" y="1537252"/>
+            <a:off x="3844978" y="1880541"/>
             <a:ext cx="1452575" cy="318053"/>
           </a:xfrm>
           <a:prstGeom prst="roundRect">
@@ -31889,14 +33704,15 @@
             </a:extLst>
           </p:cNvPr>
           <p:cNvCxnSpPr>
+            <a:cxnSpLocks/>
             <a:stCxn id="5" idx="4"/>
           </p:cNvCxnSpPr>
           <p:nvPr/>
         </p:nvCxnSpPr>
         <p:spPr>
-          <a:xfrm flipH="1">
-            <a:off x="4571267" y="1219199"/>
-            <a:ext cx="1" cy="318053"/>
+          <a:xfrm>
+            <a:off x="4560959" y="1042476"/>
+            <a:ext cx="10306" cy="259549"/>
           </a:xfrm>
           <a:prstGeom prst="straightConnector1">
             <a:avLst/>
@@ -31930,14 +33746,14 @@
             </a:extLst>
           </p:cNvPr>
           <p:cNvCxnSpPr>
-            <a:stCxn id="8" idx="2"/>
+            <a:cxnSpLocks/>
           </p:cNvCxnSpPr>
           <p:nvPr/>
         </p:nvCxnSpPr>
         <p:spPr>
-          <a:xfrm flipH="1">
-            <a:off x="4571266" y="1855305"/>
-            <a:ext cx="1" cy="450573"/>
+          <a:xfrm>
+            <a:off x="4560959" y="2220482"/>
+            <a:ext cx="1" cy="258198"/>
           </a:xfrm>
           <a:prstGeom prst="straightConnector1">
             <a:avLst/>
@@ -31975,7 +33791,7 @@
         </p:nvSpPr>
         <p:spPr>
           <a:xfrm>
-            <a:off x="3651164" y="2305878"/>
+            <a:off x="3651164" y="2481471"/>
             <a:ext cx="1840204" cy="1003853"/>
           </a:xfrm>
           <a:prstGeom prst="flowChartDecision">
@@ -32027,8 +33843,8 @@
         </p:nvCxnSpPr>
         <p:spPr>
           <a:xfrm rot="10800000" flipH="1">
-            <a:off x="3651163" y="1696279"/>
-            <a:ext cx="193815" cy="1111526"/>
+            <a:off x="3651164" y="2039568"/>
+            <a:ext cx="193814" cy="943830"/>
           </a:xfrm>
           <a:prstGeom prst="bentConnector3">
             <a:avLst>
@@ -32068,7 +33884,7 @@
         </p:nvSpPr>
         <p:spPr>
           <a:xfrm>
-            <a:off x="3384931" y="2373868"/>
+            <a:off x="3384931" y="2549461"/>
             <a:ext cx="726278" cy="369332"/>
           </a:xfrm>
           <a:prstGeom prst="rect">
@@ -32103,7 +33919,7 @@
         </p:nvSpPr>
         <p:spPr>
           <a:xfrm>
-            <a:off x="3936459" y="3157368"/>
+            <a:off x="3936459" y="3332961"/>
             <a:ext cx="726278" cy="369332"/>
           </a:xfrm>
           <a:prstGeom prst="rect">
@@ -32140,7 +33956,7 @@
         </p:nvCxnSpPr>
         <p:spPr>
           <a:xfrm>
-            <a:off x="4571266" y="3289024"/>
+            <a:off x="4571266" y="3464617"/>
             <a:ext cx="0" cy="673375"/>
           </a:xfrm>
           <a:prstGeom prst="straightConnector1">
@@ -32179,7 +33995,7 @@
         </p:nvSpPr>
         <p:spPr>
           <a:xfrm>
-            <a:off x="313747" y="3962399"/>
+            <a:off x="313747" y="4137992"/>
             <a:ext cx="9678391" cy="87796"/>
           </a:xfrm>
           <a:prstGeom prst="rect">
@@ -32254,7 +34070,7 @@
         </p:nvSpPr>
         <p:spPr>
           <a:xfrm>
-            <a:off x="313747" y="5719181"/>
+            <a:off x="313747" y="5894774"/>
             <a:ext cx="9678391" cy="87796"/>
           </a:xfrm>
           <a:prstGeom prst="rect">
@@ -32329,7 +34145,7 @@
         </p:nvCxnSpPr>
         <p:spPr>
           <a:xfrm>
-            <a:off x="4662737" y="5763079"/>
+            <a:off x="4662737" y="5938672"/>
             <a:ext cx="0" cy="477078"/>
           </a:xfrm>
           <a:prstGeom prst="straightConnector1">
@@ -32368,7 +34184,7 @@
         </p:nvSpPr>
         <p:spPr>
           <a:xfrm>
-            <a:off x="3936449" y="6251713"/>
+            <a:off x="3936449" y="6427306"/>
             <a:ext cx="1452575" cy="318053"/>
           </a:xfrm>
           <a:prstGeom prst="roundRect">
@@ -32417,7 +34233,7 @@
         </p:nvSpPr>
         <p:spPr>
           <a:xfrm>
-            <a:off x="6512429" y="6139068"/>
+            <a:off x="6512429" y="6314661"/>
             <a:ext cx="543339" cy="543339"/>
           </a:xfrm>
           <a:prstGeom prst="flowChartConnector">
@@ -32462,7 +34278,7 @@
         </p:nvSpPr>
         <p:spPr>
           <a:xfrm>
-            <a:off x="6578689" y="6205329"/>
+            <a:off x="6578689" y="6380922"/>
             <a:ext cx="410817" cy="410818"/>
           </a:xfrm>
           <a:prstGeom prst="flowChartConnector">
@@ -32511,7 +34327,7 @@
         </p:nvCxnSpPr>
         <p:spPr>
           <a:xfrm flipV="1">
-            <a:off x="5389024" y="6410739"/>
+            <a:off x="5389024" y="6586332"/>
             <a:ext cx="1123405" cy="1"/>
           </a:xfrm>
           <a:prstGeom prst="straightConnector1">
@@ -32550,7 +34366,7 @@
         </p:nvCxnSpPr>
         <p:spPr>
           <a:xfrm>
-            <a:off x="1430871" y="4052986"/>
+            <a:off x="1430871" y="4228579"/>
             <a:ext cx="0" cy="1668986"/>
           </a:xfrm>
           <a:prstGeom prst="straightConnector1">
@@ -32589,7 +34405,7 @@
         </p:nvSpPr>
         <p:spPr>
           <a:xfrm>
-            <a:off x="781517" y="4238594"/>
+            <a:off x="781517" y="4414187"/>
             <a:ext cx="1417981" cy="379146"/>
           </a:xfrm>
           <a:prstGeom prst="roundRect">
@@ -32640,7 +34456,7 @@
         </p:nvCxnSpPr>
         <p:spPr>
           <a:xfrm>
-            <a:off x="2530075" y="4077228"/>
+            <a:off x="2530075" y="4252821"/>
             <a:ext cx="0" cy="1668986"/>
           </a:xfrm>
           <a:prstGeom prst="straightConnector1">
@@ -32679,7 +34495,7 @@
         </p:nvSpPr>
         <p:spPr>
           <a:xfrm>
-            <a:off x="1828798" y="5001142"/>
+            <a:off x="1828798" y="5176735"/>
             <a:ext cx="1417981" cy="399662"/>
           </a:xfrm>
           <a:prstGeom prst="roundRect">
@@ -32730,7 +34546,7 @@
         </p:nvCxnSpPr>
         <p:spPr>
           <a:xfrm>
-            <a:off x="3689439" y="4063310"/>
+            <a:off x="3689439" y="4238903"/>
             <a:ext cx="0" cy="1668986"/>
           </a:xfrm>
           <a:prstGeom prst="straightConnector1">
@@ -32769,7 +34585,7 @@
         </p:nvSpPr>
         <p:spPr>
           <a:xfrm>
-            <a:off x="2931129" y="4248917"/>
+            <a:off x="2931129" y="4424510"/>
             <a:ext cx="1526938" cy="457125"/>
           </a:xfrm>
           <a:prstGeom prst="roundRect">
@@ -32820,7 +34636,7 @@
         </p:nvCxnSpPr>
         <p:spPr>
           <a:xfrm>
-            <a:off x="4746621" y="4044789"/>
+            <a:off x="4746621" y="4220382"/>
             <a:ext cx="0" cy="1668986"/>
           </a:xfrm>
           <a:prstGeom prst="straightConnector1">
@@ -32859,7 +34675,7 @@
         </p:nvSpPr>
         <p:spPr>
           <a:xfrm>
-            <a:off x="4081062" y="4968652"/>
+            <a:off x="4081062" y="5144245"/>
             <a:ext cx="1417981" cy="399662"/>
           </a:xfrm>
           <a:prstGeom prst="roundRect">
@@ -32910,7 +34726,7 @@
         </p:nvCxnSpPr>
         <p:spPr>
           <a:xfrm>
-            <a:off x="6015203" y="4052986"/>
+            <a:off x="6015203" y="4228579"/>
             <a:ext cx="0" cy="1668986"/>
           </a:xfrm>
           <a:prstGeom prst="straightConnector1">
@@ -32949,7 +34765,7 @@
         </p:nvSpPr>
         <p:spPr>
           <a:xfrm>
-            <a:off x="5365849" y="4238594"/>
+            <a:off x="5365849" y="4414187"/>
             <a:ext cx="1417981" cy="457124"/>
           </a:xfrm>
           <a:prstGeom prst="roundRect">
@@ -33000,7 +34816,7 @@
         </p:nvCxnSpPr>
         <p:spPr>
           <a:xfrm>
-            <a:off x="7229950" y="4021144"/>
+            <a:off x="7229950" y="4196737"/>
             <a:ext cx="0" cy="1668986"/>
           </a:xfrm>
           <a:prstGeom prst="straightConnector1">
@@ -33039,7 +34855,7 @@
         </p:nvSpPr>
         <p:spPr>
           <a:xfrm>
-            <a:off x="6564391" y="4945006"/>
+            <a:off x="6564391" y="5120599"/>
             <a:ext cx="1417981" cy="457123"/>
           </a:xfrm>
           <a:prstGeom prst="roundRect">
@@ -33090,7 +34906,7 @@
         </p:nvCxnSpPr>
         <p:spPr>
           <a:xfrm>
-            <a:off x="8662605" y="4071860"/>
+            <a:off x="8662605" y="4247453"/>
             <a:ext cx="0" cy="1668986"/>
           </a:xfrm>
           <a:prstGeom prst="straightConnector1">
@@ -33129,7 +34945,7 @@
         </p:nvSpPr>
         <p:spPr>
           <a:xfrm>
-            <a:off x="8013251" y="4257468"/>
+            <a:off x="8013251" y="4433061"/>
             <a:ext cx="1417981" cy="457124"/>
           </a:xfrm>
           <a:prstGeom prst="roundRect">
@@ -33164,6 +34980,96 @@
           </a:p>
         </p:txBody>
       </p:sp>
+      <p:sp>
+        <p:nvSpPr>
+          <p:cNvPr id="9" name="Rectangle: Rounded Corners 8">
+            <a:extLst>
+              <a:ext uri="{FF2B5EF4-FFF2-40B4-BE49-F238E27FC236}">
+                <a16:creationId xmlns:a16="http://schemas.microsoft.com/office/drawing/2014/main" id="{BF6110A3-F101-42DE-9B90-5A19984A08BE}"/>
+              </a:ext>
+            </a:extLst>
+          </p:cNvPr>
+          <p:cNvSpPr/>
+          <p:nvPr/>
+        </p:nvSpPr>
+        <p:spPr>
+          <a:xfrm>
+            <a:off x="3871364" y="1293583"/>
+            <a:ext cx="1452575" cy="318053"/>
+          </a:xfrm>
+          <a:prstGeom prst="roundRect">
+            <a:avLst/>
+          </a:prstGeom>
+        </p:spPr>
+        <p:style>
+          <a:lnRef idx="2">
+            <a:schemeClr val="accent1">
+              <a:shade val="50000"/>
+            </a:schemeClr>
+          </a:lnRef>
+          <a:fillRef idx="1">
+            <a:schemeClr val="accent1"/>
+          </a:fillRef>
+          <a:effectRef idx="0">
+            <a:schemeClr val="accent1"/>
+          </a:effectRef>
+          <a:fontRef idx="minor">
+            <a:schemeClr val="lt1"/>
+          </a:fontRef>
+        </p:style>
+        <p:txBody>
+          <a:bodyPr rtlCol="0" anchor="ctr"/>
+          <a:lstStyle/>
+          <a:p>
+            <a:pPr algn="ctr"/>
+            <a:r>
+              <a:rPr lang="en-IN" dirty="0"/>
+              <a:t>Sign up</a:t>
+            </a:r>
+          </a:p>
+        </p:txBody>
+      </p:sp>
+      <p:cxnSp>
+        <p:nvCxnSpPr>
+          <p:cNvPr id="13" name="Straight Arrow Connector 12">
+            <a:extLst>
+              <a:ext uri="{FF2B5EF4-FFF2-40B4-BE49-F238E27FC236}">
+                <a16:creationId xmlns:a16="http://schemas.microsoft.com/office/drawing/2014/main" id="{126E04FF-1DCA-4BB3-BE95-D1938DEE2EE3}"/>
+              </a:ext>
+            </a:extLst>
+          </p:cNvPr>
+          <p:cNvCxnSpPr>
+            <a:cxnSpLocks/>
+          </p:cNvCxnSpPr>
+          <p:nvPr/>
+        </p:nvCxnSpPr>
+        <p:spPr>
+          <a:xfrm>
+            <a:off x="4550651" y="1632341"/>
+            <a:ext cx="10306" cy="259549"/>
+          </a:xfrm>
+          <a:prstGeom prst="straightConnector1">
+            <a:avLst/>
+          </a:prstGeom>
+          <a:ln>
+            <a:tailEnd type="triangle"/>
+          </a:ln>
+        </p:spPr>
+        <p:style>
+          <a:lnRef idx="1">
+            <a:schemeClr val="dk1"/>
+          </a:lnRef>
+          <a:fillRef idx="0">
+            <a:schemeClr val="dk1"/>
+          </a:fillRef>
+          <a:effectRef idx="0">
+            <a:schemeClr val="dk1"/>
+          </a:effectRef>
+          <a:fontRef idx="minor">
+            <a:schemeClr val="tx1"/>
+          </a:fontRef>
+        </p:style>
+      </p:cxnSp>
     </p:spTree>
     <p:extLst>
       <p:ext uri="{BB962C8B-B14F-4D97-AF65-F5344CB8AC3E}">
@@ -33326,7 +35232,7 @@
         <p:spPr>
           <a:xfrm>
             <a:off x="556592" y="702366"/>
-            <a:ext cx="10363200" cy="5729774"/>
+            <a:ext cx="10363200" cy="3354765"/>
           </a:xfrm>
           <a:prstGeom prst="rect">
             <a:avLst/>
@@ -33356,28 +35262,7 @@
             </a:pPr>
             <a:r>
               <a:rPr lang="en-US" dirty="0"/>
-              <a:t>Many customers go for purchasing offline so as to examine the product and hold the possession of the product just after the payment for the product. In this contemporary world customer’s  loyalty depends upon the consistent ability to deliver quality, value and satisfaction. Offline shopping has a sense of immediacy. You get to posses the item you've purchased the very moment. If we can search and make a list of items that we would like to try while shopping, before actually going out. This way we can be more confident in our purchase and not missing out something... This can also help us to decide what areas to visit. And plan such an event with friends...</a:t>
-            </a:r>
-          </a:p>
-          <a:p>
-            <a:pPr marL="417150" indent="-342900" algn="just">
-              <a:spcBef>
-                <a:spcPts val="500"/>
-              </a:spcBef>
-              <a:spcAft>
-                <a:spcPts val="500"/>
-              </a:spcAft>
-              <a:buClr>
-                <a:schemeClr val="accent1">
-                  <a:lumMod val="75000"/>
-                </a:schemeClr>
-              </a:buClr>
-              <a:buFont typeface="Wingdings" panose="05000000000000000000" pitchFamily="2" charset="2"/>
-              <a:buChar char="v"/>
-            </a:pPr>
-            <a:r>
-              <a:rPr lang="en-US" dirty="0"/>
-              <a:t> Time Consuming  </a:t>
+              <a:t>Time Consuming  </a:t>
             </a:r>
           </a:p>
           <a:p>
@@ -33808,7 +35693,7 @@
           <a:lstStyle/>
           <a:p>
             <a:pPr algn="ctr"/>
-            <a:endParaRPr lang="en-IN"/>
+            <a:endParaRPr lang="en-IN" dirty="0"/>
           </a:p>
         </p:txBody>
       </p:sp>
@@ -38791,7 +40676,7 @@
                     <a:lstStyle/>
                     <a:p>
                       <a:r>
-                        <a:rPr lang="en-IN">
+                        <a:rPr lang="en-IN" dirty="0">
                           <a:solidFill>
                             <a:srgbClr val="000000"/>
                           </a:solidFill>
